--- a/EnPro_ALF_Poster.pptx
+++ b/EnPro_ALF_Poster.pptx
@@ -1,21 +1,116 @@
 
 <file path=ppt/presentation.xml><?xml version="1.0" encoding="utf-8"?>
-<p:presentation xmlns:a="http://schemas.openxmlformats.org/drawingml/2006/main" xmlns:p="http://schemas.openxmlformats.org/presentationml/2006/main" xmlns:r="http://schemas.openxmlformats.org/officeDocument/2006/relationships" xmlns:p14="http://schemas.microsoft.com/office/powerpoint/2010/main" xmlns:p15="http://schemas.microsoft.com/office/powerpoint/2012/main" xmlns:mc="http://schemas.openxmlformats.org/markup-compatibility/2006">
+<p:presentation xmlns:a="http://schemas.openxmlformats.org/drawingml/2006/main" xmlns:r="http://schemas.openxmlformats.org/officeDocument/2006/relationships" xmlns:p="http://schemas.openxmlformats.org/presentationml/2006/main">
   <p:sldMasterIdLst>
-    <p:sldMasterId id="2147483648" r:id="rId2"/>
-    <p:sldMasterId id="2147483661" r:id="rId3"/>
-    <p:sldMasterId id="2147483674" r:id="rId4"/>
+    <p:sldMasterId id="2147483648" r:id="rId1"/>
+    <p:sldMasterId id="2147483661" r:id="rId2"/>
+    <p:sldMasterId id="2147483674" r:id="rId3"/>
   </p:sldMasterIdLst>
   <p:sldIdLst>
-    <p:sldId id="256" r:id="rId5"/>
+    <p:sldId id="256" r:id="rId4"/>
   </p:sldIdLst>
   <p:sldSz cx="30279975" cy="42808525"/>
-  <p:notesSz cx="7559675" cy="10691812"/>
+  <p:notesSz cx="7559675" cy="10691813"/>
+  <p:defaultTextStyle>
+    <a:defPPr>
+      <a:defRPr lang="de-DE"/>
+    </a:defPPr>
+    <a:lvl1pPr marL="0" algn="l" defTabSz="914400" rtl="0" eaLnBrk="1" latinLnBrk="0" hangingPunct="1">
+      <a:defRPr sz="1800" kern="1200">
+        <a:solidFill>
+          <a:schemeClr val="tx1"/>
+        </a:solidFill>
+        <a:latin typeface="+mn-lt"/>
+        <a:ea typeface="+mn-ea"/>
+        <a:cs typeface="+mn-cs"/>
+      </a:defRPr>
+    </a:lvl1pPr>
+    <a:lvl2pPr marL="457200" algn="l" defTabSz="914400" rtl="0" eaLnBrk="1" latinLnBrk="0" hangingPunct="1">
+      <a:defRPr sz="1800" kern="1200">
+        <a:solidFill>
+          <a:schemeClr val="tx1"/>
+        </a:solidFill>
+        <a:latin typeface="+mn-lt"/>
+        <a:ea typeface="+mn-ea"/>
+        <a:cs typeface="+mn-cs"/>
+      </a:defRPr>
+    </a:lvl2pPr>
+    <a:lvl3pPr marL="914400" algn="l" defTabSz="914400" rtl="0" eaLnBrk="1" latinLnBrk="0" hangingPunct="1">
+      <a:defRPr sz="1800" kern="1200">
+        <a:solidFill>
+          <a:schemeClr val="tx1"/>
+        </a:solidFill>
+        <a:latin typeface="+mn-lt"/>
+        <a:ea typeface="+mn-ea"/>
+        <a:cs typeface="+mn-cs"/>
+      </a:defRPr>
+    </a:lvl3pPr>
+    <a:lvl4pPr marL="1371600" algn="l" defTabSz="914400" rtl="0" eaLnBrk="1" latinLnBrk="0" hangingPunct="1">
+      <a:defRPr sz="1800" kern="1200">
+        <a:solidFill>
+          <a:schemeClr val="tx1"/>
+        </a:solidFill>
+        <a:latin typeface="+mn-lt"/>
+        <a:ea typeface="+mn-ea"/>
+        <a:cs typeface="+mn-cs"/>
+      </a:defRPr>
+    </a:lvl4pPr>
+    <a:lvl5pPr marL="1828800" algn="l" defTabSz="914400" rtl="0" eaLnBrk="1" latinLnBrk="0" hangingPunct="1">
+      <a:defRPr sz="1800" kern="1200">
+        <a:solidFill>
+          <a:schemeClr val="tx1"/>
+        </a:solidFill>
+        <a:latin typeface="+mn-lt"/>
+        <a:ea typeface="+mn-ea"/>
+        <a:cs typeface="+mn-cs"/>
+      </a:defRPr>
+    </a:lvl5pPr>
+    <a:lvl6pPr marL="2286000" algn="l" defTabSz="914400" rtl="0" eaLnBrk="1" latinLnBrk="0" hangingPunct="1">
+      <a:defRPr sz="1800" kern="1200">
+        <a:solidFill>
+          <a:schemeClr val="tx1"/>
+        </a:solidFill>
+        <a:latin typeface="+mn-lt"/>
+        <a:ea typeface="+mn-ea"/>
+        <a:cs typeface="+mn-cs"/>
+      </a:defRPr>
+    </a:lvl6pPr>
+    <a:lvl7pPr marL="2743200" algn="l" defTabSz="914400" rtl="0" eaLnBrk="1" latinLnBrk="0" hangingPunct="1">
+      <a:defRPr sz="1800" kern="1200">
+        <a:solidFill>
+          <a:schemeClr val="tx1"/>
+        </a:solidFill>
+        <a:latin typeface="+mn-lt"/>
+        <a:ea typeface="+mn-ea"/>
+        <a:cs typeface="+mn-cs"/>
+      </a:defRPr>
+    </a:lvl7pPr>
+    <a:lvl8pPr marL="3200400" algn="l" defTabSz="914400" rtl="0" eaLnBrk="1" latinLnBrk="0" hangingPunct="1">
+      <a:defRPr sz="1800" kern="1200">
+        <a:solidFill>
+          <a:schemeClr val="tx1"/>
+        </a:solidFill>
+        <a:latin typeface="+mn-lt"/>
+        <a:ea typeface="+mn-ea"/>
+        <a:cs typeface="+mn-cs"/>
+      </a:defRPr>
+    </a:lvl8pPr>
+    <a:lvl9pPr marL="3657600" algn="l" defTabSz="914400" rtl="0" eaLnBrk="1" latinLnBrk="0" hangingPunct="1">
+      <a:defRPr sz="1800" kern="1200">
+        <a:solidFill>
+          <a:schemeClr val="tx1"/>
+        </a:solidFill>
+        <a:latin typeface="+mn-lt"/>
+        <a:ea typeface="+mn-ea"/>
+        <a:cs typeface="+mn-cs"/>
+      </a:defRPr>
+    </a:lvl9pPr>
+  </p:defaultTextStyle>
 </p:presentation>
 </file>
 
 <file path=ppt/slideLayouts/slideLayout1.xml><?xml version="1.0" encoding="utf-8"?>
-<p:sldLayout xmlns:a="http://schemas.openxmlformats.org/drawingml/2006/main" xmlns:p="http://schemas.openxmlformats.org/presentationml/2006/main" xmlns:r="http://schemas.openxmlformats.org/officeDocument/2006/relationships" xmlns:p14="http://schemas.microsoft.com/office/powerpoint/2010/main" xmlns:p15="http://schemas.microsoft.com/office/powerpoint/2012/main" xmlns:mc="http://schemas.openxmlformats.org/markup-compatibility/2006" type="blank" preserve="1">
+<p:sldLayout xmlns:a="http://schemas.openxmlformats.org/drawingml/2006/main" xmlns:r="http://schemas.openxmlformats.org/officeDocument/2006/relationships" xmlns:p="http://schemas.openxmlformats.org/presentationml/2006/main" type="blank" preserve="1">
   <p:cSld name="Blank Slide">
     <p:spTree>
       <p:nvGrpSpPr>
@@ -33,11 +128,14 @@
       </p:grpSpPr>
     </p:spTree>
   </p:cSld>
+  <p:clrMapOvr>
+    <a:masterClrMapping/>
+  </p:clrMapOvr>
 </p:sldLayout>
 </file>
 
 <file path=ppt/slideLayouts/slideLayout10.xml><?xml version="1.0" encoding="utf-8"?>
-<p:sldLayout xmlns:a="http://schemas.openxmlformats.org/drawingml/2006/main" xmlns:p="http://schemas.openxmlformats.org/presentationml/2006/main" xmlns:r="http://schemas.openxmlformats.org/officeDocument/2006/relationships" xmlns:p14="http://schemas.microsoft.com/office/powerpoint/2010/main" xmlns:p15="http://schemas.microsoft.com/office/powerpoint/2012/main" xmlns:mc="http://schemas.openxmlformats.org/markup-compatibility/2006" type="objOverTx" preserve="1">
+<p:sldLayout xmlns:a="http://schemas.openxmlformats.org/drawingml/2006/main" xmlns:r="http://schemas.openxmlformats.org/officeDocument/2006/relationships" xmlns:p="http://schemas.openxmlformats.org/presentationml/2006/main" type="objOverTx" preserve="1">
   <p:cSld name="Title, Content over Content">
     <p:spTree>
       <p:nvGrpSpPr>
@@ -73,12 +171,13 @@
           </a:prstGeom>
         </p:spPr>
         <p:txBody>
-          <a:bodyPr lIns="0" rIns="0" tIns="0" bIns="0" anchor="ctr">
+          <a:bodyPr lIns="0" tIns="0" rIns="0" bIns="0" anchor="ctr">
             <a:spAutoFit/>
           </a:bodyPr>
+          <a:lstStyle/>
           <a:p>
             <a:pPr algn="ctr"/>
-            <a:endParaRPr b="0" lang="de-DE" sz="4400" spc="-1" strike="noStrike">
+            <a:endParaRPr lang="de-DE" sz="4400" b="0" strike="noStrike" spc="-1">
               <a:latin typeface="Arial"/>
             </a:endParaRPr>
           </a:p>
@@ -104,11 +203,12 @@
           </a:prstGeom>
         </p:spPr>
         <p:txBody>
-          <a:bodyPr lIns="0" rIns="0" tIns="0" bIns="0">
+          <a:bodyPr lIns="0" tIns="0" rIns="0" bIns="0">
             <a:normAutofit/>
           </a:bodyPr>
-          <a:p>
-            <a:endParaRPr b="0" lang="de-DE" sz="3200" spc="-1" strike="noStrike">
+          <a:lstStyle/>
+          <a:p>
+            <a:endParaRPr lang="de-DE" sz="3200" b="0" strike="noStrike" spc="-1">
               <a:latin typeface="Arial"/>
             </a:endParaRPr>
           </a:p>
@@ -134,11 +234,12 @@
           </a:prstGeom>
         </p:spPr>
         <p:txBody>
-          <a:bodyPr lIns="0" rIns="0" tIns="0" bIns="0">
+          <a:bodyPr lIns="0" tIns="0" rIns="0" bIns="0">
             <a:normAutofit/>
           </a:bodyPr>
-          <a:p>
-            <a:endParaRPr b="0" lang="de-DE" sz="3200" spc="-1" strike="noStrike">
+          <a:lstStyle/>
+          <a:p>
+            <a:endParaRPr lang="de-DE" sz="3200" b="0" strike="noStrike" spc="-1">
               <a:latin typeface="Arial"/>
             </a:endParaRPr>
           </a:p>
@@ -146,11 +247,14 @@
       </p:sp>
     </p:spTree>
   </p:cSld>
+  <p:clrMapOvr>
+    <a:masterClrMapping/>
+  </p:clrMapOvr>
 </p:sldLayout>
 </file>
 
 <file path=ppt/slideLayouts/slideLayout11.xml><?xml version="1.0" encoding="utf-8"?>
-<p:sldLayout xmlns:a="http://schemas.openxmlformats.org/drawingml/2006/main" xmlns:p="http://schemas.openxmlformats.org/presentationml/2006/main" xmlns:r="http://schemas.openxmlformats.org/officeDocument/2006/relationships" xmlns:p14="http://schemas.microsoft.com/office/powerpoint/2010/main" xmlns:p15="http://schemas.microsoft.com/office/powerpoint/2012/main" xmlns:mc="http://schemas.openxmlformats.org/markup-compatibility/2006" type="fourObj" preserve="1">
+<p:sldLayout xmlns:a="http://schemas.openxmlformats.org/drawingml/2006/main" xmlns:r="http://schemas.openxmlformats.org/officeDocument/2006/relationships" xmlns:p="http://schemas.openxmlformats.org/presentationml/2006/main" type="fourObj" preserve="1">
   <p:cSld name="Title, 4 Content">
     <p:spTree>
       <p:nvGrpSpPr>
@@ -186,12 +290,13 @@
           </a:prstGeom>
         </p:spPr>
         <p:txBody>
-          <a:bodyPr lIns="0" rIns="0" tIns="0" bIns="0" anchor="ctr">
+          <a:bodyPr lIns="0" tIns="0" rIns="0" bIns="0" anchor="ctr">
             <a:spAutoFit/>
           </a:bodyPr>
+          <a:lstStyle/>
           <a:p>
             <a:pPr algn="ctr"/>
-            <a:endParaRPr b="0" lang="de-DE" sz="4400" spc="-1" strike="noStrike">
+            <a:endParaRPr lang="de-DE" sz="4400" b="0" strike="noStrike" spc="-1">
               <a:latin typeface="Arial"/>
             </a:endParaRPr>
           </a:p>
@@ -217,11 +322,12 @@
           </a:prstGeom>
         </p:spPr>
         <p:txBody>
-          <a:bodyPr lIns="0" rIns="0" tIns="0" bIns="0">
+          <a:bodyPr lIns="0" tIns="0" rIns="0" bIns="0">
             <a:normAutofit/>
           </a:bodyPr>
-          <a:p>
-            <a:endParaRPr b="0" lang="de-DE" sz="3200" spc="-1" strike="noStrike">
+          <a:lstStyle/>
+          <a:p>
+            <a:endParaRPr lang="de-DE" sz="3200" b="0" strike="noStrike" spc="-1">
               <a:latin typeface="Arial"/>
             </a:endParaRPr>
           </a:p>
@@ -247,11 +353,12 @@
           </a:prstGeom>
         </p:spPr>
         <p:txBody>
-          <a:bodyPr lIns="0" rIns="0" tIns="0" bIns="0">
+          <a:bodyPr lIns="0" tIns="0" rIns="0" bIns="0">
             <a:normAutofit/>
           </a:bodyPr>
-          <a:p>
-            <a:endParaRPr b="0" lang="de-DE" sz="3200" spc="-1" strike="noStrike">
+          <a:lstStyle/>
+          <a:p>
+            <a:endParaRPr lang="de-DE" sz="3200" b="0" strike="noStrike" spc="-1">
               <a:latin typeface="Arial"/>
             </a:endParaRPr>
           </a:p>
@@ -277,11 +384,12 @@
           </a:prstGeom>
         </p:spPr>
         <p:txBody>
-          <a:bodyPr lIns="0" rIns="0" tIns="0" bIns="0">
+          <a:bodyPr lIns="0" tIns="0" rIns="0" bIns="0">
             <a:normAutofit/>
           </a:bodyPr>
-          <a:p>
-            <a:endParaRPr b="0" lang="de-DE" sz="3200" spc="-1" strike="noStrike">
+          <a:lstStyle/>
+          <a:p>
+            <a:endParaRPr lang="de-DE" sz="3200" b="0" strike="noStrike" spc="-1">
               <a:latin typeface="Arial"/>
             </a:endParaRPr>
           </a:p>
@@ -307,11 +415,12 @@
           </a:prstGeom>
         </p:spPr>
         <p:txBody>
-          <a:bodyPr lIns="0" rIns="0" tIns="0" bIns="0">
+          <a:bodyPr lIns="0" tIns="0" rIns="0" bIns="0">
             <a:normAutofit/>
           </a:bodyPr>
-          <a:p>
-            <a:endParaRPr b="0" lang="de-DE" sz="3200" spc="-1" strike="noStrike">
+          <a:lstStyle/>
+          <a:p>
+            <a:endParaRPr lang="de-DE" sz="3200" b="0" strike="noStrike" spc="-1">
               <a:latin typeface="Arial"/>
             </a:endParaRPr>
           </a:p>
@@ -319,11 +428,14 @@
       </p:sp>
     </p:spTree>
   </p:cSld>
+  <p:clrMapOvr>
+    <a:masterClrMapping/>
+  </p:clrMapOvr>
 </p:sldLayout>
 </file>
 
 <file path=ppt/slideLayouts/slideLayout12.xml><?xml version="1.0" encoding="utf-8"?>
-<p:sldLayout xmlns:a="http://schemas.openxmlformats.org/drawingml/2006/main" xmlns:p="http://schemas.openxmlformats.org/presentationml/2006/main" xmlns:r="http://schemas.openxmlformats.org/officeDocument/2006/relationships" xmlns:p14="http://schemas.microsoft.com/office/powerpoint/2010/main" xmlns:p15="http://schemas.microsoft.com/office/powerpoint/2012/main" xmlns:mc="http://schemas.openxmlformats.org/markup-compatibility/2006" type="blank" preserve="1">
+<p:sldLayout xmlns:a="http://schemas.openxmlformats.org/drawingml/2006/main" xmlns:r="http://schemas.openxmlformats.org/officeDocument/2006/relationships" xmlns:p="http://schemas.openxmlformats.org/presentationml/2006/main" type="blank" preserve="1">
   <p:cSld name="Title, 6 Content">
     <p:spTree>
       <p:nvGrpSpPr>
@@ -359,12 +471,13 @@
           </a:prstGeom>
         </p:spPr>
         <p:txBody>
-          <a:bodyPr lIns="0" rIns="0" tIns="0" bIns="0" anchor="ctr">
+          <a:bodyPr lIns="0" tIns="0" rIns="0" bIns="0" anchor="ctr">
             <a:spAutoFit/>
           </a:bodyPr>
+          <a:lstStyle/>
           <a:p>
             <a:pPr algn="ctr"/>
-            <a:endParaRPr b="0" lang="de-DE" sz="4400" spc="-1" strike="noStrike">
+            <a:endParaRPr lang="de-DE" sz="4400" b="0" strike="noStrike" spc="-1">
               <a:latin typeface="Arial"/>
             </a:endParaRPr>
           </a:p>
@@ -390,11 +503,12 @@
           </a:prstGeom>
         </p:spPr>
         <p:txBody>
-          <a:bodyPr lIns="0" rIns="0" tIns="0" bIns="0">
+          <a:bodyPr lIns="0" tIns="0" rIns="0" bIns="0">
             <a:normAutofit/>
           </a:bodyPr>
-          <a:p>
-            <a:endParaRPr b="0" lang="de-DE" sz="3200" spc="-1" strike="noStrike">
+          <a:lstStyle/>
+          <a:p>
+            <a:endParaRPr lang="de-DE" sz="3200" b="0" strike="noStrike" spc="-1">
               <a:latin typeface="Arial"/>
             </a:endParaRPr>
           </a:p>
@@ -420,11 +534,12 @@
           </a:prstGeom>
         </p:spPr>
         <p:txBody>
-          <a:bodyPr lIns="0" rIns="0" tIns="0" bIns="0">
+          <a:bodyPr lIns="0" tIns="0" rIns="0" bIns="0">
             <a:normAutofit/>
           </a:bodyPr>
-          <a:p>
-            <a:endParaRPr b="0" lang="de-DE" sz="3200" spc="-1" strike="noStrike">
+          <a:lstStyle/>
+          <a:p>
+            <a:endParaRPr lang="de-DE" sz="3200" b="0" strike="noStrike" spc="-1">
               <a:latin typeface="Arial"/>
             </a:endParaRPr>
           </a:p>
@@ -450,11 +565,12 @@
           </a:prstGeom>
         </p:spPr>
         <p:txBody>
-          <a:bodyPr lIns="0" rIns="0" tIns="0" bIns="0">
+          <a:bodyPr lIns="0" tIns="0" rIns="0" bIns="0">
             <a:normAutofit/>
           </a:bodyPr>
-          <a:p>
-            <a:endParaRPr b="0" lang="de-DE" sz="3200" spc="-1" strike="noStrike">
+          <a:lstStyle/>
+          <a:p>
+            <a:endParaRPr lang="de-DE" sz="3200" b="0" strike="noStrike" spc="-1">
               <a:latin typeface="Arial"/>
             </a:endParaRPr>
           </a:p>
@@ -480,11 +596,12 @@
           </a:prstGeom>
         </p:spPr>
         <p:txBody>
-          <a:bodyPr lIns="0" rIns="0" tIns="0" bIns="0">
+          <a:bodyPr lIns="0" tIns="0" rIns="0" bIns="0">
             <a:normAutofit/>
           </a:bodyPr>
-          <a:p>
-            <a:endParaRPr b="0" lang="de-DE" sz="3200" spc="-1" strike="noStrike">
+          <a:lstStyle/>
+          <a:p>
+            <a:endParaRPr lang="de-DE" sz="3200" b="0" strike="noStrike" spc="-1">
               <a:latin typeface="Arial"/>
             </a:endParaRPr>
           </a:p>
@@ -510,11 +627,12 @@
           </a:prstGeom>
         </p:spPr>
         <p:txBody>
-          <a:bodyPr lIns="0" rIns="0" tIns="0" bIns="0">
+          <a:bodyPr lIns="0" tIns="0" rIns="0" bIns="0">
             <a:normAutofit/>
           </a:bodyPr>
-          <a:p>
-            <a:endParaRPr b="0" lang="de-DE" sz="3200" spc="-1" strike="noStrike">
+          <a:lstStyle/>
+          <a:p>
+            <a:endParaRPr lang="de-DE" sz="3200" b="0" strike="noStrike" spc="-1">
               <a:latin typeface="Arial"/>
             </a:endParaRPr>
           </a:p>
@@ -540,11 +658,12 @@
           </a:prstGeom>
         </p:spPr>
         <p:txBody>
-          <a:bodyPr lIns="0" rIns="0" tIns="0" bIns="0">
+          <a:bodyPr lIns="0" tIns="0" rIns="0" bIns="0">
             <a:normAutofit/>
           </a:bodyPr>
-          <a:p>
-            <a:endParaRPr b="0" lang="de-DE" sz="3200" spc="-1" strike="noStrike">
+          <a:lstStyle/>
+          <a:p>
+            <a:endParaRPr lang="de-DE" sz="3200" b="0" strike="noStrike" spc="-1">
               <a:latin typeface="Arial"/>
             </a:endParaRPr>
           </a:p>
@@ -552,11 +671,14 @@
       </p:sp>
     </p:spTree>
   </p:cSld>
+  <p:clrMapOvr>
+    <a:masterClrMapping/>
+  </p:clrMapOvr>
 </p:sldLayout>
 </file>
 
 <file path=ppt/slideLayouts/slideLayout13.xml><?xml version="1.0" encoding="utf-8"?>
-<p:sldLayout xmlns:a="http://schemas.openxmlformats.org/drawingml/2006/main" xmlns:p="http://schemas.openxmlformats.org/presentationml/2006/main" xmlns:r="http://schemas.openxmlformats.org/officeDocument/2006/relationships" xmlns:p14="http://schemas.microsoft.com/office/powerpoint/2010/main" xmlns:p15="http://schemas.microsoft.com/office/powerpoint/2012/main" xmlns:mc="http://schemas.openxmlformats.org/markup-compatibility/2006" type="blank" preserve="1">
+<p:sldLayout xmlns:a="http://schemas.openxmlformats.org/drawingml/2006/main" xmlns:r="http://schemas.openxmlformats.org/officeDocument/2006/relationships" xmlns:p="http://schemas.openxmlformats.org/presentationml/2006/main" type="blank" preserve="1">
   <p:cSld name="Blank Slide">
     <p:spTree>
       <p:nvGrpSpPr>
@@ -574,11 +696,14 @@
       </p:grpSpPr>
     </p:spTree>
   </p:cSld>
+  <p:clrMapOvr>
+    <a:masterClrMapping/>
+  </p:clrMapOvr>
 </p:sldLayout>
 </file>
 
 <file path=ppt/slideLayouts/slideLayout14.xml><?xml version="1.0" encoding="utf-8"?>
-<p:sldLayout xmlns:a="http://schemas.openxmlformats.org/drawingml/2006/main" xmlns:p="http://schemas.openxmlformats.org/presentationml/2006/main" xmlns:r="http://schemas.openxmlformats.org/officeDocument/2006/relationships" xmlns:p14="http://schemas.microsoft.com/office/powerpoint/2010/main" xmlns:p15="http://schemas.microsoft.com/office/powerpoint/2012/main" xmlns:mc="http://schemas.openxmlformats.org/markup-compatibility/2006" type="tx" preserve="1">
+<p:sldLayout xmlns:a="http://schemas.openxmlformats.org/drawingml/2006/main" xmlns:r="http://schemas.openxmlformats.org/officeDocument/2006/relationships" xmlns:p="http://schemas.openxmlformats.org/presentationml/2006/main" type="tx" preserve="1">
   <p:cSld name="Title Slide">
     <p:spTree>
       <p:nvGrpSpPr>
@@ -614,12 +739,13 @@
           </a:prstGeom>
         </p:spPr>
         <p:txBody>
-          <a:bodyPr lIns="0" rIns="0" tIns="0" bIns="0" anchor="ctr">
+          <a:bodyPr lIns="0" tIns="0" rIns="0" bIns="0" anchor="ctr">
             <a:spAutoFit/>
           </a:bodyPr>
+          <a:lstStyle/>
           <a:p>
             <a:pPr algn="ctr"/>
-            <a:endParaRPr b="0" lang="de-DE" sz="4400" spc="-1" strike="noStrike">
+            <a:endParaRPr lang="de-DE" sz="4400" b="0" strike="noStrike" spc="-1">
               <a:latin typeface="Arial"/>
             </a:endParaRPr>
           </a:p>
@@ -645,12 +771,13 @@
           </a:prstGeom>
         </p:spPr>
         <p:txBody>
-          <a:bodyPr lIns="0" rIns="0" tIns="0" bIns="0" anchor="ctr">
+          <a:bodyPr lIns="0" tIns="0" rIns="0" bIns="0" anchor="ctr">
             <a:spAutoFit/>
           </a:bodyPr>
+          <a:lstStyle/>
           <a:p>
             <a:pPr algn="ctr"/>
-            <a:endParaRPr b="0" lang="de-DE" sz="3200" spc="-1" strike="noStrike">
+            <a:endParaRPr lang="de-DE" sz="3200" b="0" strike="noStrike" spc="-1">
               <a:latin typeface="Arial"/>
             </a:endParaRPr>
           </a:p>
@@ -658,11 +785,14 @@
       </p:sp>
     </p:spTree>
   </p:cSld>
+  <p:clrMapOvr>
+    <a:masterClrMapping/>
+  </p:clrMapOvr>
 </p:sldLayout>
 </file>
 
 <file path=ppt/slideLayouts/slideLayout15.xml><?xml version="1.0" encoding="utf-8"?>
-<p:sldLayout xmlns:a="http://schemas.openxmlformats.org/drawingml/2006/main" xmlns:p="http://schemas.openxmlformats.org/presentationml/2006/main" xmlns:r="http://schemas.openxmlformats.org/officeDocument/2006/relationships" xmlns:p14="http://schemas.microsoft.com/office/powerpoint/2010/main" xmlns:p15="http://schemas.microsoft.com/office/powerpoint/2012/main" xmlns:mc="http://schemas.openxmlformats.org/markup-compatibility/2006" type="obj" preserve="1">
+<p:sldLayout xmlns:a="http://schemas.openxmlformats.org/drawingml/2006/main" xmlns:r="http://schemas.openxmlformats.org/officeDocument/2006/relationships" xmlns:p="http://schemas.openxmlformats.org/presentationml/2006/main" type="obj" preserve="1">
   <p:cSld name="Title, Content">
     <p:spTree>
       <p:nvGrpSpPr>
@@ -698,12 +828,13 @@
           </a:prstGeom>
         </p:spPr>
         <p:txBody>
-          <a:bodyPr lIns="0" rIns="0" tIns="0" bIns="0" anchor="ctr">
+          <a:bodyPr lIns="0" tIns="0" rIns="0" bIns="0" anchor="ctr">
             <a:spAutoFit/>
           </a:bodyPr>
+          <a:lstStyle/>
           <a:p>
             <a:pPr algn="ctr"/>
-            <a:endParaRPr b="0" lang="de-DE" sz="4400" spc="-1" strike="noStrike">
+            <a:endParaRPr lang="de-DE" sz="4400" b="0" strike="noStrike" spc="-1">
               <a:latin typeface="Arial"/>
             </a:endParaRPr>
           </a:p>
@@ -729,11 +860,12 @@
           </a:prstGeom>
         </p:spPr>
         <p:txBody>
-          <a:bodyPr lIns="0" rIns="0" tIns="0" bIns="0">
+          <a:bodyPr lIns="0" tIns="0" rIns="0" bIns="0">
             <a:normAutofit/>
           </a:bodyPr>
-          <a:p>
-            <a:endParaRPr b="0" lang="de-DE" sz="3200" spc="-1" strike="noStrike">
+          <a:lstStyle/>
+          <a:p>
+            <a:endParaRPr lang="de-DE" sz="3200" b="0" strike="noStrike" spc="-1">
               <a:latin typeface="Arial"/>
             </a:endParaRPr>
           </a:p>
@@ -741,11 +873,14 @@
       </p:sp>
     </p:spTree>
   </p:cSld>
+  <p:clrMapOvr>
+    <a:masterClrMapping/>
+  </p:clrMapOvr>
 </p:sldLayout>
 </file>
 
 <file path=ppt/slideLayouts/slideLayout16.xml><?xml version="1.0" encoding="utf-8"?>
-<p:sldLayout xmlns:a="http://schemas.openxmlformats.org/drawingml/2006/main" xmlns:p="http://schemas.openxmlformats.org/presentationml/2006/main" xmlns:r="http://schemas.openxmlformats.org/officeDocument/2006/relationships" xmlns:p14="http://schemas.microsoft.com/office/powerpoint/2010/main" xmlns:p15="http://schemas.microsoft.com/office/powerpoint/2012/main" xmlns:mc="http://schemas.openxmlformats.org/markup-compatibility/2006" type="twoObj" preserve="1">
+<p:sldLayout xmlns:a="http://schemas.openxmlformats.org/drawingml/2006/main" xmlns:r="http://schemas.openxmlformats.org/officeDocument/2006/relationships" xmlns:p="http://schemas.openxmlformats.org/presentationml/2006/main" type="twoObj" preserve="1">
   <p:cSld name="Title, 2 Content">
     <p:spTree>
       <p:nvGrpSpPr>
@@ -781,12 +916,13 @@
           </a:prstGeom>
         </p:spPr>
         <p:txBody>
-          <a:bodyPr lIns="0" rIns="0" tIns="0" bIns="0" anchor="ctr">
+          <a:bodyPr lIns="0" tIns="0" rIns="0" bIns="0" anchor="ctr">
             <a:spAutoFit/>
           </a:bodyPr>
+          <a:lstStyle/>
           <a:p>
             <a:pPr algn="ctr"/>
-            <a:endParaRPr b="0" lang="de-DE" sz="4400" spc="-1" strike="noStrike">
+            <a:endParaRPr lang="de-DE" sz="4400" b="0" strike="noStrike" spc="-1">
               <a:latin typeface="Arial"/>
             </a:endParaRPr>
           </a:p>
@@ -812,11 +948,12 @@
           </a:prstGeom>
         </p:spPr>
         <p:txBody>
-          <a:bodyPr lIns="0" rIns="0" tIns="0" bIns="0">
+          <a:bodyPr lIns="0" tIns="0" rIns="0" bIns="0">
             <a:normAutofit/>
           </a:bodyPr>
-          <a:p>
-            <a:endParaRPr b="0" lang="de-DE" sz="3200" spc="-1" strike="noStrike">
+          <a:lstStyle/>
+          <a:p>
+            <a:endParaRPr lang="de-DE" sz="3200" b="0" strike="noStrike" spc="-1">
               <a:latin typeface="Arial"/>
             </a:endParaRPr>
           </a:p>
@@ -842,11 +979,12 @@
           </a:prstGeom>
         </p:spPr>
         <p:txBody>
-          <a:bodyPr lIns="0" rIns="0" tIns="0" bIns="0">
+          <a:bodyPr lIns="0" tIns="0" rIns="0" bIns="0">
             <a:normAutofit/>
           </a:bodyPr>
-          <a:p>
-            <a:endParaRPr b="0" lang="de-DE" sz="3200" spc="-1" strike="noStrike">
+          <a:lstStyle/>
+          <a:p>
+            <a:endParaRPr lang="de-DE" sz="3200" b="0" strike="noStrike" spc="-1">
               <a:latin typeface="Arial"/>
             </a:endParaRPr>
           </a:p>
@@ -854,11 +992,14 @@
       </p:sp>
     </p:spTree>
   </p:cSld>
+  <p:clrMapOvr>
+    <a:masterClrMapping/>
+  </p:clrMapOvr>
 </p:sldLayout>
 </file>
 
 <file path=ppt/slideLayouts/slideLayout17.xml><?xml version="1.0" encoding="utf-8"?>
-<p:sldLayout xmlns:a="http://schemas.openxmlformats.org/drawingml/2006/main" xmlns:p="http://schemas.openxmlformats.org/presentationml/2006/main" xmlns:r="http://schemas.openxmlformats.org/officeDocument/2006/relationships" xmlns:p14="http://schemas.microsoft.com/office/powerpoint/2010/main" xmlns:p15="http://schemas.microsoft.com/office/powerpoint/2012/main" xmlns:mc="http://schemas.openxmlformats.org/markup-compatibility/2006" type="titleOnly" preserve="1">
+<p:sldLayout xmlns:a="http://schemas.openxmlformats.org/drawingml/2006/main" xmlns:r="http://schemas.openxmlformats.org/officeDocument/2006/relationships" xmlns:p="http://schemas.openxmlformats.org/presentationml/2006/main" type="titleOnly" preserve="1">
   <p:cSld name="Title Only">
     <p:spTree>
       <p:nvGrpSpPr>
@@ -894,12 +1035,13 @@
           </a:prstGeom>
         </p:spPr>
         <p:txBody>
-          <a:bodyPr lIns="0" rIns="0" tIns="0" bIns="0" anchor="ctr">
+          <a:bodyPr lIns="0" tIns="0" rIns="0" bIns="0" anchor="ctr">
             <a:spAutoFit/>
           </a:bodyPr>
+          <a:lstStyle/>
           <a:p>
             <a:pPr algn="ctr"/>
-            <a:endParaRPr b="0" lang="de-DE" sz="4400" spc="-1" strike="noStrike">
+            <a:endParaRPr lang="de-DE" sz="4400" b="0" strike="noStrike" spc="-1">
               <a:latin typeface="Arial"/>
             </a:endParaRPr>
           </a:p>
@@ -907,11 +1049,14 @@
       </p:sp>
     </p:spTree>
   </p:cSld>
+  <p:clrMapOvr>
+    <a:masterClrMapping/>
+  </p:clrMapOvr>
 </p:sldLayout>
 </file>
 
 <file path=ppt/slideLayouts/slideLayout18.xml><?xml version="1.0" encoding="utf-8"?>
-<p:sldLayout xmlns:a="http://schemas.openxmlformats.org/drawingml/2006/main" xmlns:p="http://schemas.openxmlformats.org/presentationml/2006/main" xmlns:r="http://schemas.openxmlformats.org/officeDocument/2006/relationships" xmlns:p14="http://schemas.microsoft.com/office/powerpoint/2010/main" xmlns:p15="http://schemas.microsoft.com/office/powerpoint/2012/main" xmlns:mc="http://schemas.openxmlformats.org/markup-compatibility/2006" type="objOnly" preserve="1">
+<p:sldLayout xmlns:a="http://schemas.openxmlformats.org/drawingml/2006/main" xmlns:r="http://schemas.openxmlformats.org/officeDocument/2006/relationships" xmlns:p="http://schemas.openxmlformats.org/presentationml/2006/main" type="objOnly" preserve="1">
   <p:cSld name="Centered Text">
     <p:spTree>
       <p:nvGrpSpPr>
@@ -947,12 +1092,13 @@
           </a:prstGeom>
         </p:spPr>
         <p:txBody>
-          <a:bodyPr lIns="0" rIns="0" tIns="0" bIns="0" anchor="ctr">
+          <a:bodyPr lIns="0" tIns="0" rIns="0" bIns="0" anchor="ctr">
             <a:spAutoFit/>
           </a:bodyPr>
+          <a:lstStyle/>
           <a:p>
             <a:pPr algn="ctr"/>
-            <a:endParaRPr b="0" lang="de-DE" sz="3200" spc="-1" strike="noStrike">
+            <a:endParaRPr lang="de-DE" sz="3200" b="0" strike="noStrike" spc="-1">
               <a:latin typeface="Arial"/>
             </a:endParaRPr>
           </a:p>
@@ -960,11 +1106,14 @@
       </p:sp>
     </p:spTree>
   </p:cSld>
+  <p:clrMapOvr>
+    <a:masterClrMapping/>
+  </p:clrMapOvr>
 </p:sldLayout>
 </file>
 
 <file path=ppt/slideLayouts/slideLayout19.xml><?xml version="1.0" encoding="utf-8"?>
-<p:sldLayout xmlns:a="http://schemas.openxmlformats.org/drawingml/2006/main" xmlns:p="http://schemas.openxmlformats.org/presentationml/2006/main" xmlns:r="http://schemas.openxmlformats.org/officeDocument/2006/relationships" xmlns:p14="http://schemas.microsoft.com/office/powerpoint/2010/main" xmlns:p15="http://schemas.microsoft.com/office/powerpoint/2012/main" xmlns:mc="http://schemas.openxmlformats.org/markup-compatibility/2006" type="twoObjAndObj" preserve="1">
+<p:sldLayout xmlns:a="http://schemas.openxmlformats.org/drawingml/2006/main" xmlns:r="http://schemas.openxmlformats.org/officeDocument/2006/relationships" xmlns:p="http://schemas.openxmlformats.org/presentationml/2006/main" type="twoObjAndObj" preserve="1">
   <p:cSld name="Title, 2 Content and Content">
     <p:spTree>
       <p:nvGrpSpPr>
@@ -1000,12 +1149,13 @@
           </a:prstGeom>
         </p:spPr>
         <p:txBody>
-          <a:bodyPr lIns="0" rIns="0" tIns="0" bIns="0" anchor="ctr">
+          <a:bodyPr lIns="0" tIns="0" rIns="0" bIns="0" anchor="ctr">
             <a:spAutoFit/>
           </a:bodyPr>
+          <a:lstStyle/>
           <a:p>
             <a:pPr algn="ctr"/>
-            <a:endParaRPr b="0" lang="de-DE" sz="4400" spc="-1" strike="noStrike">
+            <a:endParaRPr lang="de-DE" sz="4400" b="0" strike="noStrike" spc="-1">
               <a:latin typeface="Arial"/>
             </a:endParaRPr>
           </a:p>
@@ -1031,11 +1181,12 @@
           </a:prstGeom>
         </p:spPr>
         <p:txBody>
-          <a:bodyPr lIns="0" rIns="0" tIns="0" bIns="0">
+          <a:bodyPr lIns="0" tIns="0" rIns="0" bIns="0">
             <a:normAutofit/>
           </a:bodyPr>
-          <a:p>
-            <a:endParaRPr b="0" lang="de-DE" sz="3200" spc="-1" strike="noStrike">
+          <a:lstStyle/>
+          <a:p>
+            <a:endParaRPr lang="de-DE" sz="3200" b="0" strike="noStrike" spc="-1">
               <a:latin typeface="Arial"/>
             </a:endParaRPr>
           </a:p>
@@ -1061,11 +1212,12 @@
           </a:prstGeom>
         </p:spPr>
         <p:txBody>
-          <a:bodyPr lIns="0" rIns="0" tIns="0" bIns="0">
+          <a:bodyPr lIns="0" tIns="0" rIns="0" bIns="0">
             <a:normAutofit/>
           </a:bodyPr>
-          <a:p>
-            <a:endParaRPr b="0" lang="de-DE" sz="3200" spc="-1" strike="noStrike">
+          <a:lstStyle/>
+          <a:p>
+            <a:endParaRPr lang="de-DE" sz="3200" b="0" strike="noStrike" spc="-1">
               <a:latin typeface="Arial"/>
             </a:endParaRPr>
           </a:p>
@@ -1091,11 +1243,12 @@
           </a:prstGeom>
         </p:spPr>
         <p:txBody>
-          <a:bodyPr lIns="0" rIns="0" tIns="0" bIns="0">
+          <a:bodyPr lIns="0" tIns="0" rIns="0" bIns="0">
             <a:normAutofit/>
           </a:bodyPr>
-          <a:p>
-            <a:endParaRPr b="0" lang="de-DE" sz="3200" spc="-1" strike="noStrike">
+          <a:lstStyle/>
+          <a:p>
+            <a:endParaRPr lang="de-DE" sz="3200" b="0" strike="noStrike" spc="-1">
               <a:latin typeface="Arial"/>
             </a:endParaRPr>
           </a:p>
@@ -1103,11 +1256,14 @@
       </p:sp>
     </p:spTree>
   </p:cSld>
+  <p:clrMapOvr>
+    <a:masterClrMapping/>
+  </p:clrMapOvr>
 </p:sldLayout>
 </file>
 
 <file path=ppt/slideLayouts/slideLayout2.xml><?xml version="1.0" encoding="utf-8"?>
-<p:sldLayout xmlns:a="http://schemas.openxmlformats.org/drawingml/2006/main" xmlns:p="http://schemas.openxmlformats.org/presentationml/2006/main" xmlns:r="http://schemas.openxmlformats.org/officeDocument/2006/relationships" xmlns:p14="http://schemas.microsoft.com/office/powerpoint/2010/main" xmlns:p15="http://schemas.microsoft.com/office/powerpoint/2012/main" xmlns:mc="http://schemas.openxmlformats.org/markup-compatibility/2006" type="tx" preserve="1">
+<p:sldLayout xmlns:a="http://schemas.openxmlformats.org/drawingml/2006/main" xmlns:r="http://schemas.openxmlformats.org/officeDocument/2006/relationships" xmlns:p="http://schemas.openxmlformats.org/presentationml/2006/main" type="tx" preserve="1">
   <p:cSld name="Title Slide">
     <p:spTree>
       <p:nvGrpSpPr>
@@ -1143,12 +1299,13 @@
           </a:prstGeom>
         </p:spPr>
         <p:txBody>
-          <a:bodyPr lIns="0" rIns="0" tIns="0" bIns="0" anchor="ctr">
+          <a:bodyPr lIns="0" tIns="0" rIns="0" bIns="0" anchor="ctr">
             <a:spAutoFit/>
           </a:bodyPr>
+          <a:lstStyle/>
           <a:p>
             <a:pPr algn="ctr"/>
-            <a:endParaRPr b="0" lang="de-DE" sz="4400" spc="-1" strike="noStrike">
+            <a:endParaRPr lang="de-DE" sz="4400" b="0" strike="noStrike" spc="-1">
               <a:latin typeface="Arial"/>
             </a:endParaRPr>
           </a:p>
@@ -1174,12 +1331,13 @@
           </a:prstGeom>
         </p:spPr>
         <p:txBody>
-          <a:bodyPr lIns="0" rIns="0" tIns="0" bIns="0" anchor="ctr">
+          <a:bodyPr lIns="0" tIns="0" rIns="0" bIns="0" anchor="ctr">
             <a:spAutoFit/>
           </a:bodyPr>
+          <a:lstStyle/>
           <a:p>
             <a:pPr algn="ctr"/>
-            <a:endParaRPr b="0" lang="de-DE" sz="3200" spc="-1" strike="noStrike">
+            <a:endParaRPr lang="de-DE" sz="3200" b="0" strike="noStrike" spc="-1">
               <a:latin typeface="Arial"/>
             </a:endParaRPr>
           </a:p>
@@ -1187,11 +1345,14 @@
       </p:sp>
     </p:spTree>
   </p:cSld>
+  <p:clrMapOvr>
+    <a:masterClrMapping/>
+  </p:clrMapOvr>
 </p:sldLayout>
 </file>
 
 <file path=ppt/slideLayouts/slideLayout20.xml><?xml version="1.0" encoding="utf-8"?>
-<p:sldLayout xmlns:a="http://schemas.openxmlformats.org/drawingml/2006/main" xmlns:p="http://schemas.openxmlformats.org/presentationml/2006/main" xmlns:r="http://schemas.openxmlformats.org/officeDocument/2006/relationships" xmlns:p14="http://schemas.microsoft.com/office/powerpoint/2010/main" xmlns:p15="http://schemas.microsoft.com/office/powerpoint/2012/main" xmlns:mc="http://schemas.openxmlformats.org/markup-compatibility/2006" type="objAndTwoObj" preserve="1">
+<p:sldLayout xmlns:a="http://schemas.openxmlformats.org/drawingml/2006/main" xmlns:r="http://schemas.openxmlformats.org/officeDocument/2006/relationships" xmlns:p="http://schemas.openxmlformats.org/presentationml/2006/main" type="objAndTwoObj" preserve="1">
   <p:cSld name="Title Content and 2 Content">
     <p:spTree>
       <p:nvGrpSpPr>
@@ -1227,12 +1388,13 @@
           </a:prstGeom>
         </p:spPr>
         <p:txBody>
-          <a:bodyPr lIns="0" rIns="0" tIns="0" bIns="0" anchor="ctr">
+          <a:bodyPr lIns="0" tIns="0" rIns="0" bIns="0" anchor="ctr">
             <a:spAutoFit/>
           </a:bodyPr>
+          <a:lstStyle/>
           <a:p>
             <a:pPr algn="ctr"/>
-            <a:endParaRPr b="0" lang="de-DE" sz="4400" spc="-1" strike="noStrike">
+            <a:endParaRPr lang="de-DE" sz="4400" b="0" strike="noStrike" spc="-1">
               <a:latin typeface="Arial"/>
             </a:endParaRPr>
           </a:p>
@@ -1258,11 +1420,12 @@
           </a:prstGeom>
         </p:spPr>
         <p:txBody>
-          <a:bodyPr lIns="0" rIns="0" tIns="0" bIns="0">
+          <a:bodyPr lIns="0" tIns="0" rIns="0" bIns="0">
             <a:normAutofit/>
           </a:bodyPr>
-          <a:p>
-            <a:endParaRPr b="0" lang="de-DE" sz="3200" spc="-1" strike="noStrike">
+          <a:lstStyle/>
+          <a:p>
+            <a:endParaRPr lang="de-DE" sz="3200" b="0" strike="noStrike" spc="-1">
               <a:latin typeface="Arial"/>
             </a:endParaRPr>
           </a:p>
@@ -1288,11 +1451,12 @@
           </a:prstGeom>
         </p:spPr>
         <p:txBody>
-          <a:bodyPr lIns="0" rIns="0" tIns="0" bIns="0">
+          <a:bodyPr lIns="0" tIns="0" rIns="0" bIns="0">
             <a:normAutofit/>
           </a:bodyPr>
-          <a:p>
-            <a:endParaRPr b="0" lang="de-DE" sz="3200" spc="-1" strike="noStrike">
+          <a:lstStyle/>
+          <a:p>
+            <a:endParaRPr lang="de-DE" sz="3200" b="0" strike="noStrike" spc="-1">
               <a:latin typeface="Arial"/>
             </a:endParaRPr>
           </a:p>
@@ -1318,11 +1482,12 @@
           </a:prstGeom>
         </p:spPr>
         <p:txBody>
-          <a:bodyPr lIns="0" rIns="0" tIns="0" bIns="0">
+          <a:bodyPr lIns="0" tIns="0" rIns="0" bIns="0">
             <a:normAutofit/>
           </a:bodyPr>
-          <a:p>
-            <a:endParaRPr b="0" lang="de-DE" sz="3200" spc="-1" strike="noStrike">
+          <a:lstStyle/>
+          <a:p>
+            <a:endParaRPr lang="de-DE" sz="3200" b="0" strike="noStrike" spc="-1">
               <a:latin typeface="Arial"/>
             </a:endParaRPr>
           </a:p>
@@ -1330,11 +1495,14 @@
       </p:sp>
     </p:spTree>
   </p:cSld>
+  <p:clrMapOvr>
+    <a:masterClrMapping/>
+  </p:clrMapOvr>
 </p:sldLayout>
 </file>
 
 <file path=ppt/slideLayouts/slideLayout21.xml><?xml version="1.0" encoding="utf-8"?>
-<p:sldLayout xmlns:a="http://schemas.openxmlformats.org/drawingml/2006/main" xmlns:p="http://schemas.openxmlformats.org/presentationml/2006/main" xmlns:r="http://schemas.openxmlformats.org/officeDocument/2006/relationships" xmlns:p14="http://schemas.microsoft.com/office/powerpoint/2010/main" xmlns:p15="http://schemas.microsoft.com/office/powerpoint/2012/main" xmlns:mc="http://schemas.openxmlformats.org/markup-compatibility/2006" type="twoObjOverTx" preserve="1">
+<p:sldLayout xmlns:a="http://schemas.openxmlformats.org/drawingml/2006/main" xmlns:r="http://schemas.openxmlformats.org/officeDocument/2006/relationships" xmlns:p="http://schemas.openxmlformats.org/presentationml/2006/main" type="twoObjOverTx" preserve="1">
   <p:cSld name="Title, 2 Content over Content">
     <p:spTree>
       <p:nvGrpSpPr>
@@ -1370,12 +1538,13 @@
           </a:prstGeom>
         </p:spPr>
         <p:txBody>
-          <a:bodyPr lIns="0" rIns="0" tIns="0" bIns="0" anchor="ctr">
+          <a:bodyPr lIns="0" tIns="0" rIns="0" bIns="0" anchor="ctr">
             <a:spAutoFit/>
           </a:bodyPr>
+          <a:lstStyle/>
           <a:p>
             <a:pPr algn="ctr"/>
-            <a:endParaRPr b="0" lang="de-DE" sz="4400" spc="-1" strike="noStrike">
+            <a:endParaRPr lang="de-DE" sz="4400" b="0" strike="noStrike" spc="-1">
               <a:latin typeface="Arial"/>
             </a:endParaRPr>
           </a:p>
@@ -1401,11 +1570,12 @@
           </a:prstGeom>
         </p:spPr>
         <p:txBody>
-          <a:bodyPr lIns="0" rIns="0" tIns="0" bIns="0">
+          <a:bodyPr lIns="0" tIns="0" rIns="0" bIns="0">
             <a:normAutofit/>
           </a:bodyPr>
-          <a:p>
-            <a:endParaRPr b="0" lang="de-DE" sz="3200" spc="-1" strike="noStrike">
+          <a:lstStyle/>
+          <a:p>
+            <a:endParaRPr lang="de-DE" sz="3200" b="0" strike="noStrike" spc="-1">
               <a:latin typeface="Arial"/>
             </a:endParaRPr>
           </a:p>
@@ -1431,11 +1601,12 @@
           </a:prstGeom>
         </p:spPr>
         <p:txBody>
-          <a:bodyPr lIns="0" rIns="0" tIns="0" bIns="0">
+          <a:bodyPr lIns="0" tIns="0" rIns="0" bIns="0">
             <a:normAutofit/>
           </a:bodyPr>
-          <a:p>
-            <a:endParaRPr b="0" lang="de-DE" sz="3200" spc="-1" strike="noStrike">
+          <a:lstStyle/>
+          <a:p>
+            <a:endParaRPr lang="de-DE" sz="3200" b="0" strike="noStrike" spc="-1">
               <a:latin typeface="Arial"/>
             </a:endParaRPr>
           </a:p>
@@ -1461,11 +1632,12 @@
           </a:prstGeom>
         </p:spPr>
         <p:txBody>
-          <a:bodyPr lIns="0" rIns="0" tIns="0" bIns="0">
+          <a:bodyPr lIns="0" tIns="0" rIns="0" bIns="0">
             <a:normAutofit/>
           </a:bodyPr>
-          <a:p>
-            <a:endParaRPr b="0" lang="de-DE" sz="3200" spc="-1" strike="noStrike">
+          <a:lstStyle/>
+          <a:p>
+            <a:endParaRPr lang="de-DE" sz="3200" b="0" strike="noStrike" spc="-1">
               <a:latin typeface="Arial"/>
             </a:endParaRPr>
           </a:p>
@@ -1473,11 +1645,14 @@
       </p:sp>
     </p:spTree>
   </p:cSld>
+  <p:clrMapOvr>
+    <a:masterClrMapping/>
+  </p:clrMapOvr>
 </p:sldLayout>
 </file>
 
 <file path=ppt/slideLayouts/slideLayout22.xml><?xml version="1.0" encoding="utf-8"?>
-<p:sldLayout xmlns:a="http://schemas.openxmlformats.org/drawingml/2006/main" xmlns:p="http://schemas.openxmlformats.org/presentationml/2006/main" xmlns:r="http://schemas.openxmlformats.org/officeDocument/2006/relationships" xmlns:p14="http://schemas.microsoft.com/office/powerpoint/2010/main" xmlns:p15="http://schemas.microsoft.com/office/powerpoint/2012/main" xmlns:mc="http://schemas.openxmlformats.org/markup-compatibility/2006" type="objOverTx" preserve="1">
+<p:sldLayout xmlns:a="http://schemas.openxmlformats.org/drawingml/2006/main" xmlns:r="http://schemas.openxmlformats.org/officeDocument/2006/relationships" xmlns:p="http://schemas.openxmlformats.org/presentationml/2006/main" type="objOverTx" preserve="1">
   <p:cSld name="Title, Content over Content">
     <p:spTree>
       <p:nvGrpSpPr>
@@ -1513,12 +1688,13 @@
           </a:prstGeom>
         </p:spPr>
         <p:txBody>
-          <a:bodyPr lIns="0" rIns="0" tIns="0" bIns="0" anchor="ctr">
+          <a:bodyPr lIns="0" tIns="0" rIns="0" bIns="0" anchor="ctr">
             <a:spAutoFit/>
           </a:bodyPr>
+          <a:lstStyle/>
           <a:p>
             <a:pPr algn="ctr"/>
-            <a:endParaRPr b="0" lang="de-DE" sz="4400" spc="-1" strike="noStrike">
+            <a:endParaRPr lang="de-DE" sz="4400" b="0" strike="noStrike" spc="-1">
               <a:latin typeface="Arial"/>
             </a:endParaRPr>
           </a:p>
@@ -1544,11 +1720,12 @@
           </a:prstGeom>
         </p:spPr>
         <p:txBody>
-          <a:bodyPr lIns="0" rIns="0" tIns="0" bIns="0">
+          <a:bodyPr lIns="0" tIns="0" rIns="0" bIns="0">
             <a:normAutofit/>
           </a:bodyPr>
-          <a:p>
-            <a:endParaRPr b="0" lang="de-DE" sz="3200" spc="-1" strike="noStrike">
+          <a:lstStyle/>
+          <a:p>
+            <a:endParaRPr lang="de-DE" sz="3200" b="0" strike="noStrike" spc="-1">
               <a:latin typeface="Arial"/>
             </a:endParaRPr>
           </a:p>
@@ -1574,11 +1751,12 @@
           </a:prstGeom>
         </p:spPr>
         <p:txBody>
-          <a:bodyPr lIns="0" rIns="0" tIns="0" bIns="0">
+          <a:bodyPr lIns="0" tIns="0" rIns="0" bIns="0">
             <a:normAutofit/>
           </a:bodyPr>
-          <a:p>
-            <a:endParaRPr b="0" lang="de-DE" sz="3200" spc="-1" strike="noStrike">
+          <a:lstStyle/>
+          <a:p>
+            <a:endParaRPr lang="de-DE" sz="3200" b="0" strike="noStrike" spc="-1">
               <a:latin typeface="Arial"/>
             </a:endParaRPr>
           </a:p>
@@ -1586,11 +1764,14 @@
       </p:sp>
     </p:spTree>
   </p:cSld>
+  <p:clrMapOvr>
+    <a:masterClrMapping/>
+  </p:clrMapOvr>
 </p:sldLayout>
 </file>
 
 <file path=ppt/slideLayouts/slideLayout23.xml><?xml version="1.0" encoding="utf-8"?>
-<p:sldLayout xmlns:a="http://schemas.openxmlformats.org/drawingml/2006/main" xmlns:p="http://schemas.openxmlformats.org/presentationml/2006/main" xmlns:r="http://schemas.openxmlformats.org/officeDocument/2006/relationships" xmlns:p14="http://schemas.microsoft.com/office/powerpoint/2010/main" xmlns:p15="http://schemas.microsoft.com/office/powerpoint/2012/main" xmlns:mc="http://schemas.openxmlformats.org/markup-compatibility/2006" type="fourObj" preserve="1">
+<p:sldLayout xmlns:a="http://schemas.openxmlformats.org/drawingml/2006/main" xmlns:r="http://schemas.openxmlformats.org/officeDocument/2006/relationships" xmlns:p="http://schemas.openxmlformats.org/presentationml/2006/main" type="fourObj" preserve="1">
   <p:cSld name="Title, 4 Content">
     <p:spTree>
       <p:nvGrpSpPr>
@@ -1626,12 +1807,13 @@
           </a:prstGeom>
         </p:spPr>
         <p:txBody>
-          <a:bodyPr lIns="0" rIns="0" tIns="0" bIns="0" anchor="ctr">
+          <a:bodyPr lIns="0" tIns="0" rIns="0" bIns="0" anchor="ctr">
             <a:spAutoFit/>
           </a:bodyPr>
+          <a:lstStyle/>
           <a:p>
             <a:pPr algn="ctr"/>
-            <a:endParaRPr b="0" lang="de-DE" sz="4400" spc="-1" strike="noStrike">
+            <a:endParaRPr lang="de-DE" sz="4400" b="0" strike="noStrike" spc="-1">
               <a:latin typeface="Arial"/>
             </a:endParaRPr>
           </a:p>
@@ -1657,11 +1839,12 @@
           </a:prstGeom>
         </p:spPr>
         <p:txBody>
-          <a:bodyPr lIns="0" rIns="0" tIns="0" bIns="0">
+          <a:bodyPr lIns="0" tIns="0" rIns="0" bIns="0">
             <a:normAutofit/>
           </a:bodyPr>
-          <a:p>
-            <a:endParaRPr b="0" lang="de-DE" sz="3200" spc="-1" strike="noStrike">
+          <a:lstStyle/>
+          <a:p>
+            <a:endParaRPr lang="de-DE" sz="3200" b="0" strike="noStrike" spc="-1">
               <a:latin typeface="Arial"/>
             </a:endParaRPr>
           </a:p>
@@ -1687,11 +1870,12 @@
           </a:prstGeom>
         </p:spPr>
         <p:txBody>
-          <a:bodyPr lIns="0" rIns="0" tIns="0" bIns="0">
+          <a:bodyPr lIns="0" tIns="0" rIns="0" bIns="0">
             <a:normAutofit/>
           </a:bodyPr>
-          <a:p>
-            <a:endParaRPr b="0" lang="de-DE" sz="3200" spc="-1" strike="noStrike">
+          <a:lstStyle/>
+          <a:p>
+            <a:endParaRPr lang="de-DE" sz="3200" b="0" strike="noStrike" spc="-1">
               <a:latin typeface="Arial"/>
             </a:endParaRPr>
           </a:p>
@@ -1717,11 +1901,12 @@
           </a:prstGeom>
         </p:spPr>
         <p:txBody>
-          <a:bodyPr lIns="0" rIns="0" tIns="0" bIns="0">
+          <a:bodyPr lIns="0" tIns="0" rIns="0" bIns="0">
             <a:normAutofit/>
           </a:bodyPr>
-          <a:p>
-            <a:endParaRPr b="0" lang="de-DE" sz="3200" spc="-1" strike="noStrike">
+          <a:lstStyle/>
+          <a:p>
+            <a:endParaRPr lang="de-DE" sz="3200" b="0" strike="noStrike" spc="-1">
               <a:latin typeface="Arial"/>
             </a:endParaRPr>
           </a:p>
@@ -1747,11 +1932,12 @@
           </a:prstGeom>
         </p:spPr>
         <p:txBody>
-          <a:bodyPr lIns="0" rIns="0" tIns="0" bIns="0">
+          <a:bodyPr lIns="0" tIns="0" rIns="0" bIns="0">
             <a:normAutofit/>
           </a:bodyPr>
-          <a:p>
-            <a:endParaRPr b="0" lang="de-DE" sz="3200" spc="-1" strike="noStrike">
+          <a:lstStyle/>
+          <a:p>
+            <a:endParaRPr lang="de-DE" sz="3200" b="0" strike="noStrike" spc="-1">
               <a:latin typeface="Arial"/>
             </a:endParaRPr>
           </a:p>
@@ -1759,11 +1945,14 @@
       </p:sp>
     </p:spTree>
   </p:cSld>
+  <p:clrMapOvr>
+    <a:masterClrMapping/>
+  </p:clrMapOvr>
 </p:sldLayout>
 </file>
 
 <file path=ppt/slideLayouts/slideLayout24.xml><?xml version="1.0" encoding="utf-8"?>
-<p:sldLayout xmlns:a="http://schemas.openxmlformats.org/drawingml/2006/main" xmlns:p="http://schemas.openxmlformats.org/presentationml/2006/main" xmlns:r="http://schemas.openxmlformats.org/officeDocument/2006/relationships" xmlns:p14="http://schemas.microsoft.com/office/powerpoint/2010/main" xmlns:p15="http://schemas.microsoft.com/office/powerpoint/2012/main" xmlns:mc="http://schemas.openxmlformats.org/markup-compatibility/2006" type="blank" preserve="1">
+<p:sldLayout xmlns:a="http://schemas.openxmlformats.org/drawingml/2006/main" xmlns:r="http://schemas.openxmlformats.org/officeDocument/2006/relationships" xmlns:p="http://schemas.openxmlformats.org/presentationml/2006/main" type="blank" preserve="1">
   <p:cSld name="Title, 6 Content">
     <p:spTree>
       <p:nvGrpSpPr>
@@ -1799,12 +1988,13 @@
           </a:prstGeom>
         </p:spPr>
         <p:txBody>
-          <a:bodyPr lIns="0" rIns="0" tIns="0" bIns="0" anchor="ctr">
+          <a:bodyPr lIns="0" tIns="0" rIns="0" bIns="0" anchor="ctr">
             <a:spAutoFit/>
           </a:bodyPr>
+          <a:lstStyle/>
           <a:p>
             <a:pPr algn="ctr"/>
-            <a:endParaRPr b="0" lang="de-DE" sz="4400" spc="-1" strike="noStrike">
+            <a:endParaRPr lang="de-DE" sz="4400" b="0" strike="noStrike" spc="-1">
               <a:latin typeface="Arial"/>
             </a:endParaRPr>
           </a:p>
@@ -1830,11 +2020,12 @@
           </a:prstGeom>
         </p:spPr>
         <p:txBody>
-          <a:bodyPr lIns="0" rIns="0" tIns="0" bIns="0">
+          <a:bodyPr lIns="0" tIns="0" rIns="0" bIns="0">
             <a:normAutofit/>
           </a:bodyPr>
-          <a:p>
-            <a:endParaRPr b="0" lang="de-DE" sz="3200" spc="-1" strike="noStrike">
+          <a:lstStyle/>
+          <a:p>
+            <a:endParaRPr lang="de-DE" sz="3200" b="0" strike="noStrike" spc="-1">
               <a:latin typeface="Arial"/>
             </a:endParaRPr>
           </a:p>
@@ -1860,11 +2051,12 @@
           </a:prstGeom>
         </p:spPr>
         <p:txBody>
-          <a:bodyPr lIns="0" rIns="0" tIns="0" bIns="0">
+          <a:bodyPr lIns="0" tIns="0" rIns="0" bIns="0">
             <a:normAutofit/>
           </a:bodyPr>
-          <a:p>
-            <a:endParaRPr b="0" lang="de-DE" sz="3200" spc="-1" strike="noStrike">
+          <a:lstStyle/>
+          <a:p>
+            <a:endParaRPr lang="de-DE" sz="3200" b="0" strike="noStrike" spc="-1">
               <a:latin typeface="Arial"/>
             </a:endParaRPr>
           </a:p>
@@ -1890,11 +2082,12 @@
           </a:prstGeom>
         </p:spPr>
         <p:txBody>
-          <a:bodyPr lIns="0" rIns="0" tIns="0" bIns="0">
+          <a:bodyPr lIns="0" tIns="0" rIns="0" bIns="0">
             <a:normAutofit/>
           </a:bodyPr>
-          <a:p>
-            <a:endParaRPr b="0" lang="de-DE" sz="3200" spc="-1" strike="noStrike">
+          <a:lstStyle/>
+          <a:p>
+            <a:endParaRPr lang="de-DE" sz="3200" b="0" strike="noStrike" spc="-1">
               <a:latin typeface="Arial"/>
             </a:endParaRPr>
           </a:p>
@@ -1920,11 +2113,12 @@
           </a:prstGeom>
         </p:spPr>
         <p:txBody>
-          <a:bodyPr lIns="0" rIns="0" tIns="0" bIns="0">
+          <a:bodyPr lIns="0" tIns="0" rIns="0" bIns="0">
             <a:normAutofit/>
           </a:bodyPr>
-          <a:p>
-            <a:endParaRPr b="0" lang="de-DE" sz="3200" spc="-1" strike="noStrike">
+          <a:lstStyle/>
+          <a:p>
+            <a:endParaRPr lang="de-DE" sz="3200" b="0" strike="noStrike" spc="-1">
               <a:latin typeface="Arial"/>
             </a:endParaRPr>
           </a:p>
@@ -1950,11 +2144,12 @@
           </a:prstGeom>
         </p:spPr>
         <p:txBody>
-          <a:bodyPr lIns="0" rIns="0" tIns="0" bIns="0">
+          <a:bodyPr lIns="0" tIns="0" rIns="0" bIns="0">
             <a:normAutofit/>
           </a:bodyPr>
-          <a:p>
-            <a:endParaRPr b="0" lang="de-DE" sz="3200" spc="-1" strike="noStrike">
+          <a:lstStyle/>
+          <a:p>
+            <a:endParaRPr lang="de-DE" sz="3200" b="0" strike="noStrike" spc="-1">
               <a:latin typeface="Arial"/>
             </a:endParaRPr>
           </a:p>
@@ -1980,11 +2175,12 @@
           </a:prstGeom>
         </p:spPr>
         <p:txBody>
-          <a:bodyPr lIns="0" rIns="0" tIns="0" bIns="0">
+          <a:bodyPr lIns="0" tIns="0" rIns="0" bIns="0">
             <a:normAutofit/>
           </a:bodyPr>
-          <a:p>
-            <a:endParaRPr b="0" lang="de-DE" sz="3200" spc="-1" strike="noStrike">
+          <a:lstStyle/>
+          <a:p>
+            <a:endParaRPr lang="de-DE" sz="3200" b="0" strike="noStrike" spc="-1">
               <a:latin typeface="Arial"/>
             </a:endParaRPr>
           </a:p>
@@ -1992,11 +2188,14 @@
       </p:sp>
     </p:spTree>
   </p:cSld>
+  <p:clrMapOvr>
+    <a:masterClrMapping/>
+  </p:clrMapOvr>
 </p:sldLayout>
 </file>
 
 <file path=ppt/slideLayouts/slideLayout25.xml><?xml version="1.0" encoding="utf-8"?>
-<p:sldLayout xmlns:a="http://schemas.openxmlformats.org/drawingml/2006/main" xmlns:p="http://schemas.openxmlformats.org/presentationml/2006/main" xmlns:r="http://schemas.openxmlformats.org/officeDocument/2006/relationships" xmlns:p14="http://schemas.microsoft.com/office/powerpoint/2010/main" xmlns:p15="http://schemas.microsoft.com/office/powerpoint/2012/main" xmlns:mc="http://schemas.openxmlformats.org/markup-compatibility/2006" type="blank" preserve="1">
+<p:sldLayout xmlns:a="http://schemas.openxmlformats.org/drawingml/2006/main" xmlns:r="http://schemas.openxmlformats.org/officeDocument/2006/relationships" xmlns:p="http://schemas.openxmlformats.org/presentationml/2006/main" type="blank" preserve="1">
   <p:cSld name="Blank Slide">
     <p:spTree>
       <p:nvGrpSpPr>
@@ -2014,11 +2213,14 @@
       </p:grpSpPr>
     </p:spTree>
   </p:cSld>
+  <p:clrMapOvr>
+    <a:masterClrMapping/>
+  </p:clrMapOvr>
 </p:sldLayout>
 </file>
 
 <file path=ppt/slideLayouts/slideLayout26.xml><?xml version="1.0" encoding="utf-8"?>
-<p:sldLayout xmlns:a="http://schemas.openxmlformats.org/drawingml/2006/main" xmlns:p="http://schemas.openxmlformats.org/presentationml/2006/main" xmlns:r="http://schemas.openxmlformats.org/officeDocument/2006/relationships" xmlns:p14="http://schemas.microsoft.com/office/powerpoint/2010/main" xmlns:p15="http://schemas.microsoft.com/office/powerpoint/2012/main" xmlns:mc="http://schemas.openxmlformats.org/markup-compatibility/2006" type="tx" preserve="1">
+<p:sldLayout xmlns:a="http://schemas.openxmlformats.org/drawingml/2006/main" xmlns:r="http://schemas.openxmlformats.org/officeDocument/2006/relationships" xmlns:p="http://schemas.openxmlformats.org/presentationml/2006/main" type="tx" preserve="1">
   <p:cSld name="Title Slide">
     <p:spTree>
       <p:nvGrpSpPr>
@@ -2054,12 +2256,13 @@
           </a:prstGeom>
         </p:spPr>
         <p:txBody>
-          <a:bodyPr lIns="0" rIns="0" tIns="0" bIns="0" anchor="ctr">
+          <a:bodyPr lIns="0" tIns="0" rIns="0" bIns="0" anchor="ctr">
             <a:spAutoFit/>
           </a:bodyPr>
+          <a:lstStyle/>
           <a:p>
             <a:pPr algn="ctr"/>
-            <a:endParaRPr b="0" lang="de-DE" sz="4400" spc="-1" strike="noStrike">
+            <a:endParaRPr lang="de-DE" sz="4400" b="0" strike="noStrike" spc="-1">
               <a:latin typeface="Arial"/>
             </a:endParaRPr>
           </a:p>
@@ -2085,12 +2288,13 @@
           </a:prstGeom>
         </p:spPr>
         <p:txBody>
-          <a:bodyPr lIns="0" rIns="0" tIns="0" bIns="0" anchor="ctr">
+          <a:bodyPr lIns="0" tIns="0" rIns="0" bIns="0" anchor="ctr">
             <a:spAutoFit/>
           </a:bodyPr>
+          <a:lstStyle/>
           <a:p>
             <a:pPr algn="ctr"/>
-            <a:endParaRPr b="0" lang="de-DE" sz="3200" spc="-1" strike="noStrike">
+            <a:endParaRPr lang="de-DE" sz="3200" b="0" strike="noStrike" spc="-1">
               <a:latin typeface="Arial"/>
             </a:endParaRPr>
           </a:p>
@@ -2098,11 +2302,14 @@
       </p:sp>
     </p:spTree>
   </p:cSld>
+  <p:clrMapOvr>
+    <a:masterClrMapping/>
+  </p:clrMapOvr>
 </p:sldLayout>
 </file>
 
 <file path=ppt/slideLayouts/slideLayout27.xml><?xml version="1.0" encoding="utf-8"?>
-<p:sldLayout xmlns:a="http://schemas.openxmlformats.org/drawingml/2006/main" xmlns:p="http://schemas.openxmlformats.org/presentationml/2006/main" xmlns:r="http://schemas.openxmlformats.org/officeDocument/2006/relationships" xmlns:p14="http://schemas.microsoft.com/office/powerpoint/2010/main" xmlns:p15="http://schemas.microsoft.com/office/powerpoint/2012/main" xmlns:mc="http://schemas.openxmlformats.org/markup-compatibility/2006" type="obj" preserve="1">
+<p:sldLayout xmlns:a="http://schemas.openxmlformats.org/drawingml/2006/main" xmlns:r="http://schemas.openxmlformats.org/officeDocument/2006/relationships" xmlns:p="http://schemas.openxmlformats.org/presentationml/2006/main" type="obj" preserve="1">
   <p:cSld name="Title, Content">
     <p:spTree>
       <p:nvGrpSpPr>
@@ -2138,12 +2345,13 @@
           </a:prstGeom>
         </p:spPr>
         <p:txBody>
-          <a:bodyPr lIns="0" rIns="0" tIns="0" bIns="0" anchor="ctr">
+          <a:bodyPr lIns="0" tIns="0" rIns="0" bIns="0" anchor="ctr">
             <a:spAutoFit/>
           </a:bodyPr>
+          <a:lstStyle/>
           <a:p>
             <a:pPr algn="ctr"/>
-            <a:endParaRPr b="0" lang="de-DE" sz="4400" spc="-1" strike="noStrike">
+            <a:endParaRPr lang="de-DE" sz="4400" b="0" strike="noStrike" spc="-1">
               <a:latin typeface="Arial"/>
             </a:endParaRPr>
           </a:p>
@@ -2169,11 +2377,12 @@
           </a:prstGeom>
         </p:spPr>
         <p:txBody>
-          <a:bodyPr lIns="0" rIns="0" tIns="0" bIns="0">
+          <a:bodyPr lIns="0" tIns="0" rIns="0" bIns="0">
             <a:normAutofit/>
           </a:bodyPr>
-          <a:p>
-            <a:endParaRPr b="0" lang="de-DE" sz="3200" spc="-1" strike="noStrike">
+          <a:lstStyle/>
+          <a:p>
+            <a:endParaRPr lang="de-DE" sz="3200" b="0" strike="noStrike" spc="-1">
               <a:latin typeface="Arial"/>
             </a:endParaRPr>
           </a:p>
@@ -2181,11 +2390,14 @@
       </p:sp>
     </p:spTree>
   </p:cSld>
+  <p:clrMapOvr>
+    <a:masterClrMapping/>
+  </p:clrMapOvr>
 </p:sldLayout>
 </file>
 
 <file path=ppt/slideLayouts/slideLayout28.xml><?xml version="1.0" encoding="utf-8"?>
-<p:sldLayout xmlns:a="http://schemas.openxmlformats.org/drawingml/2006/main" xmlns:p="http://schemas.openxmlformats.org/presentationml/2006/main" xmlns:r="http://schemas.openxmlformats.org/officeDocument/2006/relationships" xmlns:p14="http://schemas.microsoft.com/office/powerpoint/2010/main" xmlns:p15="http://schemas.microsoft.com/office/powerpoint/2012/main" xmlns:mc="http://schemas.openxmlformats.org/markup-compatibility/2006" type="twoObj" preserve="1">
+<p:sldLayout xmlns:a="http://schemas.openxmlformats.org/drawingml/2006/main" xmlns:r="http://schemas.openxmlformats.org/officeDocument/2006/relationships" xmlns:p="http://schemas.openxmlformats.org/presentationml/2006/main" type="twoObj" preserve="1">
   <p:cSld name="Title, 2 Content">
     <p:spTree>
       <p:nvGrpSpPr>
@@ -2221,12 +2433,13 @@
           </a:prstGeom>
         </p:spPr>
         <p:txBody>
-          <a:bodyPr lIns="0" rIns="0" tIns="0" bIns="0" anchor="ctr">
+          <a:bodyPr lIns="0" tIns="0" rIns="0" bIns="0" anchor="ctr">
             <a:spAutoFit/>
           </a:bodyPr>
+          <a:lstStyle/>
           <a:p>
             <a:pPr algn="ctr"/>
-            <a:endParaRPr b="0" lang="de-DE" sz="4400" spc="-1" strike="noStrike">
+            <a:endParaRPr lang="de-DE" sz="4400" b="0" strike="noStrike" spc="-1">
               <a:latin typeface="Arial"/>
             </a:endParaRPr>
           </a:p>
@@ -2252,11 +2465,12 @@
           </a:prstGeom>
         </p:spPr>
         <p:txBody>
-          <a:bodyPr lIns="0" rIns="0" tIns="0" bIns="0">
+          <a:bodyPr lIns="0" tIns="0" rIns="0" bIns="0">
             <a:normAutofit/>
           </a:bodyPr>
-          <a:p>
-            <a:endParaRPr b="0" lang="de-DE" sz="3200" spc="-1" strike="noStrike">
+          <a:lstStyle/>
+          <a:p>
+            <a:endParaRPr lang="de-DE" sz="3200" b="0" strike="noStrike" spc="-1">
               <a:latin typeface="Arial"/>
             </a:endParaRPr>
           </a:p>
@@ -2282,11 +2496,12 @@
           </a:prstGeom>
         </p:spPr>
         <p:txBody>
-          <a:bodyPr lIns="0" rIns="0" tIns="0" bIns="0">
+          <a:bodyPr lIns="0" tIns="0" rIns="0" bIns="0">
             <a:normAutofit/>
           </a:bodyPr>
-          <a:p>
-            <a:endParaRPr b="0" lang="de-DE" sz="3200" spc="-1" strike="noStrike">
+          <a:lstStyle/>
+          <a:p>
+            <a:endParaRPr lang="de-DE" sz="3200" b="0" strike="noStrike" spc="-1">
               <a:latin typeface="Arial"/>
             </a:endParaRPr>
           </a:p>
@@ -2294,11 +2509,14 @@
       </p:sp>
     </p:spTree>
   </p:cSld>
+  <p:clrMapOvr>
+    <a:masterClrMapping/>
+  </p:clrMapOvr>
 </p:sldLayout>
 </file>
 
 <file path=ppt/slideLayouts/slideLayout29.xml><?xml version="1.0" encoding="utf-8"?>
-<p:sldLayout xmlns:a="http://schemas.openxmlformats.org/drawingml/2006/main" xmlns:p="http://schemas.openxmlformats.org/presentationml/2006/main" xmlns:r="http://schemas.openxmlformats.org/officeDocument/2006/relationships" xmlns:p14="http://schemas.microsoft.com/office/powerpoint/2010/main" xmlns:p15="http://schemas.microsoft.com/office/powerpoint/2012/main" xmlns:mc="http://schemas.openxmlformats.org/markup-compatibility/2006" type="titleOnly" preserve="1">
+<p:sldLayout xmlns:a="http://schemas.openxmlformats.org/drawingml/2006/main" xmlns:r="http://schemas.openxmlformats.org/officeDocument/2006/relationships" xmlns:p="http://schemas.openxmlformats.org/presentationml/2006/main" type="titleOnly" preserve="1">
   <p:cSld name="Title Only">
     <p:spTree>
       <p:nvGrpSpPr>
@@ -2334,12 +2552,13 @@
           </a:prstGeom>
         </p:spPr>
         <p:txBody>
-          <a:bodyPr lIns="0" rIns="0" tIns="0" bIns="0" anchor="ctr">
+          <a:bodyPr lIns="0" tIns="0" rIns="0" bIns="0" anchor="ctr">
             <a:spAutoFit/>
           </a:bodyPr>
+          <a:lstStyle/>
           <a:p>
             <a:pPr algn="ctr"/>
-            <a:endParaRPr b="0" lang="de-DE" sz="4400" spc="-1" strike="noStrike">
+            <a:endParaRPr lang="de-DE" sz="4400" b="0" strike="noStrike" spc="-1">
               <a:latin typeface="Arial"/>
             </a:endParaRPr>
           </a:p>
@@ -2347,11 +2566,14 @@
       </p:sp>
     </p:spTree>
   </p:cSld>
+  <p:clrMapOvr>
+    <a:masterClrMapping/>
+  </p:clrMapOvr>
 </p:sldLayout>
 </file>
 
 <file path=ppt/slideLayouts/slideLayout3.xml><?xml version="1.0" encoding="utf-8"?>
-<p:sldLayout xmlns:a="http://schemas.openxmlformats.org/drawingml/2006/main" xmlns:p="http://schemas.openxmlformats.org/presentationml/2006/main" xmlns:r="http://schemas.openxmlformats.org/officeDocument/2006/relationships" xmlns:p14="http://schemas.microsoft.com/office/powerpoint/2010/main" xmlns:p15="http://schemas.microsoft.com/office/powerpoint/2012/main" xmlns:mc="http://schemas.openxmlformats.org/markup-compatibility/2006" type="obj" preserve="1">
+<p:sldLayout xmlns:a="http://schemas.openxmlformats.org/drawingml/2006/main" xmlns:r="http://schemas.openxmlformats.org/officeDocument/2006/relationships" xmlns:p="http://schemas.openxmlformats.org/presentationml/2006/main" type="obj" preserve="1">
   <p:cSld name="Title, Content">
     <p:spTree>
       <p:nvGrpSpPr>
@@ -2387,12 +2609,13 @@
           </a:prstGeom>
         </p:spPr>
         <p:txBody>
-          <a:bodyPr lIns="0" rIns="0" tIns="0" bIns="0" anchor="ctr">
+          <a:bodyPr lIns="0" tIns="0" rIns="0" bIns="0" anchor="ctr">
             <a:spAutoFit/>
           </a:bodyPr>
+          <a:lstStyle/>
           <a:p>
             <a:pPr algn="ctr"/>
-            <a:endParaRPr b="0" lang="de-DE" sz="4400" spc="-1" strike="noStrike">
+            <a:endParaRPr lang="de-DE" sz="4400" b="0" strike="noStrike" spc="-1">
               <a:latin typeface="Arial"/>
             </a:endParaRPr>
           </a:p>
@@ -2418,11 +2641,12 @@
           </a:prstGeom>
         </p:spPr>
         <p:txBody>
-          <a:bodyPr lIns="0" rIns="0" tIns="0" bIns="0">
+          <a:bodyPr lIns="0" tIns="0" rIns="0" bIns="0">
             <a:normAutofit/>
           </a:bodyPr>
-          <a:p>
-            <a:endParaRPr b="0" lang="de-DE" sz="3200" spc="-1" strike="noStrike">
+          <a:lstStyle/>
+          <a:p>
+            <a:endParaRPr lang="de-DE" sz="3200" b="0" strike="noStrike" spc="-1">
               <a:latin typeface="Arial"/>
             </a:endParaRPr>
           </a:p>
@@ -2430,11 +2654,14 @@
       </p:sp>
     </p:spTree>
   </p:cSld>
+  <p:clrMapOvr>
+    <a:masterClrMapping/>
+  </p:clrMapOvr>
 </p:sldLayout>
 </file>
 
 <file path=ppt/slideLayouts/slideLayout30.xml><?xml version="1.0" encoding="utf-8"?>
-<p:sldLayout xmlns:a="http://schemas.openxmlformats.org/drawingml/2006/main" xmlns:p="http://schemas.openxmlformats.org/presentationml/2006/main" xmlns:r="http://schemas.openxmlformats.org/officeDocument/2006/relationships" xmlns:p14="http://schemas.microsoft.com/office/powerpoint/2010/main" xmlns:p15="http://schemas.microsoft.com/office/powerpoint/2012/main" xmlns:mc="http://schemas.openxmlformats.org/markup-compatibility/2006" type="objOnly" preserve="1">
+<p:sldLayout xmlns:a="http://schemas.openxmlformats.org/drawingml/2006/main" xmlns:r="http://schemas.openxmlformats.org/officeDocument/2006/relationships" xmlns:p="http://schemas.openxmlformats.org/presentationml/2006/main" type="objOnly" preserve="1">
   <p:cSld name="Centered Text">
     <p:spTree>
       <p:nvGrpSpPr>
@@ -2470,12 +2697,13 @@
           </a:prstGeom>
         </p:spPr>
         <p:txBody>
-          <a:bodyPr lIns="0" rIns="0" tIns="0" bIns="0" anchor="ctr">
+          <a:bodyPr lIns="0" tIns="0" rIns="0" bIns="0" anchor="ctr">
             <a:spAutoFit/>
           </a:bodyPr>
+          <a:lstStyle/>
           <a:p>
             <a:pPr algn="ctr"/>
-            <a:endParaRPr b="0" lang="de-DE" sz="3200" spc="-1" strike="noStrike">
+            <a:endParaRPr lang="de-DE" sz="3200" b="0" strike="noStrike" spc="-1">
               <a:latin typeface="Arial"/>
             </a:endParaRPr>
           </a:p>
@@ -2483,11 +2711,14 @@
       </p:sp>
     </p:spTree>
   </p:cSld>
+  <p:clrMapOvr>
+    <a:masterClrMapping/>
+  </p:clrMapOvr>
 </p:sldLayout>
 </file>
 
 <file path=ppt/slideLayouts/slideLayout31.xml><?xml version="1.0" encoding="utf-8"?>
-<p:sldLayout xmlns:a="http://schemas.openxmlformats.org/drawingml/2006/main" xmlns:p="http://schemas.openxmlformats.org/presentationml/2006/main" xmlns:r="http://schemas.openxmlformats.org/officeDocument/2006/relationships" xmlns:p14="http://schemas.microsoft.com/office/powerpoint/2010/main" xmlns:p15="http://schemas.microsoft.com/office/powerpoint/2012/main" xmlns:mc="http://schemas.openxmlformats.org/markup-compatibility/2006" type="twoObjAndObj" preserve="1">
+<p:sldLayout xmlns:a="http://schemas.openxmlformats.org/drawingml/2006/main" xmlns:r="http://schemas.openxmlformats.org/officeDocument/2006/relationships" xmlns:p="http://schemas.openxmlformats.org/presentationml/2006/main" type="twoObjAndObj" preserve="1">
   <p:cSld name="Title, 2 Content and Content">
     <p:spTree>
       <p:nvGrpSpPr>
@@ -2523,12 +2754,13 @@
           </a:prstGeom>
         </p:spPr>
         <p:txBody>
-          <a:bodyPr lIns="0" rIns="0" tIns="0" bIns="0" anchor="ctr">
+          <a:bodyPr lIns="0" tIns="0" rIns="0" bIns="0" anchor="ctr">
             <a:spAutoFit/>
           </a:bodyPr>
+          <a:lstStyle/>
           <a:p>
             <a:pPr algn="ctr"/>
-            <a:endParaRPr b="0" lang="de-DE" sz="4400" spc="-1" strike="noStrike">
+            <a:endParaRPr lang="de-DE" sz="4400" b="0" strike="noStrike" spc="-1">
               <a:latin typeface="Arial"/>
             </a:endParaRPr>
           </a:p>
@@ -2554,11 +2786,12 @@
           </a:prstGeom>
         </p:spPr>
         <p:txBody>
-          <a:bodyPr lIns="0" rIns="0" tIns="0" bIns="0">
+          <a:bodyPr lIns="0" tIns="0" rIns="0" bIns="0">
             <a:normAutofit/>
           </a:bodyPr>
-          <a:p>
-            <a:endParaRPr b="0" lang="de-DE" sz="3200" spc="-1" strike="noStrike">
+          <a:lstStyle/>
+          <a:p>
+            <a:endParaRPr lang="de-DE" sz="3200" b="0" strike="noStrike" spc="-1">
               <a:latin typeface="Arial"/>
             </a:endParaRPr>
           </a:p>
@@ -2584,11 +2817,12 @@
           </a:prstGeom>
         </p:spPr>
         <p:txBody>
-          <a:bodyPr lIns="0" rIns="0" tIns="0" bIns="0">
+          <a:bodyPr lIns="0" tIns="0" rIns="0" bIns="0">
             <a:normAutofit/>
           </a:bodyPr>
-          <a:p>
-            <a:endParaRPr b="0" lang="de-DE" sz="3200" spc="-1" strike="noStrike">
+          <a:lstStyle/>
+          <a:p>
+            <a:endParaRPr lang="de-DE" sz="3200" b="0" strike="noStrike" spc="-1">
               <a:latin typeface="Arial"/>
             </a:endParaRPr>
           </a:p>
@@ -2614,11 +2848,12 @@
           </a:prstGeom>
         </p:spPr>
         <p:txBody>
-          <a:bodyPr lIns="0" rIns="0" tIns="0" bIns="0">
+          <a:bodyPr lIns="0" tIns="0" rIns="0" bIns="0">
             <a:normAutofit/>
           </a:bodyPr>
-          <a:p>
-            <a:endParaRPr b="0" lang="de-DE" sz="3200" spc="-1" strike="noStrike">
+          <a:lstStyle/>
+          <a:p>
+            <a:endParaRPr lang="de-DE" sz="3200" b="0" strike="noStrike" spc="-1">
               <a:latin typeface="Arial"/>
             </a:endParaRPr>
           </a:p>
@@ -2626,11 +2861,14 @@
       </p:sp>
     </p:spTree>
   </p:cSld>
+  <p:clrMapOvr>
+    <a:masterClrMapping/>
+  </p:clrMapOvr>
 </p:sldLayout>
 </file>
 
 <file path=ppt/slideLayouts/slideLayout32.xml><?xml version="1.0" encoding="utf-8"?>
-<p:sldLayout xmlns:a="http://schemas.openxmlformats.org/drawingml/2006/main" xmlns:p="http://schemas.openxmlformats.org/presentationml/2006/main" xmlns:r="http://schemas.openxmlformats.org/officeDocument/2006/relationships" xmlns:p14="http://schemas.microsoft.com/office/powerpoint/2010/main" xmlns:p15="http://schemas.microsoft.com/office/powerpoint/2012/main" xmlns:mc="http://schemas.openxmlformats.org/markup-compatibility/2006" type="objAndTwoObj" preserve="1">
+<p:sldLayout xmlns:a="http://schemas.openxmlformats.org/drawingml/2006/main" xmlns:r="http://schemas.openxmlformats.org/officeDocument/2006/relationships" xmlns:p="http://schemas.openxmlformats.org/presentationml/2006/main" type="objAndTwoObj" preserve="1">
   <p:cSld name="Title Content and 2 Content">
     <p:spTree>
       <p:nvGrpSpPr>
@@ -2666,12 +2904,13 @@
           </a:prstGeom>
         </p:spPr>
         <p:txBody>
-          <a:bodyPr lIns="0" rIns="0" tIns="0" bIns="0" anchor="ctr">
+          <a:bodyPr lIns="0" tIns="0" rIns="0" bIns="0" anchor="ctr">
             <a:spAutoFit/>
           </a:bodyPr>
+          <a:lstStyle/>
           <a:p>
             <a:pPr algn="ctr"/>
-            <a:endParaRPr b="0" lang="de-DE" sz="4400" spc="-1" strike="noStrike">
+            <a:endParaRPr lang="de-DE" sz="4400" b="0" strike="noStrike" spc="-1">
               <a:latin typeface="Arial"/>
             </a:endParaRPr>
           </a:p>
@@ -2697,11 +2936,12 @@
           </a:prstGeom>
         </p:spPr>
         <p:txBody>
-          <a:bodyPr lIns="0" rIns="0" tIns="0" bIns="0">
+          <a:bodyPr lIns="0" tIns="0" rIns="0" bIns="0">
             <a:normAutofit/>
           </a:bodyPr>
-          <a:p>
-            <a:endParaRPr b="0" lang="de-DE" sz="3200" spc="-1" strike="noStrike">
+          <a:lstStyle/>
+          <a:p>
+            <a:endParaRPr lang="de-DE" sz="3200" b="0" strike="noStrike" spc="-1">
               <a:latin typeface="Arial"/>
             </a:endParaRPr>
           </a:p>
@@ -2727,11 +2967,12 @@
           </a:prstGeom>
         </p:spPr>
         <p:txBody>
-          <a:bodyPr lIns="0" rIns="0" tIns="0" bIns="0">
+          <a:bodyPr lIns="0" tIns="0" rIns="0" bIns="0">
             <a:normAutofit/>
           </a:bodyPr>
-          <a:p>
-            <a:endParaRPr b="0" lang="de-DE" sz="3200" spc="-1" strike="noStrike">
+          <a:lstStyle/>
+          <a:p>
+            <a:endParaRPr lang="de-DE" sz="3200" b="0" strike="noStrike" spc="-1">
               <a:latin typeface="Arial"/>
             </a:endParaRPr>
           </a:p>
@@ -2757,11 +2998,12 @@
           </a:prstGeom>
         </p:spPr>
         <p:txBody>
-          <a:bodyPr lIns="0" rIns="0" tIns="0" bIns="0">
+          <a:bodyPr lIns="0" tIns="0" rIns="0" bIns="0">
             <a:normAutofit/>
           </a:bodyPr>
-          <a:p>
-            <a:endParaRPr b="0" lang="de-DE" sz="3200" spc="-1" strike="noStrike">
+          <a:lstStyle/>
+          <a:p>
+            <a:endParaRPr lang="de-DE" sz="3200" b="0" strike="noStrike" spc="-1">
               <a:latin typeface="Arial"/>
             </a:endParaRPr>
           </a:p>
@@ -2769,11 +3011,14 @@
       </p:sp>
     </p:spTree>
   </p:cSld>
+  <p:clrMapOvr>
+    <a:masterClrMapping/>
+  </p:clrMapOvr>
 </p:sldLayout>
 </file>
 
 <file path=ppt/slideLayouts/slideLayout33.xml><?xml version="1.0" encoding="utf-8"?>
-<p:sldLayout xmlns:a="http://schemas.openxmlformats.org/drawingml/2006/main" xmlns:p="http://schemas.openxmlformats.org/presentationml/2006/main" xmlns:r="http://schemas.openxmlformats.org/officeDocument/2006/relationships" xmlns:p14="http://schemas.microsoft.com/office/powerpoint/2010/main" xmlns:p15="http://schemas.microsoft.com/office/powerpoint/2012/main" xmlns:mc="http://schemas.openxmlformats.org/markup-compatibility/2006" type="twoObjOverTx" preserve="1">
+<p:sldLayout xmlns:a="http://schemas.openxmlformats.org/drawingml/2006/main" xmlns:r="http://schemas.openxmlformats.org/officeDocument/2006/relationships" xmlns:p="http://schemas.openxmlformats.org/presentationml/2006/main" type="twoObjOverTx" preserve="1">
   <p:cSld name="Title, 2 Content over Content">
     <p:spTree>
       <p:nvGrpSpPr>
@@ -2809,12 +3054,13 @@
           </a:prstGeom>
         </p:spPr>
         <p:txBody>
-          <a:bodyPr lIns="0" rIns="0" tIns="0" bIns="0" anchor="ctr">
+          <a:bodyPr lIns="0" tIns="0" rIns="0" bIns="0" anchor="ctr">
             <a:spAutoFit/>
           </a:bodyPr>
+          <a:lstStyle/>
           <a:p>
             <a:pPr algn="ctr"/>
-            <a:endParaRPr b="0" lang="de-DE" sz="4400" spc="-1" strike="noStrike">
+            <a:endParaRPr lang="de-DE" sz="4400" b="0" strike="noStrike" spc="-1">
               <a:latin typeface="Arial"/>
             </a:endParaRPr>
           </a:p>
@@ -2840,11 +3086,12 @@
           </a:prstGeom>
         </p:spPr>
         <p:txBody>
-          <a:bodyPr lIns="0" rIns="0" tIns="0" bIns="0">
+          <a:bodyPr lIns="0" tIns="0" rIns="0" bIns="0">
             <a:normAutofit/>
           </a:bodyPr>
-          <a:p>
-            <a:endParaRPr b="0" lang="de-DE" sz="3200" spc="-1" strike="noStrike">
+          <a:lstStyle/>
+          <a:p>
+            <a:endParaRPr lang="de-DE" sz="3200" b="0" strike="noStrike" spc="-1">
               <a:latin typeface="Arial"/>
             </a:endParaRPr>
           </a:p>
@@ -2870,11 +3117,12 @@
           </a:prstGeom>
         </p:spPr>
         <p:txBody>
-          <a:bodyPr lIns="0" rIns="0" tIns="0" bIns="0">
+          <a:bodyPr lIns="0" tIns="0" rIns="0" bIns="0">
             <a:normAutofit/>
           </a:bodyPr>
-          <a:p>
-            <a:endParaRPr b="0" lang="de-DE" sz="3200" spc="-1" strike="noStrike">
+          <a:lstStyle/>
+          <a:p>
+            <a:endParaRPr lang="de-DE" sz="3200" b="0" strike="noStrike" spc="-1">
               <a:latin typeface="Arial"/>
             </a:endParaRPr>
           </a:p>
@@ -2900,11 +3148,12 @@
           </a:prstGeom>
         </p:spPr>
         <p:txBody>
-          <a:bodyPr lIns="0" rIns="0" tIns="0" bIns="0">
+          <a:bodyPr lIns="0" tIns="0" rIns="0" bIns="0">
             <a:normAutofit/>
           </a:bodyPr>
-          <a:p>
-            <a:endParaRPr b="0" lang="de-DE" sz="3200" spc="-1" strike="noStrike">
+          <a:lstStyle/>
+          <a:p>
+            <a:endParaRPr lang="de-DE" sz="3200" b="0" strike="noStrike" spc="-1">
               <a:latin typeface="Arial"/>
             </a:endParaRPr>
           </a:p>
@@ -2912,11 +3161,14 @@
       </p:sp>
     </p:spTree>
   </p:cSld>
+  <p:clrMapOvr>
+    <a:masterClrMapping/>
+  </p:clrMapOvr>
 </p:sldLayout>
 </file>
 
 <file path=ppt/slideLayouts/slideLayout34.xml><?xml version="1.0" encoding="utf-8"?>
-<p:sldLayout xmlns:a="http://schemas.openxmlformats.org/drawingml/2006/main" xmlns:p="http://schemas.openxmlformats.org/presentationml/2006/main" xmlns:r="http://schemas.openxmlformats.org/officeDocument/2006/relationships" xmlns:p14="http://schemas.microsoft.com/office/powerpoint/2010/main" xmlns:p15="http://schemas.microsoft.com/office/powerpoint/2012/main" xmlns:mc="http://schemas.openxmlformats.org/markup-compatibility/2006" type="objOverTx" preserve="1">
+<p:sldLayout xmlns:a="http://schemas.openxmlformats.org/drawingml/2006/main" xmlns:r="http://schemas.openxmlformats.org/officeDocument/2006/relationships" xmlns:p="http://schemas.openxmlformats.org/presentationml/2006/main" type="objOverTx" preserve="1">
   <p:cSld name="Title, Content over Content">
     <p:spTree>
       <p:nvGrpSpPr>
@@ -2952,12 +3204,13 @@
           </a:prstGeom>
         </p:spPr>
         <p:txBody>
-          <a:bodyPr lIns="0" rIns="0" tIns="0" bIns="0" anchor="ctr">
+          <a:bodyPr lIns="0" tIns="0" rIns="0" bIns="0" anchor="ctr">
             <a:spAutoFit/>
           </a:bodyPr>
+          <a:lstStyle/>
           <a:p>
             <a:pPr algn="ctr"/>
-            <a:endParaRPr b="0" lang="de-DE" sz="4400" spc="-1" strike="noStrike">
+            <a:endParaRPr lang="de-DE" sz="4400" b="0" strike="noStrike" spc="-1">
               <a:latin typeface="Arial"/>
             </a:endParaRPr>
           </a:p>
@@ -2983,11 +3236,12 @@
           </a:prstGeom>
         </p:spPr>
         <p:txBody>
-          <a:bodyPr lIns="0" rIns="0" tIns="0" bIns="0">
+          <a:bodyPr lIns="0" tIns="0" rIns="0" bIns="0">
             <a:normAutofit/>
           </a:bodyPr>
-          <a:p>
-            <a:endParaRPr b="0" lang="de-DE" sz="3200" spc="-1" strike="noStrike">
+          <a:lstStyle/>
+          <a:p>
+            <a:endParaRPr lang="de-DE" sz="3200" b="0" strike="noStrike" spc="-1">
               <a:latin typeface="Arial"/>
             </a:endParaRPr>
           </a:p>
@@ -3013,11 +3267,12 @@
           </a:prstGeom>
         </p:spPr>
         <p:txBody>
-          <a:bodyPr lIns="0" rIns="0" tIns="0" bIns="0">
+          <a:bodyPr lIns="0" tIns="0" rIns="0" bIns="0">
             <a:normAutofit/>
           </a:bodyPr>
-          <a:p>
-            <a:endParaRPr b="0" lang="de-DE" sz="3200" spc="-1" strike="noStrike">
+          <a:lstStyle/>
+          <a:p>
+            <a:endParaRPr lang="de-DE" sz="3200" b="0" strike="noStrike" spc="-1">
               <a:latin typeface="Arial"/>
             </a:endParaRPr>
           </a:p>
@@ -3025,11 +3280,14 @@
       </p:sp>
     </p:spTree>
   </p:cSld>
+  <p:clrMapOvr>
+    <a:masterClrMapping/>
+  </p:clrMapOvr>
 </p:sldLayout>
 </file>
 
 <file path=ppt/slideLayouts/slideLayout35.xml><?xml version="1.0" encoding="utf-8"?>
-<p:sldLayout xmlns:a="http://schemas.openxmlformats.org/drawingml/2006/main" xmlns:p="http://schemas.openxmlformats.org/presentationml/2006/main" xmlns:r="http://schemas.openxmlformats.org/officeDocument/2006/relationships" xmlns:p14="http://schemas.microsoft.com/office/powerpoint/2010/main" xmlns:p15="http://schemas.microsoft.com/office/powerpoint/2012/main" xmlns:mc="http://schemas.openxmlformats.org/markup-compatibility/2006" type="fourObj" preserve="1">
+<p:sldLayout xmlns:a="http://schemas.openxmlformats.org/drawingml/2006/main" xmlns:r="http://schemas.openxmlformats.org/officeDocument/2006/relationships" xmlns:p="http://schemas.openxmlformats.org/presentationml/2006/main" type="fourObj" preserve="1">
   <p:cSld name="Title, 4 Content">
     <p:spTree>
       <p:nvGrpSpPr>
@@ -3065,12 +3323,13 @@
           </a:prstGeom>
         </p:spPr>
         <p:txBody>
-          <a:bodyPr lIns="0" rIns="0" tIns="0" bIns="0" anchor="ctr">
+          <a:bodyPr lIns="0" tIns="0" rIns="0" bIns="0" anchor="ctr">
             <a:spAutoFit/>
           </a:bodyPr>
+          <a:lstStyle/>
           <a:p>
             <a:pPr algn="ctr"/>
-            <a:endParaRPr b="0" lang="de-DE" sz="4400" spc="-1" strike="noStrike">
+            <a:endParaRPr lang="de-DE" sz="4400" b="0" strike="noStrike" spc="-1">
               <a:latin typeface="Arial"/>
             </a:endParaRPr>
           </a:p>
@@ -3096,11 +3355,12 @@
           </a:prstGeom>
         </p:spPr>
         <p:txBody>
-          <a:bodyPr lIns="0" rIns="0" tIns="0" bIns="0">
+          <a:bodyPr lIns="0" tIns="0" rIns="0" bIns="0">
             <a:normAutofit/>
           </a:bodyPr>
-          <a:p>
-            <a:endParaRPr b="0" lang="de-DE" sz="3200" spc="-1" strike="noStrike">
+          <a:lstStyle/>
+          <a:p>
+            <a:endParaRPr lang="de-DE" sz="3200" b="0" strike="noStrike" spc="-1">
               <a:latin typeface="Arial"/>
             </a:endParaRPr>
           </a:p>
@@ -3126,11 +3386,12 @@
           </a:prstGeom>
         </p:spPr>
         <p:txBody>
-          <a:bodyPr lIns="0" rIns="0" tIns="0" bIns="0">
+          <a:bodyPr lIns="0" tIns="0" rIns="0" bIns="0">
             <a:normAutofit/>
           </a:bodyPr>
-          <a:p>
-            <a:endParaRPr b="0" lang="de-DE" sz="3200" spc="-1" strike="noStrike">
+          <a:lstStyle/>
+          <a:p>
+            <a:endParaRPr lang="de-DE" sz="3200" b="0" strike="noStrike" spc="-1">
               <a:latin typeface="Arial"/>
             </a:endParaRPr>
           </a:p>
@@ -3156,11 +3417,12 @@
           </a:prstGeom>
         </p:spPr>
         <p:txBody>
-          <a:bodyPr lIns="0" rIns="0" tIns="0" bIns="0">
+          <a:bodyPr lIns="0" tIns="0" rIns="0" bIns="0">
             <a:normAutofit/>
           </a:bodyPr>
-          <a:p>
-            <a:endParaRPr b="0" lang="de-DE" sz="3200" spc="-1" strike="noStrike">
+          <a:lstStyle/>
+          <a:p>
+            <a:endParaRPr lang="de-DE" sz="3200" b="0" strike="noStrike" spc="-1">
               <a:latin typeface="Arial"/>
             </a:endParaRPr>
           </a:p>
@@ -3186,11 +3448,12 @@
           </a:prstGeom>
         </p:spPr>
         <p:txBody>
-          <a:bodyPr lIns="0" rIns="0" tIns="0" bIns="0">
+          <a:bodyPr lIns="0" tIns="0" rIns="0" bIns="0">
             <a:normAutofit/>
           </a:bodyPr>
-          <a:p>
-            <a:endParaRPr b="0" lang="de-DE" sz="3200" spc="-1" strike="noStrike">
+          <a:lstStyle/>
+          <a:p>
+            <a:endParaRPr lang="de-DE" sz="3200" b="0" strike="noStrike" spc="-1">
               <a:latin typeface="Arial"/>
             </a:endParaRPr>
           </a:p>
@@ -3198,11 +3461,14 @@
       </p:sp>
     </p:spTree>
   </p:cSld>
+  <p:clrMapOvr>
+    <a:masterClrMapping/>
+  </p:clrMapOvr>
 </p:sldLayout>
 </file>
 
 <file path=ppt/slideLayouts/slideLayout36.xml><?xml version="1.0" encoding="utf-8"?>
-<p:sldLayout xmlns:a="http://schemas.openxmlformats.org/drawingml/2006/main" xmlns:p="http://schemas.openxmlformats.org/presentationml/2006/main" xmlns:r="http://schemas.openxmlformats.org/officeDocument/2006/relationships" xmlns:p14="http://schemas.microsoft.com/office/powerpoint/2010/main" xmlns:p15="http://schemas.microsoft.com/office/powerpoint/2012/main" xmlns:mc="http://schemas.openxmlformats.org/markup-compatibility/2006" type="blank" preserve="1">
+<p:sldLayout xmlns:a="http://schemas.openxmlformats.org/drawingml/2006/main" xmlns:r="http://schemas.openxmlformats.org/officeDocument/2006/relationships" xmlns:p="http://schemas.openxmlformats.org/presentationml/2006/main" type="blank" preserve="1">
   <p:cSld name="Title, 6 Content">
     <p:spTree>
       <p:nvGrpSpPr>
@@ -3238,12 +3504,13 @@
           </a:prstGeom>
         </p:spPr>
         <p:txBody>
-          <a:bodyPr lIns="0" rIns="0" tIns="0" bIns="0" anchor="ctr">
+          <a:bodyPr lIns="0" tIns="0" rIns="0" bIns="0" anchor="ctr">
             <a:spAutoFit/>
           </a:bodyPr>
+          <a:lstStyle/>
           <a:p>
             <a:pPr algn="ctr"/>
-            <a:endParaRPr b="0" lang="de-DE" sz="4400" spc="-1" strike="noStrike">
+            <a:endParaRPr lang="de-DE" sz="4400" b="0" strike="noStrike" spc="-1">
               <a:latin typeface="Arial"/>
             </a:endParaRPr>
           </a:p>
@@ -3269,11 +3536,12 @@
           </a:prstGeom>
         </p:spPr>
         <p:txBody>
-          <a:bodyPr lIns="0" rIns="0" tIns="0" bIns="0">
+          <a:bodyPr lIns="0" tIns="0" rIns="0" bIns="0">
             <a:normAutofit/>
           </a:bodyPr>
-          <a:p>
-            <a:endParaRPr b="0" lang="de-DE" sz="3200" spc="-1" strike="noStrike">
+          <a:lstStyle/>
+          <a:p>
+            <a:endParaRPr lang="de-DE" sz="3200" b="0" strike="noStrike" spc="-1">
               <a:latin typeface="Arial"/>
             </a:endParaRPr>
           </a:p>
@@ -3299,11 +3567,12 @@
           </a:prstGeom>
         </p:spPr>
         <p:txBody>
-          <a:bodyPr lIns="0" rIns="0" tIns="0" bIns="0">
+          <a:bodyPr lIns="0" tIns="0" rIns="0" bIns="0">
             <a:normAutofit/>
           </a:bodyPr>
-          <a:p>
-            <a:endParaRPr b="0" lang="de-DE" sz="3200" spc="-1" strike="noStrike">
+          <a:lstStyle/>
+          <a:p>
+            <a:endParaRPr lang="de-DE" sz="3200" b="0" strike="noStrike" spc="-1">
               <a:latin typeface="Arial"/>
             </a:endParaRPr>
           </a:p>
@@ -3329,11 +3598,12 @@
           </a:prstGeom>
         </p:spPr>
         <p:txBody>
-          <a:bodyPr lIns="0" rIns="0" tIns="0" bIns="0">
+          <a:bodyPr lIns="0" tIns="0" rIns="0" bIns="0">
             <a:normAutofit/>
           </a:bodyPr>
-          <a:p>
-            <a:endParaRPr b="0" lang="de-DE" sz="3200" spc="-1" strike="noStrike">
+          <a:lstStyle/>
+          <a:p>
+            <a:endParaRPr lang="de-DE" sz="3200" b="0" strike="noStrike" spc="-1">
               <a:latin typeface="Arial"/>
             </a:endParaRPr>
           </a:p>
@@ -3359,11 +3629,12 @@
           </a:prstGeom>
         </p:spPr>
         <p:txBody>
-          <a:bodyPr lIns="0" rIns="0" tIns="0" bIns="0">
+          <a:bodyPr lIns="0" tIns="0" rIns="0" bIns="0">
             <a:normAutofit/>
           </a:bodyPr>
-          <a:p>
-            <a:endParaRPr b="0" lang="de-DE" sz="3200" spc="-1" strike="noStrike">
+          <a:lstStyle/>
+          <a:p>
+            <a:endParaRPr lang="de-DE" sz="3200" b="0" strike="noStrike" spc="-1">
               <a:latin typeface="Arial"/>
             </a:endParaRPr>
           </a:p>
@@ -3389,11 +3660,12 @@
           </a:prstGeom>
         </p:spPr>
         <p:txBody>
-          <a:bodyPr lIns="0" rIns="0" tIns="0" bIns="0">
+          <a:bodyPr lIns="0" tIns="0" rIns="0" bIns="0">
             <a:normAutofit/>
           </a:bodyPr>
-          <a:p>
-            <a:endParaRPr b="0" lang="de-DE" sz="3200" spc="-1" strike="noStrike">
+          <a:lstStyle/>
+          <a:p>
+            <a:endParaRPr lang="de-DE" sz="3200" b="0" strike="noStrike" spc="-1">
               <a:latin typeface="Arial"/>
             </a:endParaRPr>
           </a:p>
@@ -3419,11 +3691,12 @@
           </a:prstGeom>
         </p:spPr>
         <p:txBody>
-          <a:bodyPr lIns="0" rIns="0" tIns="0" bIns="0">
+          <a:bodyPr lIns="0" tIns="0" rIns="0" bIns="0">
             <a:normAutofit/>
           </a:bodyPr>
-          <a:p>
-            <a:endParaRPr b="0" lang="de-DE" sz="3200" spc="-1" strike="noStrike">
+          <a:lstStyle/>
+          <a:p>
+            <a:endParaRPr lang="de-DE" sz="3200" b="0" strike="noStrike" spc="-1">
               <a:latin typeface="Arial"/>
             </a:endParaRPr>
           </a:p>
@@ -3431,11 +3704,14 @@
       </p:sp>
     </p:spTree>
   </p:cSld>
+  <p:clrMapOvr>
+    <a:masterClrMapping/>
+  </p:clrMapOvr>
 </p:sldLayout>
 </file>
 
 <file path=ppt/slideLayouts/slideLayout4.xml><?xml version="1.0" encoding="utf-8"?>
-<p:sldLayout xmlns:a="http://schemas.openxmlformats.org/drawingml/2006/main" xmlns:p="http://schemas.openxmlformats.org/presentationml/2006/main" xmlns:r="http://schemas.openxmlformats.org/officeDocument/2006/relationships" xmlns:p14="http://schemas.microsoft.com/office/powerpoint/2010/main" xmlns:p15="http://schemas.microsoft.com/office/powerpoint/2012/main" xmlns:mc="http://schemas.openxmlformats.org/markup-compatibility/2006" type="twoObj" preserve="1">
+<p:sldLayout xmlns:a="http://schemas.openxmlformats.org/drawingml/2006/main" xmlns:r="http://schemas.openxmlformats.org/officeDocument/2006/relationships" xmlns:p="http://schemas.openxmlformats.org/presentationml/2006/main" type="twoObj" preserve="1">
   <p:cSld name="Title, 2 Content">
     <p:spTree>
       <p:nvGrpSpPr>
@@ -3471,12 +3747,13 @@
           </a:prstGeom>
         </p:spPr>
         <p:txBody>
-          <a:bodyPr lIns="0" rIns="0" tIns="0" bIns="0" anchor="ctr">
+          <a:bodyPr lIns="0" tIns="0" rIns="0" bIns="0" anchor="ctr">
             <a:spAutoFit/>
           </a:bodyPr>
+          <a:lstStyle/>
           <a:p>
             <a:pPr algn="ctr"/>
-            <a:endParaRPr b="0" lang="de-DE" sz="4400" spc="-1" strike="noStrike">
+            <a:endParaRPr lang="de-DE" sz="4400" b="0" strike="noStrike" spc="-1">
               <a:latin typeface="Arial"/>
             </a:endParaRPr>
           </a:p>
@@ -3502,11 +3779,12 @@
           </a:prstGeom>
         </p:spPr>
         <p:txBody>
-          <a:bodyPr lIns="0" rIns="0" tIns="0" bIns="0">
+          <a:bodyPr lIns="0" tIns="0" rIns="0" bIns="0">
             <a:normAutofit/>
           </a:bodyPr>
-          <a:p>
-            <a:endParaRPr b="0" lang="de-DE" sz="3200" spc="-1" strike="noStrike">
+          <a:lstStyle/>
+          <a:p>
+            <a:endParaRPr lang="de-DE" sz="3200" b="0" strike="noStrike" spc="-1">
               <a:latin typeface="Arial"/>
             </a:endParaRPr>
           </a:p>
@@ -3532,11 +3810,12 @@
           </a:prstGeom>
         </p:spPr>
         <p:txBody>
-          <a:bodyPr lIns="0" rIns="0" tIns="0" bIns="0">
+          <a:bodyPr lIns="0" tIns="0" rIns="0" bIns="0">
             <a:normAutofit/>
           </a:bodyPr>
-          <a:p>
-            <a:endParaRPr b="0" lang="de-DE" sz="3200" spc="-1" strike="noStrike">
+          <a:lstStyle/>
+          <a:p>
+            <a:endParaRPr lang="de-DE" sz="3200" b="0" strike="noStrike" spc="-1">
               <a:latin typeface="Arial"/>
             </a:endParaRPr>
           </a:p>
@@ -3544,11 +3823,14 @@
       </p:sp>
     </p:spTree>
   </p:cSld>
+  <p:clrMapOvr>
+    <a:masterClrMapping/>
+  </p:clrMapOvr>
 </p:sldLayout>
 </file>
 
 <file path=ppt/slideLayouts/slideLayout5.xml><?xml version="1.0" encoding="utf-8"?>
-<p:sldLayout xmlns:a="http://schemas.openxmlformats.org/drawingml/2006/main" xmlns:p="http://schemas.openxmlformats.org/presentationml/2006/main" xmlns:r="http://schemas.openxmlformats.org/officeDocument/2006/relationships" xmlns:p14="http://schemas.microsoft.com/office/powerpoint/2010/main" xmlns:p15="http://schemas.microsoft.com/office/powerpoint/2012/main" xmlns:mc="http://schemas.openxmlformats.org/markup-compatibility/2006" type="titleOnly" preserve="1">
+<p:sldLayout xmlns:a="http://schemas.openxmlformats.org/drawingml/2006/main" xmlns:r="http://schemas.openxmlformats.org/officeDocument/2006/relationships" xmlns:p="http://schemas.openxmlformats.org/presentationml/2006/main" type="titleOnly" preserve="1">
   <p:cSld name="Title Only">
     <p:spTree>
       <p:nvGrpSpPr>
@@ -3584,12 +3866,13 @@
           </a:prstGeom>
         </p:spPr>
         <p:txBody>
-          <a:bodyPr lIns="0" rIns="0" tIns="0" bIns="0" anchor="ctr">
+          <a:bodyPr lIns="0" tIns="0" rIns="0" bIns="0" anchor="ctr">
             <a:spAutoFit/>
           </a:bodyPr>
+          <a:lstStyle/>
           <a:p>
             <a:pPr algn="ctr"/>
-            <a:endParaRPr b="0" lang="de-DE" sz="4400" spc="-1" strike="noStrike">
+            <a:endParaRPr lang="de-DE" sz="4400" b="0" strike="noStrike" spc="-1">
               <a:latin typeface="Arial"/>
             </a:endParaRPr>
           </a:p>
@@ -3597,11 +3880,14 @@
       </p:sp>
     </p:spTree>
   </p:cSld>
+  <p:clrMapOvr>
+    <a:masterClrMapping/>
+  </p:clrMapOvr>
 </p:sldLayout>
 </file>
 
 <file path=ppt/slideLayouts/slideLayout6.xml><?xml version="1.0" encoding="utf-8"?>
-<p:sldLayout xmlns:a="http://schemas.openxmlformats.org/drawingml/2006/main" xmlns:p="http://schemas.openxmlformats.org/presentationml/2006/main" xmlns:r="http://schemas.openxmlformats.org/officeDocument/2006/relationships" xmlns:p14="http://schemas.microsoft.com/office/powerpoint/2010/main" xmlns:p15="http://schemas.microsoft.com/office/powerpoint/2012/main" xmlns:mc="http://schemas.openxmlformats.org/markup-compatibility/2006" type="objOnly" preserve="1">
+<p:sldLayout xmlns:a="http://schemas.openxmlformats.org/drawingml/2006/main" xmlns:r="http://schemas.openxmlformats.org/officeDocument/2006/relationships" xmlns:p="http://schemas.openxmlformats.org/presentationml/2006/main" type="objOnly" preserve="1">
   <p:cSld name="Centered Text">
     <p:spTree>
       <p:nvGrpSpPr>
@@ -3637,12 +3923,13 @@
           </a:prstGeom>
         </p:spPr>
         <p:txBody>
-          <a:bodyPr lIns="0" rIns="0" tIns="0" bIns="0" anchor="ctr">
+          <a:bodyPr lIns="0" tIns="0" rIns="0" bIns="0" anchor="ctr">
             <a:spAutoFit/>
           </a:bodyPr>
+          <a:lstStyle/>
           <a:p>
             <a:pPr algn="ctr"/>
-            <a:endParaRPr b="0" lang="de-DE" sz="3200" spc="-1" strike="noStrike">
+            <a:endParaRPr lang="de-DE" sz="3200" b="0" strike="noStrike" spc="-1">
               <a:latin typeface="Arial"/>
             </a:endParaRPr>
           </a:p>
@@ -3650,11 +3937,14 @@
       </p:sp>
     </p:spTree>
   </p:cSld>
+  <p:clrMapOvr>
+    <a:masterClrMapping/>
+  </p:clrMapOvr>
 </p:sldLayout>
 </file>
 
 <file path=ppt/slideLayouts/slideLayout7.xml><?xml version="1.0" encoding="utf-8"?>
-<p:sldLayout xmlns:a="http://schemas.openxmlformats.org/drawingml/2006/main" xmlns:p="http://schemas.openxmlformats.org/presentationml/2006/main" xmlns:r="http://schemas.openxmlformats.org/officeDocument/2006/relationships" xmlns:p14="http://schemas.microsoft.com/office/powerpoint/2010/main" xmlns:p15="http://schemas.microsoft.com/office/powerpoint/2012/main" xmlns:mc="http://schemas.openxmlformats.org/markup-compatibility/2006" type="twoObjAndObj" preserve="1">
+<p:sldLayout xmlns:a="http://schemas.openxmlformats.org/drawingml/2006/main" xmlns:r="http://schemas.openxmlformats.org/officeDocument/2006/relationships" xmlns:p="http://schemas.openxmlformats.org/presentationml/2006/main" type="twoObjAndObj" preserve="1">
   <p:cSld name="Title, 2 Content and Content">
     <p:spTree>
       <p:nvGrpSpPr>
@@ -3690,12 +3980,13 @@
           </a:prstGeom>
         </p:spPr>
         <p:txBody>
-          <a:bodyPr lIns="0" rIns="0" tIns="0" bIns="0" anchor="ctr">
+          <a:bodyPr lIns="0" tIns="0" rIns="0" bIns="0" anchor="ctr">
             <a:spAutoFit/>
           </a:bodyPr>
+          <a:lstStyle/>
           <a:p>
             <a:pPr algn="ctr"/>
-            <a:endParaRPr b="0" lang="de-DE" sz="4400" spc="-1" strike="noStrike">
+            <a:endParaRPr lang="de-DE" sz="4400" b="0" strike="noStrike" spc="-1">
               <a:latin typeface="Arial"/>
             </a:endParaRPr>
           </a:p>
@@ -3721,11 +4012,12 @@
           </a:prstGeom>
         </p:spPr>
         <p:txBody>
-          <a:bodyPr lIns="0" rIns="0" tIns="0" bIns="0">
+          <a:bodyPr lIns="0" tIns="0" rIns="0" bIns="0">
             <a:normAutofit/>
           </a:bodyPr>
-          <a:p>
-            <a:endParaRPr b="0" lang="de-DE" sz="3200" spc="-1" strike="noStrike">
+          <a:lstStyle/>
+          <a:p>
+            <a:endParaRPr lang="de-DE" sz="3200" b="0" strike="noStrike" spc="-1">
               <a:latin typeface="Arial"/>
             </a:endParaRPr>
           </a:p>
@@ -3751,11 +4043,12 @@
           </a:prstGeom>
         </p:spPr>
         <p:txBody>
-          <a:bodyPr lIns="0" rIns="0" tIns="0" bIns="0">
+          <a:bodyPr lIns="0" tIns="0" rIns="0" bIns="0">
             <a:normAutofit/>
           </a:bodyPr>
-          <a:p>
-            <a:endParaRPr b="0" lang="de-DE" sz="3200" spc="-1" strike="noStrike">
+          <a:lstStyle/>
+          <a:p>
+            <a:endParaRPr lang="de-DE" sz="3200" b="0" strike="noStrike" spc="-1">
               <a:latin typeface="Arial"/>
             </a:endParaRPr>
           </a:p>
@@ -3781,11 +4074,12 @@
           </a:prstGeom>
         </p:spPr>
         <p:txBody>
-          <a:bodyPr lIns="0" rIns="0" tIns="0" bIns="0">
+          <a:bodyPr lIns="0" tIns="0" rIns="0" bIns="0">
             <a:normAutofit/>
           </a:bodyPr>
-          <a:p>
-            <a:endParaRPr b="0" lang="de-DE" sz="3200" spc="-1" strike="noStrike">
+          <a:lstStyle/>
+          <a:p>
+            <a:endParaRPr lang="de-DE" sz="3200" b="0" strike="noStrike" spc="-1">
               <a:latin typeface="Arial"/>
             </a:endParaRPr>
           </a:p>
@@ -3793,11 +4087,14 @@
       </p:sp>
     </p:spTree>
   </p:cSld>
+  <p:clrMapOvr>
+    <a:masterClrMapping/>
+  </p:clrMapOvr>
 </p:sldLayout>
 </file>
 
 <file path=ppt/slideLayouts/slideLayout8.xml><?xml version="1.0" encoding="utf-8"?>
-<p:sldLayout xmlns:a="http://schemas.openxmlformats.org/drawingml/2006/main" xmlns:p="http://schemas.openxmlformats.org/presentationml/2006/main" xmlns:r="http://schemas.openxmlformats.org/officeDocument/2006/relationships" xmlns:p14="http://schemas.microsoft.com/office/powerpoint/2010/main" xmlns:p15="http://schemas.microsoft.com/office/powerpoint/2012/main" xmlns:mc="http://schemas.openxmlformats.org/markup-compatibility/2006" type="objAndTwoObj" preserve="1">
+<p:sldLayout xmlns:a="http://schemas.openxmlformats.org/drawingml/2006/main" xmlns:r="http://schemas.openxmlformats.org/officeDocument/2006/relationships" xmlns:p="http://schemas.openxmlformats.org/presentationml/2006/main" type="objAndTwoObj" preserve="1">
   <p:cSld name="Title Content and 2 Content">
     <p:spTree>
       <p:nvGrpSpPr>
@@ -3833,12 +4130,13 @@
           </a:prstGeom>
         </p:spPr>
         <p:txBody>
-          <a:bodyPr lIns="0" rIns="0" tIns="0" bIns="0" anchor="ctr">
+          <a:bodyPr lIns="0" tIns="0" rIns="0" bIns="0" anchor="ctr">
             <a:spAutoFit/>
           </a:bodyPr>
+          <a:lstStyle/>
           <a:p>
             <a:pPr algn="ctr"/>
-            <a:endParaRPr b="0" lang="de-DE" sz="4400" spc="-1" strike="noStrike">
+            <a:endParaRPr lang="de-DE" sz="4400" b="0" strike="noStrike" spc="-1">
               <a:latin typeface="Arial"/>
             </a:endParaRPr>
           </a:p>
@@ -3864,11 +4162,12 @@
           </a:prstGeom>
         </p:spPr>
         <p:txBody>
-          <a:bodyPr lIns="0" rIns="0" tIns="0" bIns="0">
+          <a:bodyPr lIns="0" tIns="0" rIns="0" bIns="0">
             <a:normAutofit/>
           </a:bodyPr>
-          <a:p>
-            <a:endParaRPr b="0" lang="de-DE" sz="3200" spc="-1" strike="noStrike">
+          <a:lstStyle/>
+          <a:p>
+            <a:endParaRPr lang="de-DE" sz="3200" b="0" strike="noStrike" spc="-1">
               <a:latin typeface="Arial"/>
             </a:endParaRPr>
           </a:p>
@@ -3894,11 +4193,12 @@
           </a:prstGeom>
         </p:spPr>
         <p:txBody>
-          <a:bodyPr lIns="0" rIns="0" tIns="0" bIns="0">
+          <a:bodyPr lIns="0" tIns="0" rIns="0" bIns="0">
             <a:normAutofit/>
           </a:bodyPr>
-          <a:p>
-            <a:endParaRPr b="0" lang="de-DE" sz="3200" spc="-1" strike="noStrike">
+          <a:lstStyle/>
+          <a:p>
+            <a:endParaRPr lang="de-DE" sz="3200" b="0" strike="noStrike" spc="-1">
               <a:latin typeface="Arial"/>
             </a:endParaRPr>
           </a:p>
@@ -3924,11 +4224,12 @@
           </a:prstGeom>
         </p:spPr>
         <p:txBody>
-          <a:bodyPr lIns="0" rIns="0" tIns="0" bIns="0">
+          <a:bodyPr lIns="0" tIns="0" rIns="0" bIns="0">
             <a:normAutofit/>
           </a:bodyPr>
-          <a:p>
-            <a:endParaRPr b="0" lang="de-DE" sz="3200" spc="-1" strike="noStrike">
+          <a:lstStyle/>
+          <a:p>
+            <a:endParaRPr lang="de-DE" sz="3200" b="0" strike="noStrike" spc="-1">
               <a:latin typeface="Arial"/>
             </a:endParaRPr>
           </a:p>
@@ -3936,11 +4237,14 @@
       </p:sp>
     </p:spTree>
   </p:cSld>
+  <p:clrMapOvr>
+    <a:masterClrMapping/>
+  </p:clrMapOvr>
 </p:sldLayout>
 </file>
 
 <file path=ppt/slideLayouts/slideLayout9.xml><?xml version="1.0" encoding="utf-8"?>
-<p:sldLayout xmlns:a="http://schemas.openxmlformats.org/drawingml/2006/main" xmlns:p="http://schemas.openxmlformats.org/presentationml/2006/main" xmlns:r="http://schemas.openxmlformats.org/officeDocument/2006/relationships" xmlns:p14="http://schemas.microsoft.com/office/powerpoint/2010/main" xmlns:p15="http://schemas.microsoft.com/office/powerpoint/2012/main" xmlns:mc="http://schemas.openxmlformats.org/markup-compatibility/2006" type="twoObjOverTx" preserve="1">
+<p:sldLayout xmlns:a="http://schemas.openxmlformats.org/drawingml/2006/main" xmlns:r="http://schemas.openxmlformats.org/officeDocument/2006/relationships" xmlns:p="http://schemas.openxmlformats.org/presentationml/2006/main" type="twoObjOverTx" preserve="1">
   <p:cSld name="Title, 2 Content over Content">
     <p:spTree>
       <p:nvGrpSpPr>
@@ -3976,12 +4280,13 @@
           </a:prstGeom>
         </p:spPr>
         <p:txBody>
-          <a:bodyPr lIns="0" rIns="0" tIns="0" bIns="0" anchor="ctr">
+          <a:bodyPr lIns="0" tIns="0" rIns="0" bIns="0" anchor="ctr">
             <a:spAutoFit/>
           </a:bodyPr>
+          <a:lstStyle/>
           <a:p>
             <a:pPr algn="ctr"/>
-            <a:endParaRPr b="0" lang="de-DE" sz="4400" spc="-1" strike="noStrike">
+            <a:endParaRPr lang="de-DE" sz="4400" b="0" strike="noStrike" spc="-1">
               <a:latin typeface="Arial"/>
             </a:endParaRPr>
           </a:p>
@@ -4007,11 +4312,12 @@
           </a:prstGeom>
         </p:spPr>
         <p:txBody>
-          <a:bodyPr lIns="0" rIns="0" tIns="0" bIns="0">
+          <a:bodyPr lIns="0" tIns="0" rIns="0" bIns="0">
             <a:normAutofit/>
           </a:bodyPr>
-          <a:p>
-            <a:endParaRPr b="0" lang="de-DE" sz="3200" spc="-1" strike="noStrike">
+          <a:lstStyle/>
+          <a:p>
+            <a:endParaRPr lang="de-DE" sz="3200" b="0" strike="noStrike" spc="-1">
               <a:latin typeface="Arial"/>
             </a:endParaRPr>
           </a:p>
@@ -4037,11 +4343,12 @@
           </a:prstGeom>
         </p:spPr>
         <p:txBody>
-          <a:bodyPr lIns="0" rIns="0" tIns="0" bIns="0">
+          <a:bodyPr lIns="0" tIns="0" rIns="0" bIns="0">
             <a:normAutofit/>
           </a:bodyPr>
-          <a:p>
-            <a:endParaRPr b="0" lang="de-DE" sz="3200" spc="-1" strike="noStrike">
+          <a:lstStyle/>
+          <a:p>
+            <a:endParaRPr lang="de-DE" sz="3200" b="0" strike="noStrike" spc="-1">
               <a:latin typeface="Arial"/>
             </a:endParaRPr>
           </a:p>
@@ -4067,11 +4374,12 @@
           </a:prstGeom>
         </p:spPr>
         <p:txBody>
-          <a:bodyPr lIns="0" rIns="0" tIns="0" bIns="0">
+          <a:bodyPr lIns="0" tIns="0" rIns="0" bIns="0">
             <a:normAutofit/>
           </a:bodyPr>
-          <a:p>
-            <a:endParaRPr b="0" lang="de-DE" sz="3200" spc="-1" strike="noStrike">
+          <a:lstStyle/>
+          <a:p>
+            <a:endParaRPr lang="de-DE" sz="3200" b="0" strike="noStrike" spc="-1">
               <a:latin typeface="Arial"/>
             </a:endParaRPr>
           </a:p>
@@ -4079,17 +4387,21 @@
       </p:sp>
     </p:spTree>
   </p:cSld>
+  <p:clrMapOvr>
+    <a:masterClrMapping/>
+  </p:clrMapOvr>
 </p:sldLayout>
 </file>
 
 <file path=ppt/slideMasters/slideMaster1.xml><?xml version="1.0" encoding="utf-8"?>
-<p:sldMaster xmlns:a="http://schemas.openxmlformats.org/drawingml/2006/main" xmlns:p="http://schemas.openxmlformats.org/presentationml/2006/main" xmlns:r="http://schemas.openxmlformats.org/officeDocument/2006/relationships" xmlns:p14="http://schemas.microsoft.com/office/powerpoint/2010/main" xmlns:p15="http://schemas.microsoft.com/office/powerpoint/2012/main" xmlns:mc="http://schemas.openxmlformats.org/markup-compatibility/2006">
+<p:sldMaster xmlns:a="http://schemas.openxmlformats.org/drawingml/2006/main" xmlns:r="http://schemas.openxmlformats.org/officeDocument/2006/relationships" xmlns:p="http://schemas.openxmlformats.org/presentationml/2006/main">
   <p:cSld>
     <p:bg>
       <p:bgPr>
         <a:solidFill>
-          <a:srgbClr val="ffffff"/>
+          <a:srgbClr val="FFFFFF"/>
         </a:solidFill>
+        <a:effectLst/>
       </p:bgPr>
     </p:bg>
     <p:spTree>
@@ -4108,12 +4420,12 @@
       </p:grpSpPr>
       <p:pic>
         <p:nvPicPr>
-          <p:cNvPr id="0" name="Grafik 4" descr=""/>
+          <p:cNvPr id="5" name="Grafik 4"/>
           <p:cNvPicPr/>
           <p:nvPr/>
         </p:nvPicPr>
         <p:blipFill>
-          <a:blip r:embed="rId2"/>
+          <a:blip r:embed="rId14"/>
           <a:stretch/>
         </p:blipFill>
         <p:spPr>
@@ -4131,7 +4443,7 @@
       </p:pic>
       <p:sp>
         <p:nvSpPr>
-          <p:cNvPr id="1" name="CustomShape 1"/>
+          <p:cNvPr id="6" name="CustomShape 1"/>
           <p:cNvSpPr/>
           <p:nvPr/>
         </p:nvSpPr>
@@ -4221,20 +4533,18 @@
           </a:prstGeom>
         </p:spPr>
         <p:txBody>
-          <a:bodyPr lIns="0" rIns="0" tIns="0" bIns="0" anchor="ctr">
+          <a:bodyPr lIns="0" tIns="0" rIns="0" bIns="0" anchor="ctr">
             <a:noAutofit/>
           </a:bodyPr>
+          <a:lstStyle/>
           <a:p>
             <a:pPr algn="ctr"/>
             <a:r>
-              <a:rPr b="0" lang="de-DE" sz="4400" spc="-1" strike="noStrike">
+              <a:rPr lang="de-DE" sz="4400" b="0" strike="noStrike" spc="-1">
                 <a:latin typeface="Arial"/>
               </a:rPr>
               <a:t>Click to edit the title text format</a:t>
             </a:r>
-            <a:endParaRPr b="0" lang="de-DE" sz="4400" spc="-1" strike="noStrike">
-              <a:latin typeface="Arial"/>
-            </a:endParaRPr>
           </a:p>
         </p:txBody>
       </p:sp>
@@ -4258,9 +4568,10 @@
           </a:prstGeom>
         </p:spPr>
         <p:txBody>
-          <a:bodyPr lIns="0" rIns="0" tIns="0" bIns="0">
+          <a:bodyPr lIns="0" tIns="0" rIns="0" bIns="0">
             <a:normAutofit/>
           </a:bodyPr>
+          <a:lstStyle/>
           <a:p>
             <a:pPr marL="432000" indent="-324000">
               <a:spcBef>
@@ -4274,17 +4585,14 @@
               <a:buChar char=""/>
             </a:pPr>
             <a:r>
-              <a:rPr b="0" lang="de-DE" sz="3200" spc="-1" strike="noStrike">
+              <a:rPr lang="de-DE" sz="3200" b="0" strike="noStrike" spc="-1">
                 <a:latin typeface="Arial"/>
               </a:rPr>
               <a:t>Click to edit the outline text format</a:t>
             </a:r>
-            <a:endParaRPr b="0" lang="de-DE" sz="3200" spc="-1" strike="noStrike">
-              <a:latin typeface="Arial"/>
-            </a:endParaRPr>
-          </a:p>
-          <a:p>
-            <a:pPr lvl="1" marL="864000" indent="-324000">
+          </a:p>
+          <a:p>
+            <a:pPr marL="864000" lvl="1" indent="-324000">
               <a:spcBef>
                 <a:spcPts val="1134"/>
               </a:spcBef>
@@ -4296,17 +4604,14 @@
               <a:buChar char=""/>
             </a:pPr>
             <a:r>
-              <a:rPr b="0" lang="de-DE" sz="2800" spc="-1" strike="noStrike">
+              <a:rPr lang="de-DE" sz="2800" b="0" strike="noStrike" spc="-1">
                 <a:latin typeface="Arial"/>
               </a:rPr>
               <a:t>Second Outline Level</a:t>
             </a:r>
-            <a:endParaRPr b="0" lang="de-DE" sz="2800" spc="-1" strike="noStrike">
-              <a:latin typeface="Arial"/>
-            </a:endParaRPr>
-          </a:p>
-          <a:p>
-            <a:pPr lvl="2" marL="1296000" indent="-288000">
+          </a:p>
+          <a:p>
+            <a:pPr marL="1296000" lvl="2" indent="-288000">
               <a:spcBef>
                 <a:spcPts val="850"/>
               </a:spcBef>
@@ -4318,17 +4623,14 @@
               <a:buChar char=""/>
             </a:pPr>
             <a:r>
-              <a:rPr b="0" lang="de-DE" sz="2400" spc="-1" strike="noStrike">
+              <a:rPr lang="de-DE" sz="2400" b="0" strike="noStrike" spc="-1">
                 <a:latin typeface="Arial"/>
               </a:rPr>
               <a:t>Third Outline Level</a:t>
             </a:r>
-            <a:endParaRPr b="0" lang="de-DE" sz="2400" spc="-1" strike="noStrike">
-              <a:latin typeface="Arial"/>
-            </a:endParaRPr>
-          </a:p>
-          <a:p>
-            <a:pPr lvl="3" marL="1728000" indent="-216000">
+          </a:p>
+          <a:p>
+            <a:pPr marL="1728000" lvl="3" indent="-216000">
               <a:spcBef>
                 <a:spcPts val="567"/>
               </a:spcBef>
@@ -4340,17 +4642,14 @@
               <a:buChar char=""/>
             </a:pPr>
             <a:r>
-              <a:rPr b="0" lang="de-DE" sz="2000" spc="-1" strike="noStrike">
+              <a:rPr lang="de-DE" sz="2000" b="0" strike="noStrike" spc="-1">
                 <a:latin typeface="Arial"/>
               </a:rPr>
               <a:t>Fourth Outline Level</a:t>
             </a:r>
-            <a:endParaRPr b="0" lang="de-DE" sz="2000" spc="-1" strike="noStrike">
-              <a:latin typeface="Arial"/>
-            </a:endParaRPr>
-          </a:p>
-          <a:p>
-            <a:pPr lvl="4" marL="2160000" indent="-216000">
+          </a:p>
+          <a:p>
+            <a:pPr marL="2160000" lvl="4" indent="-216000">
               <a:spcBef>
                 <a:spcPts val="283"/>
               </a:spcBef>
@@ -4362,17 +4661,14 @@
               <a:buChar char=""/>
             </a:pPr>
             <a:r>
-              <a:rPr b="0" lang="de-DE" sz="2000" spc="-1" strike="noStrike">
+              <a:rPr lang="de-DE" sz="2000" b="0" strike="noStrike" spc="-1">
                 <a:latin typeface="Arial"/>
               </a:rPr>
               <a:t>Fifth Outline Level</a:t>
             </a:r>
-            <a:endParaRPr b="0" lang="de-DE" sz="2000" spc="-1" strike="noStrike">
-              <a:latin typeface="Arial"/>
-            </a:endParaRPr>
-          </a:p>
-          <a:p>
-            <a:pPr lvl="5" marL="2592000" indent="-216000">
+          </a:p>
+          <a:p>
+            <a:pPr marL="2592000" lvl="5" indent="-216000">
               <a:spcBef>
                 <a:spcPts val="283"/>
               </a:spcBef>
@@ -4384,17 +4680,14 @@
               <a:buChar char=""/>
             </a:pPr>
             <a:r>
-              <a:rPr b="0" lang="de-DE" sz="2000" spc="-1" strike="noStrike">
+              <a:rPr lang="de-DE" sz="2000" b="0" strike="noStrike" spc="-1">
                 <a:latin typeface="Arial"/>
               </a:rPr>
               <a:t>Sixth Outline Level</a:t>
             </a:r>
-            <a:endParaRPr b="0" lang="de-DE" sz="2000" spc="-1" strike="noStrike">
-              <a:latin typeface="Arial"/>
-            </a:endParaRPr>
-          </a:p>
-          <a:p>
-            <a:pPr lvl="6" marL="3024000" indent="-216000">
+          </a:p>
+          <a:p>
+            <a:pPr marL="3024000" lvl="6" indent="-216000">
               <a:spcBef>
                 <a:spcPts val="283"/>
               </a:spcBef>
@@ -4406,45 +4699,323 @@
               <a:buChar char=""/>
             </a:pPr>
             <a:r>
-              <a:rPr b="0" lang="de-DE" sz="2000" spc="-1" strike="noStrike">
+              <a:rPr lang="de-DE" sz="2000" b="0" strike="noStrike" spc="-1">
                 <a:latin typeface="Arial"/>
               </a:rPr>
               <a:t>Seventh Outline Level</a:t>
             </a:r>
-            <a:endParaRPr b="0" lang="de-DE" sz="2000" spc="-1" strike="noStrike">
-              <a:latin typeface="Arial"/>
-            </a:endParaRPr>
           </a:p>
         </p:txBody>
       </p:sp>
     </p:spTree>
   </p:cSld>
-  <p:clrMap bg1="lt1" bg2="lt2" tx1="dk1" tx2="dk2" accent1="accent1" accent2="accent2" accent3="accent3" accent4="accent4" accent5="accent5" accent6="accent6" hlink="hlink" folHlink="folHlink"/>
+  <p:clrMap bg1="lt1" tx1="dk1" bg2="lt2" tx2="dk2" accent1="accent1" accent2="accent2" accent3="accent3" accent4="accent4" accent5="accent5" accent6="accent6" hlink="hlink" folHlink="folHlink"/>
   <p:sldLayoutIdLst>
-    <p:sldLayoutId id="2147483649" r:id="rId3"/>
-    <p:sldLayoutId id="2147483650" r:id="rId4"/>
-    <p:sldLayoutId id="2147483651" r:id="rId5"/>
-    <p:sldLayoutId id="2147483652" r:id="rId6"/>
-    <p:sldLayoutId id="2147483653" r:id="rId7"/>
-    <p:sldLayoutId id="2147483654" r:id="rId8"/>
-    <p:sldLayoutId id="2147483655" r:id="rId9"/>
-    <p:sldLayoutId id="2147483656" r:id="rId10"/>
-    <p:sldLayoutId id="2147483657" r:id="rId11"/>
-    <p:sldLayoutId id="2147483658" r:id="rId12"/>
-    <p:sldLayoutId id="2147483659" r:id="rId13"/>
-    <p:sldLayoutId id="2147483660" r:id="rId14"/>
+    <p:sldLayoutId id="2147483649" r:id="rId1"/>
+    <p:sldLayoutId id="2147483650" r:id="rId2"/>
+    <p:sldLayoutId id="2147483651" r:id="rId3"/>
+    <p:sldLayoutId id="2147483652" r:id="rId4"/>
+    <p:sldLayoutId id="2147483653" r:id="rId5"/>
+    <p:sldLayoutId id="2147483654" r:id="rId6"/>
+    <p:sldLayoutId id="2147483655" r:id="rId7"/>
+    <p:sldLayoutId id="2147483656" r:id="rId8"/>
+    <p:sldLayoutId id="2147483657" r:id="rId9"/>
+    <p:sldLayoutId id="2147483658" r:id="rId10"/>
+    <p:sldLayoutId id="2147483659" r:id="rId11"/>
+    <p:sldLayoutId id="2147483660" r:id="rId12"/>
   </p:sldLayoutIdLst>
+  <p:txStyles>
+    <p:titleStyle>
+      <a:lvl1pPr algn="l" defTabSz="914400" rtl="0" eaLnBrk="1" latinLnBrk="0" hangingPunct="1">
+        <a:lnSpc>
+          <a:spcPct val="90000"/>
+        </a:lnSpc>
+        <a:spcBef>
+          <a:spcPct val="0"/>
+        </a:spcBef>
+        <a:buNone/>
+        <a:defRPr sz="4400" kern="1200">
+          <a:solidFill>
+            <a:schemeClr val="tx1"/>
+          </a:solidFill>
+          <a:latin typeface="+mj-lt"/>
+          <a:ea typeface="+mj-ea"/>
+          <a:cs typeface="+mj-cs"/>
+        </a:defRPr>
+      </a:lvl1pPr>
+    </p:titleStyle>
+    <p:bodyStyle>
+      <a:lvl1pPr marL="228600" indent="-228600" algn="l" defTabSz="914400" rtl="0" eaLnBrk="1" latinLnBrk="0" hangingPunct="1">
+        <a:lnSpc>
+          <a:spcPct val="90000"/>
+        </a:lnSpc>
+        <a:spcBef>
+          <a:spcPts val="1000"/>
+        </a:spcBef>
+        <a:buFont typeface="Arial" panose="020B0604020202020204" pitchFamily="34" charset="0"/>
+        <a:buChar char="•"/>
+        <a:defRPr sz="2800" kern="1200">
+          <a:solidFill>
+            <a:schemeClr val="tx1"/>
+          </a:solidFill>
+          <a:latin typeface="+mn-lt"/>
+          <a:ea typeface="+mn-ea"/>
+          <a:cs typeface="+mn-cs"/>
+        </a:defRPr>
+      </a:lvl1pPr>
+      <a:lvl2pPr marL="685800" indent="-228600" algn="l" defTabSz="914400" rtl="0" eaLnBrk="1" latinLnBrk="0" hangingPunct="1">
+        <a:lnSpc>
+          <a:spcPct val="90000"/>
+        </a:lnSpc>
+        <a:spcBef>
+          <a:spcPts val="500"/>
+        </a:spcBef>
+        <a:buFont typeface="Arial" panose="020B0604020202020204" pitchFamily="34" charset="0"/>
+        <a:buChar char="•"/>
+        <a:defRPr sz="2400" kern="1200">
+          <a:solidFill>
+            <a:schemeClr val="tx1"/>
+          </a:solidFill>
+          <a:latin typeface="+mn-lt"/>
+          <a:ea typeface="+mn-ea"/>
+          <a:cs typeface="+mn-cs"/>
+        </a:defRPr>
+      </a:lvl2pPr>
+      <a:lvl3pPr marL="1143000" indent="-228600" algn="l" defTabSz="914400" rtl="0" eaLnBrk="1" latinLnBrk="0" hangingPunct="1">
+        <a:lnSpc>
+          <a:spcPct val="90000"/>
+        </a:lnSpc>
+        <a:spcBef>
+          <a:spcPts val="500"/>
+        </a:spcBef>
+        <a:buFont typeface="Arial" panose="020B0604020202020204" pitchFamily="34" charset="0"/>
+        <a:buChar char="•"/>
+        <a:defRPr sz="2000" kern="1200">
+          <a:solidFill>
+            <a:schemeClr val="tx1"/>
+          </a:solidFill>
+          <a:latin typeface="+mn-lt"/>
+          <a:ea typeface="+mn-ea"/>
+          <a:cs typeface="+mn-cs"/>
+        </a:defRPr>
+      </a:lvl3pPr>
+      <a:lvl4pPr marL="1600200" indent="-228600" algn="l" defTabSz="914400" rtl="0" eaLnBrk="1" latinLnBrk="0" hangingPunct="1">
+        <a:lnSpc>
+          <a:spcPct val="90000"/>
+        </a:lnSpc>
+        <a:spcBef>
+          <a:spcPts val="500"/>
+        </a:spcBef>
+        <a:buFont typeface="Arial" panose="020B0604020202020204" pitchFamily="34" charset="0"/>
+        <a:buChar char="•"/>
+        <a:defRPr sz="1800" kern="1200">
+          <a:solidFill>
+            <a:schemeClr val="tx1"/>
+          </a:solidFill>
+          <a:latin typeface="+mn-lt"/>
+          <a:ea typeface="+mn-ea"/>
+          <a:cs typeface="+mn-cs"/>
+        </a:defRPr>
+      </a:lvl4pPr>
+      <a:lvl5pPr marL="2057400" indent="-228600" algn="l" defTabSz="914400" rtl="0" eaLnBrk="1" latinLnBrk="0" hangingPunct="1">
+        <a:lnSpc>
+          <a:spcPct val="90000"/>
+        </a:lnSpc>
+        <a:spcBef>
+          <a:spcPts val="500"/>
+        </a:spcBef>
+        <a:buFont typeface="Arial" panose="020B0604020202020204" pitchFamily="34" charset="0"/>
+        <a:buChar char="•"/>
+        <a:defRPr sz="1800" kern="1200">
+          <a:solidFill>
+            <a:schemeClr val="tx1"/>
+          </a:solidFill>
+          <a:latin typeface="+mn-lt"/>
+          <a:ea typeface="+mn-ea"/>
+          <a:cs typeface="+mn-cs"/>
+        </a:defRPr>
+      </a:lvl5pPr>
+      <a:lvl6pPr marL="2514600" indent="-228600" algn="l" defTabSz="914400" rtl="0" eaLnBrk="1" latinLnBrk="0" hangingPunct="1">
+        <a:lnSpc>
+          <a:spcPct val="90000"/>
+        </a:lnSpc>
+        <a:spcBef>
+          <a:spcPts val="500"/>
+        </a:spcBef>
+        <a:buFont typeface="Arial" panose="020B0604020202020204" pitchFamily="34" charset="0"/>
+        <a:buChar char="•"/>
+        <a:defRPr sz="1800" kern="1200">
+          <a:solidFill>
+            <a:schemeClr val="tx1"/>
+          </a:solidFill>
+          <a:latin typeface="+mn-lt"/>
+          <a:ea typeface="+mn-ea"/>
+          <a:cs typeface="+mn-cs"/>
+        </a:defRPr>
+      </a:lvl6pPr>
+      <a:lvl7pPr marL="2971800" indent="-228600" algn="l" defTabSz="914400" rtl="0" eaLnBrk="1" latinLnBrk="0" hangingPunct="1">
+        <a:lnSpc>
+          <a:spcPct val="90000"/>
+        </a:lnSpc>
+        <a:spcBef>
+          <a:spcPts val="500"/>
+        </a:spcBef>
+        <a:buFont typeface="Arial" panose="020B0604020202020204" pitchFamily="34" charset="0"/>
+        <a:buChar char="•"/>
+        <a:defRPr sz="1800" kern="1200">
+          <a:solidFill>
+            <a:schemeClr val="tx1"/>
+          </a:solidFill>
+          <a:latin typeface="+mn-lt"/>
+          <a:ea typeface="+mn-ea"/>
+          <a:cs typeface="+mn-cs"/>
+        </a:defRPr>
+      </a:lvl7pPr>
+      <a:lvl8pPr marL="3429000" indent="-228600" algn="l" defTabSz="914400" rtl="0" eaLnBrk="1" latinLnBrk="0" hangingPunct="1">
+        <a:lnSpc>
+          <a:spcPct val="90000"/>
+        </a:lnSpc>
+        <a:spcBef>
+          <a:spcPts val="500"/>
+        </a:spcBef>
+        <a:buFont typeface="Arial" panose="020B0604020202020204" pitchFamily="34" charset="0"/>
+        <a:buChar char="•"/>
+        <a:defRPr sz="1800" kern="1200">
+          <a:solidFill>
+            <a:schemeClr val="tx1"/>
+          </a:solidFill>
+          <a:latin typeface="+mn-lt"/>
+          <a:ea typeface="+mn-ea"/>
+          <a:cs typeface="+mn-cs"/>
+        </a:defRPr>
+      </a:lvl8pPr>
+      <a:lvl9pPr marL="3886200" indent="-228600" algn="l" defTabSz="914400" rtl="0" eaLnBrk="1" latinLnBrk="0" hangingPunct="1">
+        <a:lnSpc>
+          <a:spcPct val="90000"/>
+        </a:lnSpc>
+        <a:spcBef>
+          <a:spcPts val="500"/>
+        </a:spcBef>
+        <a:buFont typeface="Arial" panose="020B0604020202020204" pitchFamily="34" charset="0"/>
+        <a:buChar char="•"/>
+        <a:defRPr sz="1800" kern="1200">
+          <a:solidFill>
+            <a:schemeClr val="tx1"/>
+          </a:solidFill>
+          <a:latin typeface="+mn-lt"/>
+          <a:ea typeface="+mn-ea"/>
+          <a:cs typeface="+mn-cs"/>
+        </a:defRPr>
+      </a:lvl9pPr>
+    </p:bodyStyle>
+    <p:otherStyle>
+      <a:defPPr>
+        <a:defRPr lang="de-DE"/>
+      </a:defPPr>
+      <a:lvl1pPr marL="0" algn="l" defTabSz="914400" rtl="0" eaLnBrk="1" latinLnBrk="0" hangingPunct="1">
+        <a:defRPr sz="1800" kern="1200">
+          <a:solidFill>
+            <a:schemeClr val="tx1"/>
+          </a:solidFill>
+          <a:latin typeface="+mn-lt"/>
+          <a:ea typeface="+mn-ea"/>
+          <a:cs typeface="+mn-cs"/>
+        </a:defRPr>
+      </a:lvl1pPr>
+      <a:lvl2pPr marL="457200" algn="l" defTabSz="914400" rtl="0" eaLnBrk="1" latinLnBrk="0" hangingPunct="1">
+        <a:defRPr sz="1800" kern="1200">
+          <a:solidFill>
+            <a:schemeClr val="tx1"/>
+          </a:solidFill>
+          <a:latin typeface="+mn-lt"/>
+          <a:ea typeface="+mn-ea"/>
+          <a:cs typeface="+mn-cs"/>
+        </a:defRPr>
+      </a:lvl2pPr>
+      <a:lvl3pPr marL="914400" algn="l" defTabSz="914400" rtl="0" eaLnBrk="1" latinLnBrk="0" hangingPunct="1">
+        <a:defRPr sz="1800" kern="1200">
+          <a:solidFill>
+            <a:schemeClr val="tx1"/>
+          </a:solidFill>
+          <a:latin typeface="+mn-lt"/>
+          <a:ea typeface="+mn-ea"/>
+          <a:cs typeface="+mn-cs"/>
+        </a:defRPr>
+      </a:lvl3pPr>
+      <a:lvl4pPr marL="1371600" algn="l" defTabSz="914400" rtl="0" eaLnBrk="1" latinLnBrk="0" hangingPunct="1">
+        <a:defRPr sz="1800" kern="1200">
+          <a:solidFill>
+            <a:schemeClr val="tx1"/>
+          </a:solidFill>
+          <a:latin typeface="+mn-lt"/>
+          <a:ea typeface="+mn-ea"/>
+          <a:cs typeface="+mn-cs"/>
+        </a:defRPr>
+      </a:lvl4pPr>
+      <a:lvl5pPr marL="1828800" algn="l" defTabSz="914400" rtl="0" eaLnBrk="1" latinLnBrk="0" hangingPunct="1">
+        <a:defRPr sz="1800" kern="1200">
+          <a:solidFill>
+            <a:schemeClr val="tx1"/>
+          </a:solidFill>
+          <a:latin typeface="+mn-lt"/>
+          <a:ea typeface="+mn-ea"/>
+          <a:cs typeface="+mn-cs"/>
+        </a:defRPr>
+      </a:lvl5pPr>
+      <a:lvl6pPr marL="2286000" algn="l" defTabSz="914400" rtl="0" eaLnBrk="1" latinLnBrk="0" hangingPunct="1">
+        <a:defRPr sz="1800" kern="1200">
+          <a:solidFill>
+            <a:schemeClr val="tx1"/>
+          </a:solidFill>
+          <a:latin typeface="+mn-lt"/>
+          <a:ea typeface="+mn-ea"/>
+          <a:cs typeface="+mn-cs"/>
+        </a:defRPr>
+      </a:lvl6pPr>
+      <a:lvl7pPr marL="2743200" algn="l" defTabSz="914400" rtl="0" eaLnBrk="1" latinLnBrk="0" hangingPunct="1">
+        <a:defRPr sz="1800" kern="1200">
+          <a:solidFill>
+            <a:schemeClr val="tx1"/>
+          </a:solidFill>
+          <a:latin typeface="+mn-lt"/>
+          <a:ea typeface="+mn-ea"/>
+          <a:cs typeface="+mn-cs"/>
+        </a:defRPr>
+      </a:lvl7pPr>
+      <a:lvl8pPr marL="3200400" algn="l" defTabSz="914400" rtl="0" eaLnBrk="1" latinLnBrk="0" hangingPunct="1">
+        <a:defRPr sz="1800" kern="1200">
+          <a:solidFill>
+            <a:schemeClr val="tx1"/>
+          </a:solidFill>
+          <a:latin typeface="+mn-lt"/>
+          <a:ea typeface="+mn-ea"/>
+          <a:cs typeface="+mn-cs"/>
+        </a:defRPr>
+      </a:lvl8pPr>
+      <a:lvl9pPr marL="3657600" algn="l" defTabSz="914400" rtl="0" eaLnBrk="1" latinLnBrk="0" hangingPunct="1">
+        <a:defRPr sz="1800" kern="1200">
+          <a:solidFill>
+            <a:schemeClr val="tx1"/>
+          </a:solidFill>
+          <a:latin typeface="+mn-lt"/>
+          <a:ea typeface="+mn-ea"/>
+          <a:cs typeface="+mn-cs"/>
+        </a:defRPr>
+      </a:lvl9pPr>
+    </p:otherStyle>
+  </p:txStyles>
 </p:sldMaster>
 </file>
 
 <file path=ppt/slideMasters/slideMaster2.xml><?xml version="1.0" encoding="utf-8"?>
-<p:sldMaster xmlns:a="http://schemas.openxmlformats.org/drawingml/2006/main" xmlns:p="http://schemas.openxmlformats.org/presentationml/2006/main" xmlns:r="http://schemas.openxmlformats.org/officeDocument/2006/relationships" xmlns:p14="http://schemas.microsoft.com/office/powerpoint/2010/main" xmlns:p15="http://schemas.microsoft.com/office/powerpoint/2012/main" xmlns:mc="http://schemas.openxmlformats.org/markup-compatibility/2006">
+<p:sldMaster xmlns:a="http://schemas.openxmlformats.org/drawingml/2006/main" xmlns:r="http://schemas.openxmlformats.org/officeDocument/2006/relationships" xmlns:p="http://schemas.openxmlformats.org/presentationml/2006/main">
   <p:cSld>
     <p:bg>
       <p:bgPr>
         <a:solidFill>
-          <a:srgbClr val="ffffff"/>
+          <a:srgbClr val="FFFFFF"/>
         </a:solidFill>
+        <a:effectLst/>
       </p:bgPr>
     </p:bg>
     <p:spTree>
@@ -4463,12 +5034,12 @@
       </p:grpSpPr>
       <p:pic>
         <p:nvPicPr>
-          <p:cNvPr id="41" name="Grafik 4" descr=""/>
+          <p:cNvPr id="41" name="Grafik 4"/>
           <p:cNvPicPr/>
           <p:nvPr/>
         </p:nvPicPr>
         <p:blipFill>
-          <a:blip r:embed="rId2"/>
+          <a:blip r:embed="rId14"/>
           <a:stretch/>
         </p:blipFill>
         <p:spPr>
@@ -4576,20 +5147,18 @@
           </a:prstGeom>
         </p:spPr>
         <p:txBody>
-          <a:bodyPr lIns="0" rIns="0" tIns="0" bIns="0" anchor="ctr">
+          <a:bodyPr lIns="0" tIns="0" rIns="0" bIns="0" anchor="ctr">
             <a:noAutofit/>
           </a:bodyPr>
+          <a:lstStyle/>
           <a:p>
             <a:pPr algn="ctr"/>
             <a:r>
-              <a:rPr b="0" lang="de-DE" sz="4400" spc="-1" strike="noStrike">
+              <a:rPr lang="de-DE" sz="4400" b="0" strike="noStrike" spc="-1">
                 <a:latin typeface="Arial"/>
               </a:rPr>
               <a:t>Click to edit the title text format</a:t>
             </a:r>
-            <a:endParaRPr b="0" lang="de-DE" sz="4400" spc="-1" strike="noStrike">
-              <a:latin typeface="Arial"/>
-            </a:endParaRPr>
           </a:p>
         </p:txBody>
       </p:sp>
@@ -4613,9 +5182,10 @@
           </a:prstGeom>
         </p:spPr>
         <p:txBody>
-          <a:bodyPr lIns="0" rIns="0" tIns="0" bIns="0">
+          <a:bodyPr lIns="0" tIns="0" rIns="0" bIns="0">
             <a:normAutofit/>
           </a:bodyPr>
+          <a:lstStyle/>
           <a:p>
             <a:pPr marL="432000" indent="-324000">
               <a:spcBef>
@@ -4629,17 +5199,14 @@
               <a:buChar char=""/>
             </a:pPr>
             <a:r>
-              <a:rPr b="0" lang="de-DE" sz="3200" spc="-1" strike="noStrike">
+              <a:rPr lang="de-DE" sz="3200" b="0" strike="noStrike" spc="-1">
                 <a:latin typeface="Arial"/>
               </a:rPr>
               <a:t>Click to edit the outline text format</a:t>
             </a:r>
-            <a:endParaRPr b="0" lang="de-DE" sz="3200" spc="-1" strike="noStrike">
-              <a:latin typeface="Arial"/>
-            </a:endParaRPr>
-          </a:p>
-          <a:p>
-            <a:pPr lvl="1" marL="864000" indent="-324000">
+          </a:p>
+          <a:p>
+            <a:pPr marL="864000" lvl="1" indent="-324000">
               <a:spcBef>
                 <a:spcPts val="1134"/>
               </a:spcBef>
@@ -4651,17 +5218,14 @@
               <a:buChar char=""/>
             </a:pPr>
             <a:r>
-              <a:rPr b="0" lang="de-DE" sz="2800" spc="-1" strike="noStrike">
+              <a:rPr lang="de-DE" sz="2800" b="0" strike="noStrike" spc="-1">
                 <a:latin typeface="Arial"/>
               </a:rPr>
               <a:t>Second Outline Level</a:t>
             </a:r>
-            <a:endParaRPr b="0" lang="de-DE" sz="2800" spc="-1" strike="noStrike">
-              <a:latin typeface="Arial"/>
-            </a:endParaRPr>
-          </a:p>
-          <a:p>
-            <a:pPr lvl="2" marL="1296000" indent="-288000">
+          </a:p>
+          <a:p>
+            <a:pPr marL="1296000" lvl="2" indent="-288000">
               <a:spcBef>
                 <a:spcPts val="850"/>
               </a:spcBef>
@@ -4673,17 +5237,14 @@
               <a:buChar char=""/>
             </a:pPr>
             <a:r>
-              <a:rPr b="0" lang="de-DE" sz="2400" spc="-1" strike="noStrike">
+              <a:rPr lang="de-DE" sz="2400" b="0" strike="noStrike" spc="-1">
                 <a:latin typeface="Arial"/>
               </a:rPr>
               <a:t>Third Outline Level</a:t>
             </a:r>
-            <a:endParaRPr b="0" lang="de-DE" sz="2400" spc="-1" strike="noStrike">
-              <a:latin typeface="Arial"/>
-            </a:endParaRPr>
-          </a:p>
-          <a:p>
-            <a:pPr lvl="3" marL="1728000" indent="-216000">
+          </a:p>
+          <a:p>
+            <a:pPr marL="1728000" lvl="3" indent="-216000">
               <a:spcBef>
                 <a:spcPts val="567"/>
               </a:spcBef>
@@ -4695,17 +5256,14 @@
               <a:buChar char=""/>
             </a:pPr>
             <a:r>
-              <a:rPr b="0" lang="de-DE" sz="2000" spc="-1" strike="noStrike">
+              <a:rPr lang="de-DE" sz="2000" b="0" strike="noStrike" spc="-1">
                 <a:latin typeface="Arial"/>
               </a:rPr>
               <a:t>Fourth Outline Level</a:t>
             </a:r>
-            <a:endParaRPr b="0" lang="de-DE" sz="2000" spc="-1" strike="noStrike">
-              <a:latin typeface="Arial"/>
-            </a:endParaRPr>
-          </a:p>
-          <a:p>
-            <a:pPr lvl="4" marL="2160000" indent="-216000">
+          </a:p>
+          <a:p>
+            <a:pPr marL="2160000" lvl="4" indent="-216000">
               <a:spcBef>
                 <a:spcPts val="283"/>
               </a:spcBef>
@@ -4717,17 +5275,14 @@
               <a:buChar char=""/>
             </a:pPr>
             <a:r>
-              <a:rPr b="0" lang="de-DE" sz="2000" spc="-1" strike="noStrike">
+              <a:rPr lang="de-DE" sz="2000" b="0" strike="noStrike" spc="-1">
                 <a:latin typeface="Arial"/>
               </a:rPr>
               <a:t>Fifth Outline Level</a:t>
             </a:r>
-            <a:endParaRPr b="0" lang="de-DE" sz="2000" spc="-1" strike="noStrike">
-              <a:latin typeface="Arial"/>
-            </a:endParaRPr>
-          </a:p>
-          <a:p>
-            <a:pPr lvl="5" marL="2592000" indent="-216000">
+          </a:p>
+          <a:p>
+            <a:pPr marL="2592000" lvl="5" indent="-216000">
               <a:spcBef>
                 <a:spcPts val="283"/>
               </a:spcBef>
@@ -4739,17 +5294,14 @@
               <a:buChar char=""/>
             </a:pPr>
             <a:r>
-              <a:rPr b="0" lang="de-DE" sz="2000" spc="-1" strike="noStrike">
+              <a:rPr lang="de-DE" sz="2000" b="0" strike="noStrike" spc="-1">
                 <a:latin typeface="Arial"/>
               </a:rPr>
               <a:t>Sixth Outline Level</a:t>
             </a:r>
-            <a:endParaRPr b="0" lang="de-DE" sz="2000" spc="-1" strike="noStrike">
-              <a:latin typeface="Arial"/>
-            </a:endParaRPr>
-          </a:p>
-          <a:p>
-            <a:pPr lvl="6" marL="3024000" indent="-216000">
+          </a:p>
+          <a:p>
+            <a:pPr marL="3024000" lvl="6" indent="-216000">
               <a:spcBef>
                 <a:spcPts val="283"/>
               </a:spcBef>
@@ -4761,45 +5313,323 @@
               <a:buChar char=""/>
             </a:pPr>
             <a:r>
-              <a:rPr b="0" lang="de-DE" sz="2000" spc="-1" strike="noStrike">
+              <a:rPr lang="de-DE" sz="2000" b="0" strike="noStrike" spc="-1">
                 <a:latin typeface="Arial"/>
               </a:rPr>
               <a:t>Seventh Outline Level</a:t>
             </a:r>
-            <a:endParaRPr b="0" lang="de-DE" sz="2000" spc="-1" strike="noStrike">
-              <a:latin typeface="Arial"/>
-            </a:endParaRPr>
           </a:p>
         </p:txBody>
       </p:sp>
     </p:spTree>
   </p:cSld>
-  <p:clrMap bg1="lt1" bg2="lt2" tx1="dk1" tx2="dk2" accent1="accent1" accent2="accent2" accent3="accent3" accent4="accent4" accent5="accent5" accent6="accent6" hlink="hlink" folHlink="folHlink"/>
+  <p:clrMap bg1="lt1" tx1="dk1" bg2="lt2" tx2="dk2" accent1="accent1" accent2="accent2" accent3="accent3" accent4="accent4" accent5="accent5" accent6="accent6" hlink="hlink" folHlink="folHlink"/>
   <p:sldLayoutIdLst>
-    <p:sldLayoutId id="2147483662" r:id="rId3"/>
-    <p:sldLayoutId id="2147483663" r:id="rId4"/>
-    <p:sldLayoutId id="2147483664" r:id="rId5"/>
-    <p:sldLayoutId id="2147483665" r:id="rId6"/>
-    <p:sldLayoutId id="2147483666" r:id="rId7"/>
-    <p:sldLayoutId id="2147483667" r:id="rId8"/>
-    <p:sldLayoutId id="2147483668" r:id="rId9"/>
-    <p:sldLayoutId id="2147483669" r:id="rId10"/>
-    <p:sldLayoutId id="2147483670" r:id="rId11"/>
-    <p:sldLayoutId id="2147483671" r:id="rId12"/>
-    <p:sldLayoutId id="2147483672" r:id="rId13"/>
-    <p:sldLayoutId id="2147483673" r:id="rId14"/>
+    <p:sldLayoutId id="2147483662" r:id="rId1"/>
+    <p:sldLayoutId id="2147483663" r:id="rId2"/>
+    <p:sldLayoutId id="2147483664" r:id="rId3"/>
+    <p:sldLayoutId id="2147483665" r:id="rId4"/>
+    <p:sldLayoutId id="2147483666" r:id="rId5"/>
+    <p:sldLayoutId id="2147483667" r:id="rId6"/>
+    <p:sldLayoutId id="2147483668" r:id="rId7"/>
+    <p:sldLayoutId id="2147483669" r:id="rId8"/>
+    <p:sldLayoutId id="2147483670" r:id="rId9"/>
+    <p:sldLayoutId id="2147483671" r:id="rId10"/>
+    <p:sldLayoutId id="2147483672" r:id="rId11"/>
+    <p:sldLayoutId id="2147483673" r:id="rId12"/>
   </p:sldLayoutIdLst>
+  <p:txStyles>
+    <p:titleStyle>
+      <a:lvl1pPr algn="l" defTabSz="914400" rtl="0" eaLnBrk="1" latinLnBrk="0" hangingPunct="1">
+        <a:lnSpc>
+          <a:spcPct val="90000"/>
+        </a:lnSpc>
+        <a:spcBef>
+          <a:spcPct val="0"/>
+        </a:spcBef>
+        <a:buNone/>
+        <a:defRPr sz="4400" kern="1200">
+          <a:solidFill>
+            <a:schemeClr val="tx1"/>
+          </a:solidFill>
+          <a:latin typeface="+mj-lt"/>
+          <a:ea typeface="+mj-ea"/>
+          <a:cs typeface="+mj-cs"/>
+        </a:defRPr>
+      </a:lvl1pPr>
+    </p:titleStyle>
+    <p:bodyStyle>
+      <a:lvl1pPr marL="228600" indent="-228600" algn="l" defTabSz="914400" rtl="0" eaLnBrk="1" latinLnBrk="0" hangingPunct="1">
+        <a:lnSpc>
+          <a:spcPct val="90000"/>
+        </a:lnSpc>
+        <a:spcBef>
+          <a:spcPts val="1000"/>
+        </a:spcBef>
+        <a:buFont typeface="Arial" panose="020B0604020202020204" pitchFamily="34" charset="0"/>
+        <a:buChar char="•"/>
+        <a:defRPr sz="2800" kern="1200">
+          <a:solidFill>
+            <a:schemeClr val="tx1"/>
+          </a:solidFill>
+          <a:latin typeface="+mn-lt"/>
+          <a:ea typeface="+mn-ea"/>
+          <a:cs typeface="+mn-cs"/>
+        </a:defRPr>
+      </a:lvl1pPr>
+      <a:lvl2pPr marL="685800" indent="-228600" algn="l" defTabSz="914400" rtl="0" eaLnBrk="1" latinLnBrk="0" hangingPunct="1">
+        <a:lnSpc>
+          <a:spcPct val="90000"/>
+        </a:lnSpc>
+        <a:spcBef>
+          <a:spcPts val="500"/>
+        </a:spcBef>
+        <a:buFont typeface="Arial" panose="020B0604020202020204" pitchFamily="34" charset="0"/>
+        <a:buChar char="•"/>
+        <a:defRPr sz="2400" kern="1200">
+          <a:solidFill>
+            <a:schemeClr val="tx1"/>
+          </a:solidFill>
+          <a:latin typeface="+mn-lt"/>
+          <a:ea typeface="+mn-ea"/>
+          <a:cs typeface="+mn-cs"/>
+        </a:defRPr>
+      </a:lvl2pPr>
+      <a:lvl3pPr marL="1143000" indent="-228600" algn="l" defTabSz="914400" rtl="0" eaLnBrk="1" latinLnBrk="0" hangingPunct="1">
+        <a:lnSpc>
+          <a:spcPct val="90000"/>
+        </a:lnSpc>
+        <a:spcBef>
+          <a:spcPts val="500"/>
+        </a:spcBef>
+        <a:buFont typeface="Arial" panose="020B0604020202020204" pitchFamily="34" charset="0"/>
+        <a:buChar char="•"/>
+        <a:defRPr sz="2000" kern="1200">
+          <a:solidFill>
+            <a:schemeClr val="tx1"/>
+          </a:solidFill>
+          <a:latin typeface="+mn-lt"/>
+          <a:ea typeface="+mn-ea"/>
+          <a:cs typeface="+mn-cs"/>
+        </a:defRPr>
+      </a:lvl3pPr>
+      <a:lvl4pPr marL="1600200" indent="-228600" algn="l" defTabSz="914400" rtl="0" eaLnBrk="1" latinLnBrk="0" hangingPunct="1">
+        <a:lnSpc>
+          <a:spcPct val="90000"/>
+        </a:lnSpc>
+        <a:spcBef>
+          <a:spcPts val="500"/>
+        </a:spcBef>
+        <a:buFont typeface="Arial" panose="020B0604020202020204" pitchFamily="34" charset="0"/>
+        <a:buChar char="•"/>
+        <a:defRPr sz="1800" kern="1200">
+          <a:solidFill>
+            <a:schemeClr val="tx1"/>
+          </a:solidFill>
+          <a:latin typeface="+mn-lt"/>
+          <a:ea typeface="+mn-ea"/>
+          <a:cs typeface="+mn-cs"/>
+        </a:defRPr>
+      </a:lvl4pPr>
+      <a:lvl5pPr marL="2057400" indent="-228600" algn="l" defTabSz="914400" rtl="0" eaLnBrk="1" latinLnBrk="0" hangingPunct="1">
+        <a:lnSpc>
+          <a:spcPct val="90000"/>
+        </a:lnSpc>
+        <a:spcBef>
+          <a:spcPts val="500"/>
+        </a:spcBef>
+        <a:buFont typeface="Arial" panose="020B0604020202020204" pitchFamily="34" charset="0"/>
+        <a:buChar char="•"/>
+        <a:defRPr sz="1800" kern="1200">
+          <a:solidFill>
+            <a:schemeClr val="tx1"/>
+          </a:solidFill>
+          <a:latin typeface="+mn-lt"/>
+          <a:ea typeface="+mn-ea"/>
+          <a:cs typeface="+mn-cs"/>
+        </a:defRPr>
+      </a:lvl5pPr>
+      <a:lvl6pPr marL="2514600" indent="-228600" algn="l" defTabSz="914400" rtl="0" eaLnBrk="1" latinLnBrk="0" hangingPunct="1">
+        <a:lnSpc>
+          <a:spcPct val="90000"/>
+        </a:lnSpc>
+        <a:spcBef>
+          <a:spcPts val="500"/>
+        </a:spcBef>
+        <a:buFont typeface="Arial" panose="020B0604020202020204" pitchFamily="34" charset="0"/>
+        <a:buChar char="•"/>
+        <a:defRPr sz="1800" kern="1200">
+          <a:solidFill>
+            <a:schemeClr val="tx1"/>
+          </a:solidFill>
+          <a:latin typeface="+mn-lt"/>
+          <a:ea typeface="+mn-ea"/>
+          <a:cs typeface="+mn-cs"/>
+        </a:defRPr>
+      </a:lvl6pPr>
+      <a:lvl7pPr marL="2971800" indent="-228600" algn="l" defTabSz="914400" rtl="0" eaLnBrk="1" latinLnBrk="0" hangingPunct="1">
+        <a:lnSpc>
+          <a:spcPct val="90000"/>
+        </a:lnSpc>
+        <a:spcBef>
+          <a:spcPts val="500"/>
+        </a:spcBef>
+        <a:buFont typeface="Arial" panose="020B0604020202020204" pitchFamily="34" charset="0"/>
+        <a:buChar char="•"/>
+        <a:defRPr sz="1800" kern="1200">
+          <a:solidFill>
+            <a:schemeClr val="tx1"/>
+          </a:solidFill>
+          <a:latin typeface="+mn-lt"/>
+          <a:ea typeface="+mn-ea"/>
+          <a:cs typeface="+mn-cs"/>
+        </a:defRPr>
+      </a:lvl7pPr>
+      <a:lvl8pPr marL="3429000" indent="-228600" algn="l" defTabSz="914400" rtl="0" eaLnBrk="1" latinLnBrk="0" hangingPunct="1">
+        <a:lnSpc>
+          <a:spcPct val="90000"/>
+        </a:lnSpc>
+        <a:spcBef>
+          <a:spcPts val="500"/>
+        </a:spcBef>
+        <a:buFont typeface="Arial" panose="020B0604020202020204" pitchFamily="34" charset="0"/>
+        <a:buChar char="•"/>
+        <a:defRPr sz="1800" kern="1200">
+          <a:solidFill>
+            <a:schemeClr val="tx1"/>
+          </a:solidFill>
+          <a:latin typeface="+mn-lt"/>
+          <a:ea typeface="+mn-ea"/>
+          <a:cs typeface="+mn-cs"/>
+        </a:defRPr>
+      </a:lvl8pPr>
+      <a:lvl9pPr marL="3886200" indent="-228600" algn="l" defTabSz="914400" rtl="0" eaLnBrk="1" latinLnBrk="0" hangingPunct="1">
+        <a:lnSpc>
+          <a:spcPct val="90000"/>
+        </a:lnSpc>
+        <a:spcBef>
+          <a:spcPts val="500"/>
+        </a:spcBef>
+        <a:buFont typeface="Arial" panose="020B0604020202020204" pitchFamily="34" charset="0"/>
+        <a:buChar char="•"/>
+        <a:defRPr sz="1800" kern="1200">
+          <a:solidFill>
+            <a:schemeClr val="tx1"/>
+          </a:solidFill>
+          <a:latin typeface="+mn-lt"/>
+          <a:ea typeface="+mn-ea"/>
+          <a:cs typeface="+mn-cs"/>
+        </a:defRPr>
+      </a:lvl9pPr>
+    </p:bodyStyle>
+    <p:otherStyle>
+      <a:defPPr>
+        <a:defRPr lang="de-DE"/>
+      </a:defPPr>
+      <a:lvl1pPr marL="0" algn="l" defTabSz="914400" rtl="0" eaLnBrk="1" latinLnBrk="0" hangingPunct="1">
+        <a:defRPr sz="1800" kern="1200">
+          <a:solidFill>
+            <a:schemeClr val="tx1"/>
+          </a:solidFill>
+          <a:latin typeface="+mn-lt"/>
+          <a:ea typeface="+mn-ea"/>
+          <a:cs typeface="+mn-cs"/>
+        </a:defRPr>
+      </a:lvl1pPr>
+      <a:lvl2pPr marL="457200" algn="l" defTabSz="914400" rtl="0" eaLnBrk="1" latinLnBrk="0" hangingPunct="1">
+        <a:defRPr sz="1800" kern="1200">
+          <a:solidFill>
+            <a:schemeClr val="tx1"/>
+          </a:solidFill>
+          <a:latin typeface="+mn-lt"/>
+          <a:ea typeface="+mn-ea"/>
+          <a:cs typeface="+mn-cs"/>
+        </a:defRPr>
+      </a:lvl2pPr>
+      <a:lvl3pPr marL="914400" algn="l" defTabSz="914400" rtl="0" eaLnBrk="1" latinLnBrk="0" hangingPunct="1">
+        <a:defRPr sz="1800" kern="1200">
+          <a:solidFill>
+            <a:schemeClr val="tx1"/>
+          </a:solidFill>
+          <a:latin typeface="+mn-lt"/>
+          <a:ea typeface="+mn-ea"/>
+          <a:cs typeface="+mn-cs"/>
+        </a:defRPr>
+      </a:lvl3pPr>
+      <a:lvl4pPr marL="1371600" algn="l" defTabSz="914400" rtl="0" eaLnBrk="1" latinLnBrk="0" hangingPunct="1">
+        <a:defRPr sz="1800" kern="1200">
+          <a:solidFill>
+            <a:schemeClr val="tx1"/>
+          </a:solidFill>
+          <a:latin typeface="+mn-lt"/>
+          <a:ea typeface="+mn-ea"/>
+          <a:cs typeface="+mn-cs"/>
+        </a:defRPr>
+      </a:lvl4pPr>
+      <a:lvl5pPr marL="1828800" algn="l" defTabSz="914400" rtl="0" eaLnBrk="1" latinLnBrk="0" hangingPunct="1">
+        <a:defRPr sz="1800" kern="1200">
+          <a:solidFill>
+            <a:schemeClr val="tx1"/>
+          </a:solidFill>
+          <a:latin typeface="+mn-lt"/>
+          <a:ea typeface="+mn-ea"/>
+          <a:cs typeface="+mn-cs"/>
+        </a:defRPr>
+      </a:lvl5pPr>
+      <a:lvl6pPr marL="2286000" algn="l" defTabSz="914400" rtl="0" eaLnBrk="1" latinLnBrk="0" hangingPunct="1">
+        <a:defRPr sz="1800" kern="1200">
+          <a:solidFill>
+            <a:schemeClr val="tx1"/>
+          </a:solidFill>
+          <a:latin typeface="+mn-lt"/>
+          <a:ea typeface="+mn-ea"/>
+          <a:cs typeface="+mn-cs"/>
+        </a:defRPr>
+      </a:lvl6pPr>
+      <a:lvl7pPr marL="2743200" algn="l" defTabSz="914400" rtl="0" eaLnBrk="1" latinLnBrk="0" hangingPunct="1">
+        <a:defRPr sz="1800" kern="1200">
+          <a:solidFill>
+            <a:schemeClr val="tx1"/>
+          </a:solidFill>
+          <a:latin typeface="+mn-lt"/>
+          <a:ea typeface="+mn-ea"/>
+          <a:cs typeface="+mn-cs"/>
+        </a:defRPr>
+      </a:lvl7pPr>
+      <a:lvl8pPr marL="3200400" algn="l" defTabSz="914400" rtl="0" eaLnBrk="1" latinLnBrk="0" hangingPunct="1">
+        <a:defRPr sz="1800" kern="1200">
+          <a:solidFill>
+            <a:schemeClr val="tx1"/>
+          </a:solidFill>
+          <a:latin typeface="+mn-lt"/>
+          <a:ea typeface="+mn-ea"/>
+          <a:cs typeface="+mn-cs"/>
+        </a:defRPr>
+      </a:lvl8pPr>
+      <a:lvl9pPr marL="3657600" algn="l" defTabSz="914400" rtl="0" eaLnBrk="1" latinLnBrk="0" hangingPunct="1">
+        <a:defRPr sz="1800" kern="1200">
+          <a:solidFill>
+            <a:schemeClr val="tx1"/>
+          </a:solidFill>
+          <a:latin typeface="+mn-lt"/>
+          <a:ea typeface="+mn-ea"/>
+          <a:cs typeface="+mn-cs"/>
+        </a:defRPr>
+      </a:lvl9pPr>
+    </p:otherStyle>
+  </p:txStyles>
 </p:sldMaster>
 </file>
 
 <file path=ppt/slideMasters/slideMaster3.xml><?xml version="1.0" encoding="utf-8"?>
-<p:sldMaster xmlns:a="http://schemas.openxmlformats.org/drawingml/2006/main" xmlns:p="http://schemas.openxmlformats.org/presentationml/2006/main" xmlns:r="http://schemas.openxmlformats.org/officeDocument/2006/relationships" xmlns:p14="http://schemas.microsoft.com/office/powerpoint/2010/main" xmlns:p15="http://schemas.microsoft.com/office/powerpoint/2012/main" xmlns:mc="http://schemas.openxmlformats.org/markup-compatibility/2006">
+<p:sldMaster xmlns:a="http://schemas.openxmlformats.org/drawingml/2006/main" xmlns:r="http://schemas.openxmlformats.org/officeDocument/2006/relationships" xmlns:p="http://schemas.openxmlformats.org/presentationml/2006/main">
   <p:cSld>
     <p:bg>
       <p:bgPr>
         <a:solidFill>
-          <a:srgbClr val="ffffff"/>
+          <a:srgbClr val="FFFFFF"/>
         </a:solidFill>
+        <a:effectLst/>
       </p:bgPr>
     </p:bg>
     <p:spTree>
@@ -4818,12 +5648,12 @@
       </p:grpSpPr>
       <p:pic>
         <p:nvPicPr>
-          <p:cNvPr id="82" name="Grafik 4" descr=""/>
+          <p:cNvPr id="82" name="Grafik 4"/>
           <p:cNvPicPr/>
           <p:nvPr/>
         </p:nvPicPr>
         <p:blipFill>
-          <a:blip r:embed="rId2"/>
+          <a:blip r:embed="rId14"/>
           <a:stretch/>
         </p:blipFill>
         <p:spPr>
@@ -4913,26 +5743,306 @@
       </p:sp>
     </p:spTree>
   </p:cSld>
-  <p:clrMap bg1="lt1" bg2="lt2" tx1="dk1" tx2="dk2" accent1="accent1" accent2="accent2" accent3="accent3" accent4="accent4" accent5="accent5" accent6="accent6" hlink="hlink" folHlink="folHlink"/>
+  <p:clrMap bg1="lt1" tx1="dk1" bg2="lt2" tx2="dk2" accent1="accent1" accent2="accent2" accent3="accent3" accent4="accent4" accent5="accent5" accent6="accent6" hlink="hlink" folHlink="folHlink"/>
   <p:sldLayoutIdLst>
-    <p:sldLayoutId id="2147483675" r:id="rId3"/>
-    <p:sldLayoutId id="2147483676" r:id="rId4"/>
-    <p:sldLayoutId id="2147483677" r:id="rId5"/>
-    <p:sldLayoutId id="2147483678" r:id="rId6"/>
-    <p:sldLayoutId id="2147483679" r:id="rId7"/>
-    <p:sldLayoutId id="2147483680" r:id="rId8"/>
-    <p:sldLayoutId id="2147483681" r:id="rId9"/>
-    <p:sldLayoutId id="2147483682" r:id="rId10"/>
-    <p:sldLayoutId id="2147483683" r:id="rId11"/>
-    <p:sldLayoutId id="2147483684" r:id="rId12"/>
-    <p:sldLayoutId id="2147483685" r:id="rId13"/>
-    <p:sldLayoutId id="2147483686" r:id="rId14"/>
+    <p:sldLayoutId id="2147483675" r:id="rId1"/>
+    <p:sldLayoutId id="2147483676" r:id="rId2"/>
+    <p:sldLayoutId id="2147483677" r:id="rId3"/>
+    <p:sldLayoutId id="2147483678" r:id="rId4"/>
+    <p:sldLayoutId id="2147483679" r:id="rId5"/>
+    <p:sldLayoutId id="2147483680" r:id="rId6"/>
+    <p:sldLayoutId id="2147483681" r:id="rId7"/>
+    <p:sldLayoutId id="2147483682" r:id="rId8"/>
+    <p:sldLayoutId id="2147483683" r:id="rId9"/>
+    <p:sldLayoutId id="2147483684" r:id="rId10"/>
+    <p:sldLayoutId id="2147483685" r:id="rId11"/>
+    <p:sldLayoutId id="2147483686" r:id="rId12"/>
   </p:sldLayoutIdLst>
+  <p:txStyles>
+    <p:titleStyle>
+      <a:lvl1pPr algn="l" defTabSz="914400" rtl="0" eaLnBrk="1" latinLnBrk="0" hangingPunct="1">
+        <a:lnSpc>
+          <a:spcPct val="90000"/>
+        </a:lnSpc>
+        <a:spcBef>
+          <a:spcPct val="0"/>
+        </a:spcBef>
+        <a:buNone/>
+        <a:defRPr sz="4400" kern="1200">
+          <a:solidFill>
+            <a:schemeClr val="tx1"/>
+          </a:solidFill>
+          <a:latin typeface="+mj-lt"/>
+          <a:ea typeface="+mj-ea"/>
+          <a:cs typeface="+mj-cs"/>
+        </a:defRPr>
+      </a:lvl1pPr>
+    </p:titleStyle>
+    <p:bodyStyle>
+      <a:lvl1pPr marL="228600" indent="-228600" algn="l" defTabSz="914400" rtl="0" eaLnBrk="1" latinLnBrk="0" hangingPunct="1">
+        <a:lnSpc>
+          <a:spcPct val="90000"/>
+        </a:lnSpc>
+        <a:spcBef>
+          <a:spcPts val="1000"/>
+        </a:spcBef>
+        <a:buFont typeface="Arial" panose="020B0604020202020204" pitchFamily="34" charset="0"/>
+        <a:buChar char="•"/>
+        <a:defRPr sz="2800" kern="1200">
+          <a:solidFill>
+            <a:schemeClr val="tx1"/>
+          </a:solidFill>
+          <a:latin typeface="+mn-lt"/>
+          <a:ea typeface="+mn-ea"/>
+          <a:cs typeface="+mn-cs"/>
+        </a:defRPr>
+      </a:lvl1pPr>
+      <a:lvl2pPr marL="685800" indent="-228600" algn="l" defTabSz="914400" rtl="0" eaLnBrk="1" latinLnBrk="0" hangingPunct="1">
+        <a:lnSpc>
+          <a:spcPct val="90000"/>
+        </a:lnSpc>
+        <a:spcBef>
+          <a:spcPts val="500"/>
+        </a:spcBef>
+        <a:buFont typeface="Arial" panose="020B0604020202020204" pitchFamily="34" charset="0"/>
+        <a:buChar char="•"/>
+        <a:defRPr sz="2400" kern="1200">
+          <a:solidFill>
+            <a:schemeClr val="tx1"/>
+          </a:solidFill>
+          <a:latin typeface="+mn-lt"/>
+          <a:ea typeface="+mn-ea"/>
+          <a:cs typeface="+mn-cs"/>
+        </a:defRPr>
+      </a:lvl2pPr>
+      <a:lvl3pPr marL="1143000" indent="-228600" algn="l" defTabSz="914400" rtl="0" eaLnBrk="1" latinLnBrk="0" hangingPunct="1">
+        <a:lnSpc>
+          <a:spcPct val="90000"/>
+        </a:lnSpc>
+        <a:spcBef>
+          <a:spcPts val="500"/>
+        </a:spcBef>
+        <a:buFont typeface="Arial" panose="020B0604020202020204" pitchFamily="34" charset="0"/>
+        <a:buChar char="•"/>
+        <a:defRPr sz="2000" kern="1200">
+          <a:solidFill>
+            <a:schemeClr val="tx1"/>
+          </a:solidFill>
+          <a:latin typeface="+mn-lt"/>
+          <a:ea typeface="+mn-ea"/>
+          <a:cs typeface="+mn-cs"/>
+        </a:defRPr>
+      </a:lvl3pPr>
+      <a:lvl4pPr marL="1600200" indent="-228600" algn="l" defTabSz="914400" rtl="0" eaLnBrk="1" latinLnBrk="0" hangingPunct="1">
+        <a:lnSpc>
+          <a:spcPct val="90000"/>
+        </a:lnSpc>
+        <a:spcBef>
+          <a:spcPts val="500"/>
+        </a:spcBef>
+        <a:buFont typeface="Arial" panose="020B0604020202020204" pitchFamily="34" charset="0"/>
+        <a:buChar char="•"/>
+        <a:defRPr sz="1800" kern="1200">
+          <a:solidFill>
+            <a:schemeClr val="tx1"/>
+          </a:solidFill>
+          <a:latin typeface="+mn-lt"/>
+          <a:ea typeface="+mn-ea"/>
+          <a:cs typeface="+mn-cs"/>
+        </a:defRPr>
+      </a:lvl4pPr>
+      <a:lvl5pPr marL="2057400" indent="-228600" algn="l" defTabSz="914400" rtl="0" eaLnBrk="1" latinLnBrk="0" hangingPunct="1">
+        <a:lnSpc>
+          <a:spcPct val="90000"/>
+        </a:lnSpc>
+        <a:spcBef>
+          <a:spcPts val="500"/>
+        </a:spcBef>
+        <a:buFont typeface="Arial" panose="020B0604020202020204" pitchFamily="34" charset="0"/>
+        <a:buChar char="•"/>
+        <a:defRPr sz="1800" kern="1200">
+          <a:solidFill>
+            <a:schemeClr val="tx1"/>
+          </a:solidFill>
+          <a:latin typeface="+mn-lt"/>
+          <a:ea typeface="+mn-ea"/>
+          <a:cs typeface="+mn-cs"/>
+        </a:defRPr>
+      </a:lvl5pPr>
+      <a:lvl6pPr marL="2514600" indent="-228600" algn="l" defTabSz="914400" rtl="0" eaLnBrk="1" latinLnBrk="0" hangingPunct="1">
+        <a:lnSpc>
+          <a:spcPct val="90000"/>
+        </a:lnSpc>
+        <a:spcBef>
+          <a:spcPts val="500"/>
+        </a:spcBef>
+        <a:buFont typeface="Arial" panose="020B0604020202020204" pitchFamily="34" charset="0"/>
+        <a:buChar char="•"/>
+        <a:defRPr sz="1800" kern="1200">
+          <a:solidFill>
+            <a:schemeClr val="tx1"/>
+          </a:solidFill>
+          <a:latin typeface="+mn-lt"/>
+          <a:ea typeface="+mn-ea"/>
+          <a:cs typeface="+mn-cs"/>
+        </a:defRPr>
+      </a:lvl6pPr>
+      <a:lvl7pPr marL="2971800" indent="-228600" algn="l" defTabSz="914400" rtl="0" eaLnBrk="1" latinLnBrk="0" hangingPunct="1">
+        <a:lnSpc>
+          <a:spcPct val="90000"/>
+        </a:lnSpc>
+        <a:spcBef>
+          <a:spcPts val="500"/>
+        </a:spcBef>
+        <a:buFont typeface="Arial" panose="020B0604020202020204" pitchFamily="34" charset="0"/>
+        <a:buChar char="•"/>
+        <a:defRPr sz="1800" kern="1200">
+          <a:solidFill>
+            <a:schemeClr val="tx1"/>
+          </a:solidFill>
+          <a:latin typeface="+mn-lt"/>
+          <a:ea typeface="+mn-ea"/>
+          <a:cs typeface="+mn-cs"/>
+        </a:defRPr>
+      </a:lvl7pPr>
+      <a:lvl8pPr marL="3429000" indent="-228600" algn="l" defTabSz="914400" rtl="0" eaLnBrk="1" latinLnBrk="0" hangingPunct="1">
+        <a:lnSpc>
+          <a:spcPct val="90000"/>
+        </a:lnSpc>
+        <a:spcBef>
+          <a:spcPts val="500"/>
+        </a:spcBef>
+        <a:buFont typeface="Arial" panose="020B0604020202020204" pitchFamily="34" charset="0"/>
+        <a:buChar char="•"/>
+        <a:defRPr sz="1800" kern="1200">
+          <a:solidFill>
+            <a:schemeClr val="tx1"/>
+          </a:solidFill>
+          <a:latin typeface="+mn-lt"/>
+          <a:ea typeface="+mn-ea"/>
+          <a:cs typeface="+mn-cs"/>
+        </a:defRPr>
+      </a:lvl8pPr>
+      <a:lvl9pPr marL="3886200" indent="-228600" algn="l" defTabSz="914400" rtl="0" eaLnBrk="1" latinLnBrk="0" hangingPunct="1">
+        <a:lnSpc>
+          <a:spcPct val="90000"/>
+        </a:lnSpc>
+        <a:spcBef>
+          <a:spcPts val="500"/>
+        </a:spcBef>
+        <a:buFont typeface="Arial" panose="020B0604020202020204" pitchFamily="34" charset="0"/>
+        <a:buChar char="•"/>
+        <a:defRPr sz="1800" kern="1200">
+          <a:solidFill>
+            <a:schemeClr val="tx1"/>
+          </a:solidFill>
+          <a:latin typeface="+mn-lt"/>
+          <a:ea typeface="+mn-ea"/>
+          <a:cs typeface="+mn-cs"/>
+        </a:defRPr>
+      </a:lvl9pPr>
+    </p:bodyStyle>
+    <p:otherStyle>
+      <a:defPPr>
+        <a:defRPr lang="de-DE"/>
+      </a:defPPr>
+      <a:lvl1pPr marL="0" algn="l" defTabSz="914400" rtl="0" eaLnBrk="1" latinLnBrk="0" hangingPunct="1">
+        <a:defRPr sz="1800" kern="1200">
+          <a:solidFill>
+            <a:schemeClr val="tx1"/>
+          </a:solidFill>
+          <a:latin typeface="+mn-lt"/>
+          <a:ea typeface="+mn-ea"/>
+          <a:cs typeface="+mn-cs"/>
+        </a:defRPr>
+      </a:lvl1pPr>
+      <a:lvl2pPr marL="457200" algn="l" defTabSz="914400" rtl="0" eaLnBrk="1" latinLnBrk="0" hangingPunct="1">
+        <a:defRPr sz="1800" kern="1200">
+          <a:solidFill>
+            <a:schemeClr val="tx1"/>
+          </a:solidFill>
+          <a:latin typeface="+mn-lt"/>
+          <a:ea typeface="+mn-ea"/>
+          <a:cs typeface="+mn-cs"/>
+        </a:defRPr>
+      </a:lvl2pPr>
+      <a:lvl3pPr marL="914400" algn="l" defTabSz="914400" rtl="0" eaLnBrk="1" latinLnBrk="0" hangingPunct="1">
+        <a:defRPr sz="1800" kern="1200">
+          <a:solidFill>
+            <a:schemeClr val="tx1"/>
+          </a:solidFill>
+          <a:latin typeface="+mn-lt"/>
+          <a:ea typeface="+mn-ea"/>
+          <a:cs typeface="+mn-cs"/>
+        </a:defRPr>
+      </a:lvl3pPr>
+      <a:lvl4pPr marL="1371600" algn="l" defTabSz="914400" rtl="0" eaLnBrk="1" latinLnBrk="0" hangingPunct="1">
+        <a:defRPr sz="1800" kern="1200">
+          <a:solidFill>
+            <a:schemeClr val="tx1"/>
+          </a:solidFill>
+          <a:latin typeface="+mn-lt"/>
+          <a:ea typeface="+mn-ea"/>
+          <a:cs typeface="+mn-cs"/>
+        </a:defRPr>
+      </a:lvl4pPr>
+      <a:lvl5pPr marL="1828800" algn="l" defTabSz="914400" rtl="0" eaLnBrk="1" latinLnBrk="0" hangingPunct="1">
+        <a:defRPr sz="1800" kern="1200">
+          <a:solidFill>
+            <a:schemeClr val="tx1"/>
+          </a:solidFill>
+          <a:latin typeface="+mn-lt"/>
+          <a:ea typeface="+mn-ea"/>
+          <a:cs typeface="+mn-cs"/>
+        </a:defRPr>
+      </a:lvl5pPr>
+      <a:lvl6pPr marL="2286000" algn="l" defTabSz="914400" rtl="0" eaLnBrk="1" latinLnBrk="0" hangingPunct="1">
+        <a:defRPr sz="1800" kern="1200">
+          <a:solidFill>
+            <a:schemeClr val="tx1"/>
+          </a:solidFill>
+          <a:latin typeface="+mn-lt"/>
+          <a:ea typeface="+mn-ea"/>
+          <a:cs typeface="+mn-cs"/>
+        </a:defRPr>
+      </a:lvl6pPr>
+      <a:lvl7pPr marL="2743200" algn="l" defTabSz="914400" rtl="0" eaLnBrk="1" latinLnBrk="0" hangingPunct="1">
+        <a:defRPr sz="1800" kern="1200">
+          <a:solidFill>
+            <a:schemeClr val="tx1"/>
+          </a:solidFill>
+          <a:latin typeface="+mn-lt"/>
+          <a:ea typeface="+mn-ea"/>
+          <a:cs typeface="+mn-cs"/>
+        </a:defRPr>
+      </a:lvl7pPr>
+      <a:lvl8pPr marL="3200400" algn="l" defTabSz="914400" rtl="0" eaLnBrk="1" latinLnBrk="0" hangingPunct="1">
+        <a:defRPr sz="1800" kern="1200">
+          <a:solidFill>
+            <a:schemeClr val="tx1"/>
+          </a:solidFill>
+          <a:latin typeface="+mn-lt"/>
+          <a:ea typeface="+mn-ea"/>
+          <a:cs typeface="+mn-cs"/>
+        </a:defRPr>
+      </a:lvl8pPr>
+      <a:lvl9pPr marL="3657600" algn="l" defTabSz="914400" rtl="0" eaLnBrk="1" latinLnBrk="0" hangingPunct="1">
+        <a:defRPr sz="1800" kern="1200">
+          <a:solidFill>
+            <a:schemeClr val="tx1"/>
+          </a:solidFill>
+          <a:latin typeface="+mn-lt"/>
+          <a:ea typeface="+mn-ea"/>
+          <a:cs typeface="+mn-cs"/>
+        </a:defRPr>
+      </a:lvl9pPr>
+    </p:otherStyle>
+  </p:txStyles>
 </p:sldMaster>
 </file>
 
 <file path=ppt/slides/slide1.xml><?xml version="1.0" encoding="utf-8"?>
-<p:sld xmlns:a="http://schemas.openxmlformats.org/drawingml/2006/main" xmlns:p="http://schemas.openxmlformats.org/presentationml/2006/main" xmlns:r="http://schemas.openxmlformats.org/officeDocument/2006/relationships" xmlns:p14="http://schemas.microsoft.com/office/powerpoint/2010/main" xmlns:p15="http://schemas.microsoft.com/office/powerpoint/2012/main" xmlns:mc="http://schemas.openxmlformats.org/markup-compatibility/2006">
+<p:sld xmlns:a="http://schemas.openxmlformats.org/drawingml/2006/main" xmlns:r="http://schemas.openxmlformats.org/officeDocument/2006/relationships" xmlns:p="http://schemas.openxmlformats.org/presentationml/2006/main">
   <p:cSld>
     <p:spTree>
       <p:nvGrpSpPr>
@@ -4968,15 +6078,22 @@
           </a:ln>
         </p:spPr>
         <p:style>
-          <a:lnRef idx="0"/>
-          <a:fillRef idx="0"/>
-          <a:effectRef idx="0"/>
+          <a:lnRef idx="0">
+            <a:scrgbClr r="0" g="0" b="0"/>
+          </a:lnRef>
+          <a:fillRef idx="0">
+            <a:scrgbClr r="0" g="0" b="0"/>
+          </a:fillRef>
+          <a:effectRef idx="0">
+            <a:scrgbClr r="0" g="0" b="0"/>
+          </a:effectRef>
           <a:fontRef idx="minor"/>
         </p:style>
         <p:txBody>
-          <a:bodyPr lIns="129240" rIns="129240" tIns="64800" bIns="64800">
+          <a:bodyPr lIns="129240" tIns="64800" rIns="129240" bIns="64800">
             <a:noAutofit/>
           </a:bodyPr>
+          <a:lstStyle/>
           <a:p>
             <a:pPr>
               <a:lnSpc>
@@ -4987,25 +6104,81 @@
               </a:spcBef>
             </a:pPr>
             <a:r>
-              <a:rPr b="0" lang="de-DE" sz="3200" spc="-1" strike="noStrike">
+              <a:rPr lang="de-DE" sz="3200" b="0" strike="noStrike" spc="-1" dirty="0">
                 <a:solidFill>
-                  <a:srgbClr val="3e444c"/>
+                  <a:srgbClr val="3E444C"/>
                 </a:solidFill>
                 <a:latin typeface="Univers for UniS 55 Roman Rg"/>
               </a:rPr>
-              <a:t>Prof. Dr. Stefan Funke</a:t>
+              <a:t>Prüfer: Prof. Dr. Stefan Funke</a:t>
             </a:r>
-            <a:br/>
+            <a:br>
+              <a:rPr dirty="0"/>
+            </a:br>
             <a:r>
-              <a:rPr b="0" lang="de-DE" sz="3200" spc="-1" strike="noStrike">
+              <a:rPr lang="de-DE" sz="3200" b="0" strike="noStrike" spc="-1" dirty="0">
                 <a:solidFill>
-                  <a:srgbClr val="3e444c"/>
+                  <a:srgbClr val="3E444C"/>
                 </a:solidFill>
                 <a:latin typeface="Univers for UniS 55 Roman Rg"/>
               </a:rPr>
-              <a:t>Betreuer: M. Sc. Florian Barth, Dip-Inf. Filip Krumpe, Dipl-Info. Thomas Mendel</a:t>
+              <a:t>Betreuer: Florian Barth M. Sc., </a:t>
             </a:r>
-            <a:endParaRPr b="0" lang="de-DE" sz="3200" spc="-1" strike="noStrike">
+            <a:r>
+              <a:rPr lang="de-DE" sz="3200" b="0" strike="noStrike" spc="-1" dirty="0" err="1">
+                <a:solidFill>
+                  <a:srgbClr val="3E444C"/>
+                </a:solidFill>
+                <a:latin typeface="Univers for UniS 55 Roman Rg"/>
+              </a:rPr>
+              <a:t>Dipl</a:t>
+            </a:r>
+            <a:r>
+              <a:rPr lang="de-DE" sz="3200" b="0" strike="noStrike" spc="-1" dirty="0">
+                <a:solidFill>
+                  <a:srgbClr val="3E444C"/>
+                </a:solidFill>
+                <a:latin typeface="Univers for UniS 55 Roman Rg"/>
+              </a:rPr>
+              <a:t>-Inf. Filip </a:t>
+            </a:r>
+            <a:r>
+              <a:rPr lang="de-DE" sz="3200" b="0" strike="noStrike" spc="-1" dirty="0" err="1">
+                <a:solidFill>
+                  <a:srgbClr val="3E444C"/>
+                </a:solidFill>
+                <a:latin typeface="Univers for UniS 55 Roman Rg"/>
+              </a:rPr>
+              <a:t>Krumpe</a:t>
+            </a:r>
+            <a:r>
+              <a:rPr lang="de-DE" sz="3200" b="0" strike="noStrike" spc="-1" dirty="0">
+                <a:solidFill>
+                  <a:srgbClr val="3E444C"/>
+                </a:solidFill>
+                <a:latin typeface="Univers for UniS 55 Roman Rg"/>
+              </a:rPr>
+              <a:t>, </a:t>
+            </a:r>
+            <a:r>
+              <a:rPr lang="de-DE" sz="3200" b="0" strike="noStrike" spc="-1" dirty="0" err="1">
+                <a:solidFill>
+                  <a:srgbClr val="3E444C"/>
+                </a:solidFill>
+                <a:latin typeface="Univers for UniS 55 Roman Rg"/>
+              </a:rPr>
+              <a:t>Dipl</a:t>
+            </a:r>
+            <a:r>
+              <a:rPr lang="de-DE" sz="3200" b="0" strike="noStrike" spc="-1" dirty="0">
+                <a:solidFill>
+                  <a:srgbClr val="3E444C"/>
+                </a:solidFill>
+                <a:latin typeface="Univers for UniS 55 Roman Rg"/>
+              </a:rPr>
+              <a:t>-Inf. Thomas Mendel</a:t>
+            </a:r>
+            <a:endParaRPr lang="de-DE" sz="3200" b="0" strike="noStrike" spc="-1" dirty="0">
               <a:latin typeface="Arial"/>
             </a:endParaRPr>
           </a:p>
@@ -5019,8 +6192,8 @@
         </p:nvSpPr>
         <p:spPr>
           <a:xfrm>
-            <a:off x="24768000" y="3960000"/>
-            <a:ext cx="5219640" cy="4247640"/>
+            <a:off x="24600360" y="3868560"/>
+            <a:ext cx="5387280" cy="4247640"/>
           </a:xfrm>
           <a:prstGeom prst="rect">
             <a:avLst/>
@@ -5031,15 +6204,22 @@
           </a:ln>
         </p:spPr>
         <p:style>
-          <a:lnRef idx="0"/>
-          <a:fillRef idx="0"/>
-          <a:effectRef idx="0"/>
+          <a:lnRef idx="0">
+            <a:scrgbClr r="0" g="0" b="0"/>
+          </a:lnRef>
+          <a:fillRef idx="0">
+            <a:scrgbClr r="0" g="0" b="0"/>
+          </a:fillRef>
+          <a:effectRef idx="0">
+            <a:scrgbClr r="0" g="0" b="0"/>
+          </a:effectRef>
           <a:fontRef idx="minor"/>
         </p:style>
         <p:txBody>
-          <a:bodyPr lIns="129240" rIns="129240" tIns="64800" bIns="64800">
+          <a:bodyPr lIns="129240" tIns="64800" rIns="129240" bIns="64800">
             <a:noAutofit/>
           </a:bodyPr>
+          <a:lstStyle/>
           <a:p>
             <a:pPr>
               <a:lnSpc>
@@ -5050,37 +6230,33 @@
               </a:spcBef>
             </a:pPr>
             <a:r>
-              <a:rPr b="0" lang="de-DE" sz="5200" spc="-1" strike="noStrike">
+              <a:rPr lang="de-DE" sz="6000" b="0" strike="noStrike" spc="-1" dirty="0">
                 <a:solidFill>
-                  <a:srgbClr val="ffffff"/>
+                  <a:srgbClr val="FFFFFF"/>
                 </a:solidFill>
                 <a:latin typeface="Univers for UniS 65 Bold Rg"/>
               </a:rPr>
               <a:t>Institut für </a:t>
             </a:r>
-            <a:endParaRPr b="0" lang="de-DE" sz="5200" spc="-1" strike="noStrike">
-              <a:latin typeface="Arial"/>
-            </a:endParaRPr>
-          </a:p>
-          <a:p>
-            <a:pPr>
-              <a:lnSpc>
-                <a:spcPct val="100000"/>
-              </a:lnSpc>
-              <a:spcBef>
-                <a:spcPts val="1040"/>
-              </a:spcBef>
-            </a:pPr>
             <a:r>
-              <a:rPr b="0" lang="de-DE" sz="5200" spc="-1" strike="noStrike">
+              <a:rPr lang="de-DE" sz="6000" spc="-1" dirty="0">
                 <a:solidFill>
-                  <a:srgbClr val="ffffff"/>
+                  <a:srgbClr val="FFFFFF"/>
                 </a:solidFill>
                 <a:latin typeface="Univers for UniS 65 Bold Rg"/>
               </a:rPr>
-              <a:t>Formale Methoden der Informatik (FMI)</a:t>
+              <a:t>f</a:t>
             </a:r>
-            <a:endParaRPr b="0" lang="de-DE" sz="5200" spc="-1" strike="noStrike">
+            <a:r>
+              <a:rPr lang="de-DE" sz="6000" b="0" strike="noStrike" spc="-1" dirty="0">
+                <a:solidFill>
+                  <a:srgbClr val="FFFFFF"/>
+                </a:solidFill>
+                <a:latin typeface="Univers for UniS 65 Bold Rg"/>
+              </a:rPr>
+              <a:t>ormale Methoden der Informatik (FMI)</a:t>
+            </a:r>
+            <a:endParaRPr lang="de-DE" sz="6000" b="0" strike="noStrike" spc="-1" dirty="0">
               <a:latin typeface="Arial"/>
             </a:endParaRPr>
           </a:p>
@@ -5106,25 +6282,29 @@
           </a:ln>
         </p:spPr>
         <p:style>
-          <a:lnRef idx="0"/>
-          <a:fillRef idx="0"/>
-          <a:effectRef idx="0"/>
+          <a:lnRef idx="0">
+            <a:scrgbClr r="0" g="0" b="0"/>
+          </a:lnRef>
+          <a:fillRef idx="0">
+            <a:scrgbClr r="0" g="0" b="0"/>
+          </a:fillRef>
+          <a:effectRef idx="0">
+            <a:scrgbClr r="0" g="0" b="0"/>
+          </a:effectRef>
           <a:fontRef idx="minor"/>
         </p:style>
         <p:txBody>
-          <a:bodyPr lIns="129240" rIns="129240" tIns="64800" bIns="64800">
+          <a:bodyPr lIns="129240" tIns="64800" rIns="129240" bIns="64800">
             <a:noAutofit/>
           </a:bodyPr>
+          <a:lstStyle/>
           <a:p>
             <a:r>
-              <a:rPr b="0" lang="de-DE" sz="1800" spc="-1" strike="noStrike">
+              <a:rPr lang="de-DE" sz="1800" b="0" strike="noStrike" spc="-1">
                 <a:latin typeface="Arial"/>
               </a:rPr>
               <a:t>Textbox</a:t>
             </a:r>
-            <a:endParaRPr b="0" lang="de-DE" sz="1800" spc="-1" strike="noStrike">
-              <a:latin typeface="Arial"/>
-            </a:endParaRPr>
           </a:p>
         </p:txBody>
       </p:sp>
@@ -5148,15 +6328,22 @@
           </a:ln>
         </p:spPr>
         <p:style>
-          <a:lnRef idx="0"/>
-          <a:fillRef idx="0"/>
-          <a:effectRef idx="0"/>
+          <a:lnRef idx="0">
+            <a:scrgbClr r="0" g="0" b="0"/>
+          </a:lnRef>
+          <a:fillRef idx="0">
+            <a:scrgbClr r="0" g="0" b="0"/>
+          </a:fillRef>
+          <a:effectRef idx="0">
+            <a:scrgbClr r="0" g="0" b="0"/>
+          </a:effectRef>
           <a:fontRef idx="minor"/>
         </p:style>
         <p:txBody>
-          <a:bodyPr lIns="129240" rIns="129240" tIns="64800" bIns="64800">
+          <a:bodyPr lIns="129240" tIns="64800" rIns="129240" bIns="64800">
             <a:noAutofit/>
           </a:bodyPr>
+          <a:lstStyle/>
           <a:p>
             <a:pPr>
               <a:lnSpc>
@@ -5167,9 +6354,9 @@
               </a:spcBef>
             </a:pPr>
             <a:r>
-              <a:rPr b="0" lang="de-DE" sz="9120" spc="-1" strike="noStrike">
+              <a:rPr lang="de-DE" sz="9120" b="0" strike="noStrike" spc="-1">
                 <a:solidFill>
-                  <a:srgbClr val="7f7f7f"/>
+                  <a:srgbClr val="7F7F7F"/>
                 </a:solidFill>
                 <a:latin typeface="Calibri"/>
               </a:rPr>
@@ -5177,15 +6364,15 @@
             </a:r>
             <a:br/>
             <a:r>
-              <a:rPr b="0" lang="de-DE" sz="9120" spc="-1" strike="noStrike">
+              <a:rPr lang="de-DE" sz="9120" b="0" strike="noStrike" spc="-1">
                 <a:solidFill>
-                  <a:srgbClr val="7f7f7f"/>
+                  <a:srgbClr val="7F7F7F"/>
                 </a:solidFill>
                 <a:latin typeface="Calibri"/>
               </a:rPr>
               <a:t>Area Label Fitting in OSM</a:t>
             </a:r>
-            <a:endParaRPr b="0" lang="de-DE" sz="9120" spc="-1" strike="noStrike">
+            <a:endParaRPr lang="de-DE" sz="9120" b="0" strike="noStrike" spc="-1">
               <a:latin typeface="Arial"/>
             </a:endParaRPr>
           </a:p>
@@ -5211,28 +6398,32 @@
           </a:ln>
         </p:spPr>
         <p:style>
-          <a:lnRef idx="0"/>
-          <a:fillRef idx="0"/>
-          <a:effectRef idx="0"/>
+          <a:lnRef idx="0">
+            <a:scrgbClr r="0" g="0" b="0"/>
+          </a:lnRef>
+          <a:fillRef idx="0">
+            <a:scrgbClr r="0" g="0" b="0"/>
+          </a:fillRef>
+          <a:effectRef idx="0">
+            <a:scrgbClr r="0" g="0" b="0"/>
+          </a:effectRef>
           <a:fontRef idx="minor"/>
         </p:style>
         <p:txBody>
-          <a:bodyPr lIns="129240" rIns="129240" tIns="64800" bIns="64800">
+          <a:bodyPr lIns="129240" tIns="64800" rIns="129240" bIns="64800">
             <a:noAutofit/>
           </a:bodyPr>
+          <a:lstStyle/>
           <a:p>
             <a:r>
-              <a:rPr b="0" lang="de-DE" sz="1800" spc="-1" strike="noStrike">
+              <a:rPr lang="de-DE" sz="1800" b="0" strike="noStrike" spc="-1">
                 <a:latin typeface="Arial"/>
               </a:rPr>
               <a:t>Textbox</a:t>
             </a:r>
-            <a:endParaRPr b="0" lang="de-DE" sz="1800" spc="-1" strike="noStrike">
-              <a:latin typeface="Arial"/>
-            </a:endParaRPr>
-          </a:p>
-          <a:p>
-            <a:endParaRPr b="0" lang="de-DE" sz="1800" spc="-1" strike="noStrike">
+          </a:p>
+          <a:p>
+            <a:endParaRPr lang="de-DE" sz="1800" b="0" strike="noStrike" spc="-1">
               <a:latin typeface="Arial"/>
             </a:endParaRPr>
           </a:p>
@@ -5246,7 +6437,7 @@
         </p:nvSpPr>
         <p:spPr>
           <a:xfrm>
-            <a:off x="19296000" y="3287520"/>
+            <a:off x="19783680" y="3287520"/>
             <a:ext cx="4688640" cy="3311640"/>
           </a:xfrm>
           <a:prstGeom prst="rect">
@@ -5258,17 +6449,24 @@
           </a:ln>
         </p:spPr>
         <p:style>
-          <a:lnRef idx="0"/>
-          <a:fillRef idx="0"/>
-          <a:effectRef idx="0"/>
+          <a:lnRef idx="0">
+            <a:scrgbClr r="0" g="0" b="0"/>
+          </a:lnRef>
+          <a:fillRef idx="0">
+            <a:scrgbClr r="0" g="0" b="0"/>
+          </a:fillRef>
+          <a:effectRef idx="0">
+            <a:scrgbClr r="0" g="0" b="0"/>
+          </a:effectRef>
           <a:fontRef idx="minor"/>
         </p:style>
         <p:txBody>
-          <a:bodyPr lIns="129240" rIns="129240" tIns="64800" bIns="64800">
+          <a:bodyPr lIns="129240" tIns="64800" rIns="129240" bIns="64800">
             <a:noAutofit/>
           </a:bodyPr>
-          <a:p>
-            <a:pPr marL="432000" indent="-323640">
+          <a:lstStyle/>
+          <a:p>
+            <a:pPr marL="108360">
               <a:lnSpc>
                 <a:spcPct val="100000"/>
               </a:lnSpc>
@@ -5279,49 +6477,79 @@
                 <a:srgbClr val="000000"/>
               </a:buClr>
               <a:buSzPct val="45000"/>
-              <a:buFont typeface="Wingdings" charset="2"/>
-              <a:buChar char=""/>
             </a:pPr>
             <a:r>
-              <a:rPr b="0" lang="de-DE" sz="3200" spc="-1" strike="noStrike">
+              <a:rPr lang="de-DE" sz="3600" b="0" strike="noStrike" spc="-1" dirty="0">
                 <a:solidFill>
-                  <a:srgbClr val="7f7f7f"/>
+                  <a:schemeClr val="bg1"/>
+                </a:solidFill>
+                <a:latin typeface="Calibri"/>
+              </a:rPr>
+              <a:t>Patrick </a:t>
+            </a:r>
+            <a:r>
+              <a:rPr lang="de-DE" sz="3600" b="0" strike="noStrike" spc="-1" dirty="0" err="1">
+                <a:solidFill>
+                  <a:schemeClr val="bg1"/>
+                </a:solidFill>
+                <a:latin typeface="Calibri"/>
+              </a:rPr>
+              <a:t>Schneefuss</a:t>
+            </a:r>
+            <a:br>
+              <a:rPr lang="de-DE" sz="3600" b="0" strike="noStrike" spc="-1" dirty="0">
+                <a:solidFill>
+                  <a:schemeClr val="bg1"/>
+                </a:solidFill>
+                <a:latin typeface="Calibri"/>
+              </a:rPr>
+            </a:br>
+            <a:r>
+              <a:rPr lang="de-DE" sz="3600" b="0" strike="noStrike" spc="-1" dirty="0">
+                <a:solidFill>
+                  <a:schemeClr val="bg1"/>
+                </a:solidFill>
+                <a:latin typeface="Calibri"/>
+              </a:rPr>
+              <a:t>Jan Schneider</a:t>
+            </a:r>
+            <a:br>
+              <a:rPr lang="de-DE" sz="3600" b="0" strike="noStrike" spc="-1" dirty="0">
+                <a:solidFill>
+                  <a:schemeClr val="bg1"/>
+                </a:solidFill>
+                <a:latin typeface="Calibri"/>
+              </a:rPr>
+            </a:br>
+            <a:r>
+              <a:rPr lang="de-DE" sz="3600" b="0" strike="noStrike" spc="-1" dirty="0">
+                <a:solidFill>
+                  <a:schemeClr val="bg1"/>
                 </a:solidFill>
                 <a:latin typeface="Calibri"/>
               </a:rPr>
               <a:t>Michael Steinert</a:t>
             </a:r>
-            <a:br/>
+            <a:br>
+              <a:rPr sz="3600" dirty="0">
+                <a:solidFill>
+                  <a:schemeClr val="bg1"/>
+                </a:solidFill>
+              </a:rPr>
+            </a:br>
             <a:r>
-              <a:rPr b="0" lang="de-DE" sz="3200" spc="-1" strike="noStrike">
+              <a:rPr lang="de-DE" sz="3600" b="0" strike="noStrike" spc="-1" dirty="0">
                 <a:solidFill>
-                  <a:srgbClr val="7f7f7f"/>
-                </a:solidFill>
-                <a:latin typeface="Calibri"/>
-              </a:rPr>
-              <a:t>Jan Schneider</a:t>
-            </a:r>
-            <a:br/>
-            <a:r>
-              <a:rPr b="0" lang="de-DE" sz="3200" spc="-1" strike="noStrike">
-                <a:solidFill>
-                  <a:srgbClr val="7f7f7f"/>
-                </a:solidFill>
-                <a:latin typeface="Calibri"/>
-              </a:rPr>
-              <a:t>Patrick Schneefuss</a:t>
-            </a:r>
-            <a:br/>
-            <a:r>
-              <a:rPr b="0" lang="de-DE" sz="3200" spc="-1" strike="noStrike">
-                <a:solidFill>
-                  <a:srgbClr val="7f7f7f"/>
+                  <a:schemeClr val="bg1"/>
                 </a:solidFill>
                 <a:latin typeface="Calibri"/>
               </a:rPr>
               <a:t>Michel Weitbrecht</a:t>
             </a:r>
-            <a:endParaRPr b="0" lang="de-DE" sz="3200" spc="-1" strike="noStrike">
+            <a:endParaRPr lang="de-DE" sz="3600" b="0" strike="noStrike" spc="-1" dirty="0">
+              <a:solidFill>
+                <a:schemeClr val="bg1"/>
+              </a:solidFill>
               <a:latin typeface="Arial"/>
             </a:endParaRPr>
           </a:p>
@@ -5329,12 +6557,12 @@
       </p:sp>
       <p:pic>
         <p:nvPicPr>
-          <p:cNvPr id="127" name="" descr=""/>
+          <p:cNvPr id="127" name="Grafik 126"/>
           <p:cNvPicPr/>
           <p:nvPr/>
         </p:nvPicPr>
         <p:blipFill>
-          <a:blip r:embed="rId1"/>
+          <a:blip r:embed="rId2"/>
           <a:stretch/>
         </p:blipFill>
         <p:spPr>
@@ -5370,28 +6598,32 @@
           </a:ln>
         </p:spPr>
         <p:style>
-          <a:lnRef idx="0"/>
-          <a:fillRef idx="0"/>
-          <a:effectRef idx="0"/>
+          <a:lnRef idx="0">
+            <a:scrgbClr r="0" g="0" b="0"/>
+          </a:lnRef>
+          <a:fillRef idx="0">
+            <a:scrgbClr r="0" g="0" b="0"/>
+          </a:fillRef>
+          <a:effectRef idx="0">
+            <a:scrgbClr r="0" g="0" b="0"/>
+          </a:effectRef>
           <a:fontRef idx="minor"/>
         </p:style>
         <p:txBody>
-          <a:bodyPr lIns="129240" rIns="129240" tIns="64800" bIns="64800">
+          <a:bodyPr lIns="129240" tIns="64800" rIns="129240" bIns="64800">
             <a:noAutofit/>
           </a:bodyPr>
+          <a:lstStyle/>
           <a:p>
             <a:r>
-              <a:rPr b="0" lang="de-DE" sz="1800" spc="-1" strike="noStrike">
+              <a:rPr lang="de-DE" sz="1800" b="0" strike="noStrike" spc="-1">
                 <a:latin typeface="Arial"/>
               </a:rPr>
               <a:t>Textbox</a:t>
             </a:r>
-            <a:endParaRPr b="0" lang="de-DE" sz="1800" spc="-1" strike="noStrike">
-              <a:latin typeface="Arial"/>
-            </a:endParaRPr>
-          </a:p>
-          <a:p>
-            <a:endParaRPr b="0" lang="de-DE" sz="1800" spc="-1" strike="noStrike">
+          </a:p>
+          <a:p>
+            <a:endParaRPr lang="de-DE" sz="1800" b="0" strike="noStrike" spc="-1">
               <a:latin typeface="Arial"/>
             </a:endParaRPr>
           </a:p>
@@ -5399,14 +6631,9 @@
       </p:sp>
     </p:spTree>
   </p:cSld>
-  <mc:AlternateContent>
-    <mc:Choice Requires="p14">
-      <p:transition spd="slow" p14:dur="2000"/>
-    </mc:Choice>
-    <mc:Fallback>
-      <p:transition spd="slow"/>
-    </mc:Fallback>
-  </mc:AlternateContent>
+  <p:clrMapOvr>
+    <a:masterClrMapping/>
+  </p:clrMapOvr>
 </p:sld>
 </file>
 
@@ -5421,31 +6648,31 @@
         <a:sysClr val="window" lastClr="FFFFFF"/>
       </a:lt1>
       <a:dk2>
-        <a:srgbClr val="7f7f7f"/>
+        <a:srgbClr val="7F7F7F"/>
       </a:dk2>
       <a:lt2>
-        <a:srgbClr val="ffffff"/>
+        <a:srgbClr val="FFFFFF"/>
       </a:lt2>
       <a:accent1>
-        <a:srgbClr val="1bbbe9"/>
+        <a:srgbClr val="1BBBE9"/>
       </a:accent1>
       <a:accent2>
-        <a:srgbClr val="00519e"/>
+        <a:srgbClr val="00519E"/>
       </a:accent2>
       <a:accent3>
-        <a:srgbClr val="3e444c"/>
+        <a:srgbClr val="3E444C"/>
       </a:accent3>
       <a:accent4>
-        <a:srgbClr val="bdddf2"/>
+        <a:srgbClr val="BDDDF2"/>
       </a:accent4>
       <a:accent5>
-        <a:srgbClr val="4bacc6"/>
+        <a:srgbClr val="4BACC6"/>
       </a:accent5>
       <a:accent6>
-        <a:srgbClr val="7f7f7f"/>
+        <a:srgbClr val="7F7F7F"/>
       </a:accent6>
       <a:hlink>
-        <a:srgbClr val="ffff00"/>
+        <a:srgbClr val="FFFF00"/>
       </a:hlink>
       <a:folHlink>
         <a:srgbClr val="800080"/>
@@ -5630,6 +6857,8 @@
       </a:bgFillStyleLst>
     </a:fmtScheme>
   </a:themeElements>
+  <a:objectDefaults/>
+  <a:extraClrSchemeLst/>
 </a:theme>
 </file>
 
@@ -5644,31 +6873,31 @@
         <a:sysClr val="window" lastClr="FFFFFF"/>
       </a:lt1>
       <a:dk2>
-        <a:srgbClr val="7f7f7f"/>
+        <a:srgbClr val="7F7F7F"/>
       </a:dk2>
       <a:lt2>
-        <a:srgbClr val="ffffff"/>
+        <a:srgbClr val="FFFFFF"/>
       </a:lt2>
       <a:accent1>
-        <a:srgbClr val="1bbbe9"/>
+        <a:srgbClr val="1BBBE9"/>
       </a:accent1>
       <a:accent2>
-        <a:srgbClr val="00519e"/>
+        <a:srgbClr val="00519E"/>
       </a:accent2>
       <a:accent3>
-        <a:srgbClr val="3e444c"/>
+        <a:srgbClr val="3E444C"/>
       </a:accent3>
       <a:accent4>
-        <a:srgbClr val="bdddf2"/>
+        <a:srgbClr val="BDDDF2"/>
       </a:accent4>
       <a:accent5>
-        <a:srgbClr val="4bacc6"/>
+        <a:srgbClr val="4BACC6"/>
       </a:accent5>
       <a:accent6>
-        <a:srgbClr val="7f7f7f"/>
+        <a:srgbClr val="7F7F7F"/>
       </a:accent6>
       <a:hlink>
-        <a:srgbClr val="ffff00"/>
+        <a:srgbClr val="FFFF00"/>
       </a:hlink>
       <a:folHlink>
         <a:srgbClr val="800080"/>
@@ -5853,6 +7082,8 @@
       </a:bgFillStyleLst>
     </a:fmtScheme>
   </a:themeElements>
+  <a:objectDefaults/>
+  <a:extraClrSchemeLst/>
 </a:theme>
 </file>
 
@@ -5867,31 +7098,31 @@
         <a:sysClr val="window" lastClr="FFFFFF"/>
       </a:lt1>
       <a:dk2>
-        <a:srgbClr val="7f7f7f"/>
+        <a:srgbClr val="7F7F7F"/>
       </a:dk2>
       <a:lt2>
-        <a:srgbClr val="ffffff"/>
+        <a:srgbClr val="FFFFFF"/>
       </a:lt2>
       <a:accent1>
-        <a:srgbClr val="1bbbe9"/>
+        <a:srgbClr val="1BBBE9"/>
       </a:accent1>
       <a:accent2>
-        <a:srgbClr val="00519e"/>
+        <a:srgbClr val="00519E"/>
       </a:accent2>
       <a:accent3>
-        <a:srgbClr val="3e444c"/>
+        <a:srgbClr val="3E444C"/>
       </a:accent3>
       <a:accent4>
-        <a:srgbClr val="bdddf2"/>
+        <a:srgbClr val="BDDDF2"/>
       </a:accent4>
       <a:accent5>
-        <a:srgbClr val="4bacc6"/>
+        <a:srgbClr val="4BACC6"/>
       </a:accent5>
       <a:accent6>
-        <a:srgbClr val="7f7f7f"/>
+        <a:srgbClr val="7F7F7F"/>
       </a:accent6>
       <a:hlink>
-        <a:srgbClr val="ffff00"/>
+        <a:srgbClr val="FFFF00"/>
       </a:hlink>
       <a:folHlink>
         <a:srgbClr val="800080"/>
@@ -6076,5 +7307,7 @@
       </a:bgFillStyleLst>
     </a:fmtScheme>
   </a:themeElements>
+  <a:objectDefaults/>
+  <a:extraClrSchemeLst/>
 </a:theme>
 </file>
--- a/EnPro_ALF_Poster.pptx
+++ b/EnPro_ALF_Poster.pptx
@@ -106,6 +106,11 @@
       </a:defRPr>
     </a:lvl9pPr>
   </p:defaultTextStyle>
+  <p:extLst>
+    <p:ext uri="{EFAFB233-063F-42B5-8137-9DF3F51BA10A}">
+      <p15:sldGuideLst xmlns:p15="http://schemas.microsoft.com/office/powerpoint/2012/main"/>
+    </p:ext>
+  </p:extLst>
 </p:presentation>
 </file>
 
@@ -6060,13 +6065,105 @@
       </p:grpSpPr>
       <p:sp>
         <p:nvSpPr>
+          <p:cNvPr id="11" name="Rechteck 10">
+            <a:extLst>
+              <a:ext uri="{FF2B5EF4-FFF2-40B4-BE49-F238E27FC236}">
+                <a16:creationId xmlns:a16="http://schemas.microsoft.com/office/drawing/2014/main" id="{6B7F72AF-8FB1-472B-A84E-C3CA05915066}"/>
+              </a:ext>
+            </a:extLst>
+          </p:cNvPr>
+          <p:cNvSpPr/>
+          <p:nvPr/>
+        </p:nvSpPr>
+        <p:spPr>
+          <a:xfrm>
+            <a:off x="2863996" y="18527373"/>
+            <a:ext cx="12534789" cy="6461753"/>
+          </a:xfrm>
+          <a:prstGeom prst="rect">
+            <a:avLst/>
+          </a:prstGeom>
+        </p:spPr>
+        <p:style>
+          <a:lnRef idx="2">
+            <a:schemeClr val="accent1">
+              <a:shade val="50000"/>
+            </a:schemeClr>
+          </a:lnRef>
+          <a:fillRef idx="1">
+            <a:schemeClr val="accent1"/>
+          </a:fillRef>
+          <a:effectRef idx="0">
+            <a:schemeClr val="accent1"/>
+          </a:effectRef>
+          <a:fontRef idx="minor">
+            <a:schemeClr val="lt1"/>
+          </a:fontRef>
+        </p:style>
+        <p:txBody>
+          <a:bodyPr rtlCol="0" anchor="ctr"/>
+          <a:lstStyle/>
+          <a:p>
+            <a:pPr algn="ctr"/>
+            <a:endParaRPr lang="de-DE"/>
+          </a:p>
+        </p:txBody>
+      </p:sp>
+      <p:sp>
+        <p:nvSpPr>
+          <p:cNvPr id="10" name="Rechteck 9">
+            <a:extLst>
+              <a:ext uri="{FF2B5EF4-FFF2-40B4-BE49-F238E27FC236}">
+                <a16:creationId xmlns:a16="http://schemas.microsoft.com/office/drawing/2014/main" id="{9B3A1825-9380-4200-9092-4B5D809351A5}"/>
+              </a:ext>
+            </a:extLst>
+          </p:cNvPr>
+          <p:cNvSpPr/>
+          <p:nvPr/>
+        </p:nvSpPr>
+        <p:spPr>
+          <a:xfrm>
+            <a:off x="20722544" y="11547837"/>
+            <a:ext cx="6461800" cy="5713194"/>
+          </a:xfrm>
+          <a:prstGeom prst="rect">
+            <a:avLst/>
+          </a:prstGeom>
+        </p:spPr>
+        <p:style>
+          <a:lnRef idx="2">
+            <a:schemeClr val="accent1">
+              <a:shade val="50000"/>
+            </a:schemeClr>
+          </a:lnRef>
+          <a:fillRef idx="1">
+            <a:schemeClr val="accent1"/>
+          </a:fillRef>
+          <a:effectRef idx="0">
+            <a:schemeClr val="accent1"/>
+          </a:effectRef>
+          <a:fontRef idx="minor">
+            <a:schemeClr val="lt1"/>
+          </a:fontRef>
+        </p:style>
+        <p:txBody>
+          <a:bodyPr rtlCol="0" anchor="ctr"/>
+          <a:lstStyle/>
+          <a:p>
+            <a:pPr algn="ctr"/>
+            <a:endParaRPr lang="de-DE"/>
+          </a:p>
+        </p:txBody>
+      </p:sp>
+      <p:sp>
+        <p:nvSpPr>
           <p:cNvPr id="121" name="CustomShape 1"/>
           <p:cNvSpPr/>
           <p:nvPr/>
         </p:nvSpPr>
         <p:spPr>
           <a:xfrm>
-            <a:off x="4489200" y="7056000"/>
+            <a:off x="4057200" y="7132220"/>
             <a:ext cx="16246440" cy="2544120"/>
           </a:xfrm>
           <a:prstGeom prst="rect">
@@ -6104,7 +6201,7 @@
               </a:spcBef>
             </a:pPr>
             <a:r>
-              <a:rPr lang="de-DE" sz="3200" b="0" strike="noStrike" spc="-1" dirty="0">
+              <a:rPr lang="de-DE" sz="3200" spc="-1" dirty="0">
                 <a:solidFill>
                   <a:srgbClr val="3E444C"/>
                 </a:solidFill>
@@ -6113,10 +6210,10 @@
               <a:t>Prüfer: Prof. Dr. Stefan Funke</a:t>
             </a:r>
             <a:br>
-              <a:rPr dirty="0"/>
+              <a:rPr lang="de-DE" sz="3200" dirty="0"/>
             </a:br>
             <a:r>
-              <a:rPr lang="de-DE" sz="3200" b="0" strike="noStrike" spc="-1" dirty="0">
+              <a:rPr lang="de-DE" sz="3200" spc="-1" dirty="0">
                 <a:solidFill>
                   <a:srgbClr val="3E444C"/>
                 </a:solidFill>
@@ -6125,7 +6222,7 @@
               <a:t>Betreuer: Florian Barth M. Sc., </a:t>
             </a:r>
             <a:r>
-              <a:rPr lang="de-DE" sz="3200" b="0" strike="noStrike" spc="-1" dirty="0" err="1">
+              <a:rPr lang="de-DE" sz="3200" spc="-1" dirty="0" err="1">
                 <a:solidFill>
                   <a:srgbClr val="3E444C"/>
                 </a:solidFill>
@@ -6134,7 +6231,7 @@
               <a:t>Dipl</a:t>
             </a:r>
             <a:r>
-              <a:rPr lang="de-DE" sz="3200" b="0" strike="noStrike" spc="-1" dirty="0">
+              <a:rPr lang="de-DE" sz="3200" spc="-1" dirty="0">
                 <a:solidFill>
                   <a:srgbClr val="3E444C"/>
                 </a:solidFill>
@@ -6143,7 +6240,7 @@
               <a:t>-Inf. Filip </a:t>
             </a:r>
             <a:r>
-              <a:rPr lang="de-DE" sz="3200" b="0" strike="noStrike" spc="-1" dirty="0" err="1">
+              <a:rPr lang="de-DE" sz="3200" spc="-1" dirty="0" err="1">
                 <a:solidFill>
                   <a:srgbClr val="3E444C"/>
                 </a:solidFill>
@@ -6152,7 +6249,7 @@
               <a:t>Krumpe</a:t>
             </a:r>
             <a:r>
-              <a:rPr lang="de-DE" sz="3200" b="0" strike="noStrike" spc="-1" dirty="0">
+              <a:rPr lang="de-DE" sz="3200" spc="-1" dirty="0">
                 <a:solidFill>
                   <a:srgbClr val="3E444C"/>
                 </a:solidFill>
@@ -6161,7 +6258,7 @@
               <a:t>, </a:t>
             </a:r>
             <a:r>
-              <a:rPr lang="de-DE" sz="3200" b="0" strike="noStrike" spc="-1" dirty="0" err="1">
+              <a:rPr lang="de-DE" sz="3200" spc="-1" dirty="0" err="1">
                 <a:solidFill>
                   <a:srgbClr val="3E444C"/>
                 </a:solidFill>
@@ -6170,7 +6267,7 @@
               <a:t>Dipl</a:t>
             </a:r>
             <a:r>
-              <a:rPr lang="de-DE" sz="3200" b="0" strike="noStrike" spc="-1" dirty="0">
+              <a:rPr lang="de-DE" sz="3200" spc="-1" dirty="0">
                 <a:solidFill>
                   <a:srgbClr val="3E444C"/>
                 </a:solidFill>
@@ -6178,9 +6275,7 @@
               </a:rPr>
               <a:t>-Inf. Thomas Mendel</a:t>
             </a:r>
-            <a:endParaRPr lang="de-DE" sz="3200" b="0" strike="noStrike" spc="-1" dirty="0">
-              <a:latin typeface="Arial"/>
-            </a:endParaRPr>
+            <a:endParaRPr lang="de-DE" sz="3200" spc="-1" dirty="0"/>
           </a:p>
         </p:txBody>
       </p:sp>
@@ -6192,8 +6287,8 @@
         </p:nvSpPr>
         <p:spPr>
           <a:xfrm>
-            <a:off x="24600360" y="3868560"/>
-            <a:ext cx="5387280" cy="4247640"/>
+            <a:off x="24768000" y="3960000"/>
+            <a:ext cx="5219640" cy="4247640"/>
           </a:xfrm>
           <a:prstGeom prst="rect">
             <a:avLst/>
@@ -6230,7 +6325,7 @@
               </a:spcBef>
             </a:pPr>
             <a:r>
-              <a:rPr lang="de-DE" sz="6000" b="0" strike="noStrike" spc="-1" dirty="0">
+              <a:rPr lang="de-DE" sz="5200" b="0" strike="noStrike" spc="-1">
                 <a:solidFill>
                   <a:srgbClr val="FFFFFF"/>
                 </a:solidFill>
@@ -6238,25 +6333,29 @@
               </a:rPr>
               <a:t>Institut für </a:t>
             </a:r>
+            <a:endParaRPr lang="de-DE" sz="5200" b="0" strike="noStrike" spc="-1">
+              <a:latin typeface="Arial"/>
+            </a:endParaRPr>
+          </a:p>
+          <a:p>
+            <a:pPr>
+              <a:lnSpc>
+                <a:spcPct val="100000"/>
+              </a:lnSpc>
+              <a:spcBef>
+                <a:spcPts val="1040"/>
+              </a:spcBef>
+            </a:pPr>
             <a:r>
-              <a:rPr lang="de-DE" sz="6000" spc="-1" dirty="0">
+              <a:rPr lang="de-DE" sz="5200" b="0" strike="noStrike" spc="-1">
                 <a:solidFill>
                   <a:srgbClr val="FFFFFF"/>
                 </a:solidFill>
                 <a:latin typeface="Univers for UniS 65 Bold Rg"/>
               </a:rPr>
-              <a:t>f</a:t>
+              <a:t>Formale Methoden der Informatik (FMI)</a:t>
             </a:r>
-            <a:r>
-              <a:rPr lang="de-DE" sz="6000" b="0" strike="noStrike" spc="-1" dirty="0">
-                <a:solidFill>
-                  <a:srgbClr val="FFFFFF"/>
-                </a:solidFill>
-                <a:latin typeface="Univers for UniS 65 Bold Rg"/>
-              </a:rPr>
-              <a:t>ormale Methoden der Informatik (FMI)</a:t>
-            </a:r>
-            <a:endParaRPr lang="de-DE" sz="6000" b="0" strike="noStrike" spc="-1" dirty="0">
+            <a:endParaRPr lang="de-DE" sz="5200" b="0" strike="noStrike" spc="-1">
               <a:latin typeface="Arial"/>
             </a:endParaRPr>
           </a:p>
@@ -6270,8 +6369,8 @@
         </p:nvSpPr>
         <p:spPr>
           <a:xfrm>
-            <a:off x="15660000" y="10440000"/>
-            <a:ext cx="12707280" cy="28079280"/>
+            <a:off x="15660000" y="15003268"/>
+            <a:ext cx="12707280" cy="23516011"/>
           </a:xfrm>
           <a:prstGeom prst="rect">
             <a:avLst/>
@@ -6300,11 +6399,14 @@
           <a:lstStyle/>
           <a:p>
             <a:r>
-              <a:rPr lang="de-DE" sz="1800" b="0" strike="noStrike" spc="-1">
+              <a:rPr lang="de-DE" sz="1800" b="0" strike="noStrike" spc="-1" dirty="0" err="1">
                 <a:latin typeface="Arial"/>
               </a:rPr>
               <a:t>Textbox</a:t>
             </a:r>
+            <a:endParaRPr lang="de-DE" sz="1800" b="0" strike="noStrike" spc="-1" dirty="0">
+              <a:latin typeface="Arial"/>
+            </a:endParaRPr>
           </a:p>
         </p:txBody>
       </p:sp>
@@ -6316,7 +6418,7 @@
         </p:nvSpPr>
         <p:spPr>
           <a:xfrm>
-            <a:off x="4057200" y="3638880"/>
+            <a:off x="4057200" y="4021898"/>
             <a:ext cx="15598440" cy="2544120"/>
           </a:xfrm>
           <a:prstGeom prst="rect">
@@ -6354,7 +6456,7 @@
               </a:spcBef>
             </a:pPr>
             <a:r>
-              <a:rPr lang="de-DE" sz="9120" b="0" strike="noStrike" spc="-1">
+              <a:rPr lang="de-DE" sz="9120" b="0" strike="noStrike" spc="-1" dirty="0">
                 <a:solidFill>
                   <a:srgbClr val="7F7F7F"/>
                 </a:solidFill>
@@ -6362,9 +6464,11 @@
               </a:rPr>
               <a:t>ALF-WEB:</a:t>
             </a:r>
-            <a:br/>
+            <a:br>
+              <a:rPr dirty="0"/>
+            </a:br>
             <a:r>
-              <a:rPr lang="de-DE" sz="9120" b="0" strike="noStrike" spc="-1">
+              <a:rPr lang="de-DE" sz="9120" b="0" strike="noStrike" spc="-1" dirty="0">
                 <a:solidFill>
                   <a:srgbClr val="7F7F7F"/>
                 </a:solidFill>
@@ -6372,7 +6476,7 @@
               </a:rPr>
               <a:t>Area Label Fitting in OSM</a:t>
             </a:r>
-            <a:endParaRPr lang="de-DE" sz="9120" b="0" strike="noStrike" spc="-1">
+            <a:endParaRPr lang="de-DE" sz="9120" b="0" strike="noStrike" spc="-1" dirty="0">
               <a:latin typeface="Arial"/>
             </a:endParaRPr>
           </a:p>
@@ -6437,7 +6541,7 @@
         </p:nvSpPr>
         <p:spPr>
           <a:xfrm>
-            <a:off x="19783680" y="3287520"/>
+            <a:off x="19867500" y="3389527"/>
             <a:ext cx="4688640" cy="3311640"/>
           </a:xfrm>
           <a:prstGeom prst="rect">
@@ -6479,25 +6583,16 @@
               <a:buSzPct val="45000"/>
             </a:pPr>
             <a:r>
-              <a:rPr lang="de-DE" sz="3600" b="0" strike="noStrike" spc="-1" dirty="0">
+              <a:rPr lang="de-DE" sz="3200" spc="-1" dirty="0">
                 <a:solidFill>
                   <a:schemeClr val="bg1"/>
                 </a:solidFill>
                 <a:latin typeface="Calibri"/>
               </a:rPr>
-              <a:t>Patrick </a:t>
-            </a:r>
-            <a:r>
-              <a:rPr lang="de-DE" sz="3600" b="0" strike="noStrike" spc="-1" dirty="0" err="1">
-                <a:solidFill>
-                  <a:schemeClr val="bg1"/>
-                </a:solidFill>
-                <a:latin typeface="Calibri"/>
-              </a:rPr>
-              <a:t>Schneefuss</a:t>
+              <a:t>Patrick Schneefuss</a:t>
             </a:r>
             <a:br>
-              <a:rPr lang="de-DE" sz="3600" b="0" strike="noStrike" spc="-1" dirty="0">
+              <a:rPr lang="de-DE" sz="3200" spc="-1" dirty="0">
                 <a:solidFill>
                   <a:schemeClr val="bg1"/>
                 </a:solidFill>
@@ -6505,7 +6600,7 @@
               </a:rPr>
             </a:br>
             <a:r>
-              <a:rPr lang="de-DE" sz="3600" b="0" strike="noStrike" spc="-1" dirty="0">
+              <a:rPr lang="de-DE" sz="3200" spc="-1" dirty="0">
                 <a:solidFill>
                   <a:schemeClr val="bg1"/>
                 </a:solidFill>
@@ -6514,7 +6609,7 @@
               <a:t>Jan Schneider</a:t>
             </a:r>
             <a:br>
-              <a:rPr lang="de-DE" sz="3600" b="0" strike="noStrike" spc="-1" dirty="0">
+              <a:rPr lang="de-DE" sz="3200" spc="-1" dirty="0">
                 <a:solidFill>
                   <a:schemeClr val="bg1"/>
                 </a:solidFill>
@@ -6522,7 +6617,7 @@
               </a:rPr>
             </a:br>
             <a:r>
-              <a:rPr lang="de-DE" sz="3600" b="0" strike="noStrike" spc="-1" dirty="0">
+              <a:rPr lang="de-DE" sz="3200" spc="-1" dirty="0">
                 <a:solidFill>
                   <a:schemeClr val="bg1"/>
                 </a:solidFill>
@@ -6531,14 +6626,14 @@
               <a:t>Michael Steinert</a:t>
             </a:r>
             <a:br>
-              <a:rPr sz="3600" dirty="0">
+              <a:rPr lang="de-DE" sz="3200" dirty="0">
                 <a:solidFill>
                   <a:schemeClr val="bg1"/>
                 </a:solidFill>
               </a:rPr>
             </a:br>
             <a:r>
-              <a:rPr lang="de-DE" sz="3600" b="0" strike="noStrike" spc="-1" dirty="0">
+              <a:rPr lang="de-DE" sz="3200" spc="-1" dirty="0">
                 <a:solidFill>
                   <a:schemeClr val="bg1"/>
                 </a:solidFill>
@@ -6546,11 +6641,10 @@
               </a:rPr>
               <a:t>Michel Weitbrecht</a:t>
             </a:r>
-            <a:endParaRPr lang="de-DE" sz="3600" b="0" strike="noStrike" spc="-1" dirty="0">
+            <a:endParaRPr lang="de-DE" sz="3200" spc="-1" dirty="0">
               <a:solidFill>
                 <a:schemeClr val="bg1"/>
               </a:solidFill>
-              <a:latin typeface="Arial"/>
             </a:endParaRPr>
           </a:p>
         </p:txBody>
@@ -6580,52 +6674,820 @@
       </p:pic>
       <p:sp>
         <p:nvSpPr>
-          <p:cNvPr id="128" name="CustomShape 7"/>
+          <p:cNvPr id="6" name="Rechteck: abgerundete Ecken 5">
+            <a:extLst>
+              <a:ext uri="{FF2B5EF4-FFF2-40B4-BE49-F238E27FC236}">
+                <a16:creationId xmlns:a16="http://schemas.microsoft.com/office/drawing/2014/main" id="{8E255C9F-D69D-412D-BDA3-8679F60AE494}"/>
+              </a:ext>
+            </a:extLst>
+          </p:cNvPr>
           <p:cNvSpPr/>
           <p:nvPr/>
         </p:nvSpPr>
         <p:spPr>
           <a:xfrm>
-            <a:off x="2052000" y="10440000"/>
-            <a:ext cx="12707280" cy="28079280"/>
-          </a:xfrm>
-          <a:prstGeom prst="rect">
-            <a:avLst/>
-          </a:prstGeom>
-          <a:noFill/>
-          <a:ln>
-            <a:noFill/>
-          </a:ln>
+            <a:off x="2473181" y="11547837"/>
+            <a:ext cx="15108179" cy="5713195"/>
+          </a:xfrm>
+          <a:prstGeom prst="roundRect">
+            <a:avLst/>
+          </a:prstGeom>
         </p:spPr>
         <p:style>
-          <a:lnRef idx="0">
-            <a:scrgbClr r="0" g="0" b="0"/>
+          <a:lnRef idx="2">
+            <a:schemeClr val="accent1">
+              <a:shade val="50000"/>
+            </a:schemeClr>
+          </a:lnRef>
+          <a:fillRef idx="1">
+            <a:schemeClr val="accent1"/>
+          </a:fillRef>
+          <a:effectRef idx="0">
+            <a:schemeClr val="accent1"/>
+          </a:effectRef>
+          <a:fontRef idx="minor">
+            <a:schemeClr val="lt1"/>
+          </a:fontRef>
+        </p:style>
+        <p:txBody>
+          <a:bodyPr rtlCol="0" anchor="ctr"/>
+          <a:lstStyle/>
+          <a:p>
+            <a:pPr algn="ctr"/>
+            <a:endParaRPr lang="de-DE"/>
+          </a:p>
+        </p:txBody>
+      </p:sp>
+      <p:sp>
+        <p:nvSpPr>
+          <p:cNvPr id="8" name="Rechteck: abgerundete Ecken 7">
+            <a:extLst>
+              <a:ext uri="{FF2B5EF4-FFF2-40B4-BE49-F238E27FC236}">
+                <a16:creationId xmlns:a16="http://schemas.microsoft.com/office/drawing/2014/main" id="{8337D665-6B20-4D15-9727-694E9478DFA7}"/>
+              </a:ext>
+            </a:extLst>
+          </p:cNvPr>
+          <p:cNvSpPr/>
+          <p:nvPr/>
+        </p:nvSpPr>
+        <p:spPr>
+          <a:xfrm>
+            <a:off x="2621811" y="11706063"/>
+            <a:ext cx="14805052" cy="5388562"/>
+          </a:xfrm>
+          <a:prstGeom prst="roundRect">
+            <a:avLst/>
+          </a:prstGeom>
+          <a:ln/>
+        </p:spPr>
+        <p:style>
+          <a:lnRef idx="2">
+            <a:schemeClr val="dk1"/>
+          </a:lnRef>
+          <a:fillRef idx="1">
+            <a:schemeClr val="lt1"/>
+          </a:fillRef>
+          <a:effectRef idx="0">
+            <a:schemeClr val="dk1"/>
+          </a:effectRef>
+          <a:fontRef idx="minor">
+            <a:schemeClr val="dk1"/>
+          </a:fontRef>
+        </p:style>
+        <p:txBody>
+          <a:bodyPr rtlCol="0" anchor="ctr"/>
+          <a:lstStyle/>
+          <a:p>
+            <a:r>
+              <a:rPr lang="de-DE" sz="2800" dirty="0"/>
+              <a:t>Herkömmliche Kartensysteme laden ihre Daten in Form vor-</a:t>
+            </a:r>
+            <a:r>
+              <a:rPr lang="de-DE" sz="2800" dirty="0" err="1"/>
+              <a:t>gerendeten</a:t>
+            </a:r>
+            <a:r>
+              <a:rPr lang="de-DE" sz="2800" dirty="0"/>
+              <a:t> Grafiken (</a:t>
+            </a:r>
+            <a:r>
+              <a:rPr lang="de-DE" sz="2800" dirty="0" err="1"/>
+              <a:t>Tiles</a:t>
+            </a:r>
+            <a:r>
+              <a:rPr lang="de-DE" sz="2800" dirty="0"/>
+              <a:t>).</a:t>
+            </a:r>
+            <a:br>
+              <a:rPr lang="de-DE" sz="2800" dirty="0"/>
+            </a:br>
+            <a:r>
+              <a:rPr lang="de-DE" sz="2800" i="1" dirty="0"/>
+              <a:t>Probleme: </a:t>
+            </a:r>
+            <a:br>
+              <a:rPr lang="de-DE" sz="2800" i="1" dirty="0"/>
+            </a:br>
+            <a:r>
+              <a:rPr lang="de-DE" sz="2800" dirty="0"/>
+              <a:t>- Große Datenmengen durch binäre Grafikdateien</a:t>
+            </a:r>
+            <a:br>
+              <a:rPr lang="de-DE" sz="2800" dirty="0"/>
+            </a:br>
+            <a:r>
+              <a:rPr lang="de-DE" sz="2800" dirty="0"/>
+              <a:t>- Keine Filterung von Kartenelementen zur Laufzeit möglich</a:t>
+            </a:r>
+            <a:br>
+              <a:rPr lang="de-DE" sz="2800" dirty="0"/>
+            </a:br>
+            <a:r>
+              <a:rPr lang="de-DE" sz="2800" dirty="0"/>
+              <a:t>- Labels drehen sich bei Rotation der Karte mit</a:t>
+            </a:r>
+          </a:p>
+          <a:p>
+            <a:endParaRPr lang="de-DE" sz="2800" dirty="0"/>
+          </a:p>
+          <a:p>
+            <a:r>
+              <a:rPr lang="de-DE" sz="2800" i="1" dirty="0"/>
+              <a:t>Konzeptioneller Lösungsansatz:</a:t>
+            </a:r>
+            <a:br>
+              <a:rPr lang="de-DE" sz="2800" i="1" dirty="0"/>
+            </a:br>
+            <a:r>
+              <a:rPr lang="de-DE" sz="2800" dirty="0"/>
+              <a:t>- Client (Browser) fragt benötigte Kartenausschnitte beim Server an</a:t>
+            </a:r>
+            <a:br>
+              <a:rPr lang="de-DE" sz="2800" dirty="0"/>
+            </a:br>
+            <a:r>
+              <a:rPr lang="de-DE" sz="2800" dirty="0"/>
+              <a:t>- Übermittlung geografischer Daten statt Grafiken</a:t>
+            </a:r>
+            <a:br>
+              <a:rPr lang="de-DE" sz="2800" dirty="0"/>
+            </a:br>
+            <a:r>
+              <a:rPr lang="de-DE" sz="2800" dirty="0"/>
+              <a:t>- Client übernimmt das Rendern der Karte</a:t>
+            </a:r>
+            <a:br>
+              <a:rPr lang="de-DE" sz="2800" dirty="0"/>
+            </a:br>
+            <a:r>
+              <a:rPr lang="de-DE" sz="2800" dirty="0"/>
+              <a:t>- Vorverarbeitung der Daten für höhere Effizienz</a:t>
+            </a:r>
+          </a:p>
+        </p:txBody>
+      </p:sp>
+      <p:pic>
+        <p:nvPicPr>
+          <p:cNvPr id="14" name="Grafik 13" descr="Ein Bild, das Text, Karte enthält.&#10;&#10;Automatisch generierte Beschreibung">
+            <a:extLst>
+              <a:ext uri="{FF2B5EF4-FFF2-40B4-BE49-F238E27FC236}">
+                <a16:creationId xmlns:a16="http://schemas.microsoft.com/office/drawing/2014/main" id="{08E16518-383A-4962-8B69-1C6B4A2B1CCC}"/>
+              </a:ext>
+            </a:extLst>
+          </p:cNvPr>
+          <p:cNvPicPr>
+            <a:picLocks noChangeAspect="1"/>
+          </p:cNvPicPr>
+          <p:nvPr/>
+        </p:nvPicPr>
+        <p:blipFill>
+          <a:blip r:embed="rId3">
+            <a:extLst>
+              <a:ext uri="{28A0092B-C50C-407E-A947-70E740481C1C}">
+                <a14:useLocalDpi xmlns:a14="http://schemas.microsoft.com/office/drawing/2010/main" val="0"/>
+              </a:ext>
+            </a:extLst>
+          </a:blip>
+          <a:stretch>
+            <a:fillRect/>
+          </a:stretch>
+        </p:blipFill>
+        <p:spPr>
+          <a:xfrm>
+            <a:off x="20891145" y="11731568"/>
+            <a:ext cx="6124598" cy="5363057"/>
+          </a:xfrm>
+          <a:prstGeom prst="rect">
+            <a:avLst/>
+          </a:prstGeom>
+        </p:spPr>
+      </p:pic>
+      <p:cxnSp>
+        <p:nvCxnSpPr>
+          <p:cNvPr id="26" name="Gerader Verbinder 25">
+            <a:extLst>
+              <a:ext uri="{FF2B5EF4-FFF2-40B4-BE49-F238E27FC236}">
+                <a16:creationId xmlns:a16="http://schemas.microsoft.com/office/drawing/2014/main" id="{B97CC9E9-4EFD-4F52-83C3-493419305DDF}"/>
+              </a:ext>
+            </a:extLst>
+          </p:cNvPr>
+          <p:cNvCxnSpPr/>
+          <p:nvPr/>
+        </p:nvCxnSpPr>
+        <p:spPr>
+          <a:xfrm>
+            <a:off x="1119187" y="11085660"/>
+            <a:ext cx="28041600" cy="0"/>
+          </a:xfrm>
+          <a:prstGeom prst="line">
+            <a:avLst/>
+          </a:prstGeom>
+          <a:ln w="127000"/>
+        </p:spPr>
+        <p:style>
+          <a:lnRef idx="3">
+            <a:schemeClr val="dk1"/>
           </a:lnRef>
           <a:fillRef idx="0">
-            <a:scrgbClr r="0" g="0" b="0"/>
+            <a:schemeClr val="dk1"/>
+          </a:fillRef>
+          <a:effectRef idx="2">
+            <a:schemeClr val="dk1"/>
+          </a:effectRef>
+          <a:fontRef idx="minor">
+            <a:schemeClr val="tx1"/>
+          </a:fontRef>
+        </p:style>
+      </p:cxnSp>
+      <p:cxnSp>
+        <p:nvCxnSpPr>
+          <p:cNvPr id="35" name="Gerader Verbinder 34">
+            <a:extLst>
+              <a:ext uri="{FF2B5EF4-FFF2-40B4-BE49-F238E27FC236}">
+                <a16:creationId xmlns:a16="http://schemas.microsoft.com/office/drawing/2014/main" id="{9ED11B7D-E02F-40ED-8F22-101F28D9170A}"/>
+              </a:ext>
+            </a:extLst>
+          </p:cNvPr>
+          <p:cNvCxnSpPr/>
+          <p:nvPr/>
+        </p:nvCxnSpPr>
+        <p:spPr>
+          <a:xfrm>
+            <a:off x="1145897" y="17970698"/>
+            <a:ext cx="28041600" cy="0"/>
+          </a:xfrm>
+          <a:prstGeom prst="line">
+            <a:avLst/>
+          </a:prstGeom>
+          <a:ln w="127000"/>
+        </p:spPr>
+        <p:style>
+          <a:lnRef idx="3">
+            <a:schemeClr val="dk1"/>
+          </a:lnRef>
+          <a:fillRef idx="0">
+            <a:schemeClr val="dk1"/>
+          </a:fillRef>
+          <a:effectRef idx="2">
+            <a:schemeClr val="dk1"/>
+          </a:effectRef>
+          <a:fontRef idx="minor">
+            <a:schemeClr val="tx1"/>
+          </a:fontRef>
+        </p:style>
+      </p:cxnSp>
+      <p:cxnSp>
+        <p:nvCxnSpPr>
+          <p:cNvPr id="36" name="Gerader Verbinder 35">
+            <a:extLst>
+              <a:ext uri="{FF2B5EF4-FFF2-40B4-BE49-F238E27FC236}">
+                <a16:creationId xmlns:a16="http://schemas.microsoft.com/office/drawing/2014/main" id="{3F969835-2A13-41A3-A149-1CED5C01282C}"/>
+              </a:ext>
+            </a:extLst>
+          </p:cNvPr>
+          <p:cNvCxnSpPr/>
+          <p:nvPr/>
+        </p:nvCxnSpPr>
+        <p:spPr>
+          <a:xfrm>
+            <a:off x="1152703" y="25601760"/>
+            <a:ext cx="28041600" cy="0"/>
+          </a:xfrm>
+          <a:prstGeom prst="line">
+            <a:avLst/>
+          </a:prstGeom>
+          <a:ln w="127000"/>
+        </p:spPr>
+        <p:style>
+          <a:lnRef idx="3">
+            <a:schemeClr val="dk1"/>
+          </a:lnRef>
+          <a:fillRef idx="0">
+            <a:schemeClr val="dk1"/>
+          </a:fillRef>
+          <a:effectRef idx="2">
+            <a:schemeClr val="dk1"/>
+          </a:effectRef>
+          <a:fontRef idx="minor">
+            <a:schemeClr val="tx1"/>
+          </a:fontRef>
+        </p:style>
+      </p:cxnSp>
+      <p:cxnSp>
+        <p:nvCxnSpPr>
+          <p:cNvPr id="37" name="Gerader Verbinder 36">
+            <a:extLst>
+              <a:ext uri="{FF2B5EF4-FFF2-40B4-BE49-F238E27FC236}">
+                <a16:creationId xmlns:a16="http://schemas.microsoft.com/office/drawing/2014/main" id="{BB3B7B29-A015-4F5E-A3B8-E90FD884BB2E}"/>
+              </a:ext>
+            </a:extLst>
+          </p:cNvPr>
+          <p:cNvCxnSpPr>
+            <a:cxnSpLocks/>
+          </p:cNvCxnSpPr>
+          <p:nvPr/>
+        </p:nvCxnSpPr>
+        <p:spPr>
+          <a:xfrm>
+            <a:off x="18746100" y="11085660"/>
+            <a:ext cx="0" cy="6919814"/>
+          </a:xfrm>
+          <a:prstGeom prst="line">
+            <a:avLst/>
+          </a:prstGeom>
+          <a:ln w="127000"/>
+        </p:spPr>
+        <p:style>
+          <a:lnRef idx="3">
+            <a:schemeClr val="dk1"/>
+          </a:lnRef>
+          <a:fillRef idx="0">
+            <a:schemeClr val="dk1"/>
+          </a:fillRef>
+          <a:effectRef idx="2">
+            <a:schemeClr val="dk1"/>
+          </a:effectRef>
+          <a:fontRef idx="minor">
+            <a:schemeClr val="tx1"/>
+          </a:fontRef>
+        </p:style>
+      </p:cxnSp>
+      <p:cxnSp>
+        <p:nvCxnSpPr>
+          <p:cNvPr id="39" name="Gerader Verbinder 38">
+            <a:extLst>
+              <a:ext uri="{FF2B5EF4-FFF2-40B4-BE49-F238E27FC236}">
+                <a16:creationId xmlns:a16="http://schemas.microsoft.com/office/drawing/2014/main" id="{2E7B9509-9969-4439-8327-CF18D299D6B0}"/>
+              </a:ext>
+            </a:extLst>
+          </p:cNvPr>
+          <p:cNvCxnSpPr>
+            <a:cxnSpLocks/>
+          </p:cNvCxnSpPr>
+          <p:nvPr/>
+        </p:nvCxnSpPr>
+        <p:spPr>
+          <a:xfrm>
+            <a:off x="29160787" y="11054400"/>
+            <a:ext cx="0" cy="31025610"/>
+          </a:xfrm>
+          <a:prstGeom prst="line">
+            <a:avLst/>
+          </a:prstGeom>
+          <a:ln w="127000"/>
+        </p:spPr>
+        <p:style>
+          <a:lnRef idx="3">
+            <a:schemeClr val="dk1"/>
+          </a:lnRef>
+          <a:fillRef idx="0">
+            <a:schemeClr val="dk1"/>
+          </a:fillRef>
+          <a:effectRef idx="2">
+            <a:schemeClr val="dk1"/>
+          </a:effectRef>
+          <a:fontRef idx="minor">
+            <a:schemeClr val="tx1"/>
+          </a:fontRef>
+        </p:style>
+      </p:cxnSp>
+      <p:cxnSp>
+        <p:nvCxnSpPr>
+          <p:cNvPr id="41" name="Gerader Verbinder 40">
+            <a:extLst>
+              <a:ext uri="{FF2B5EF4-FFF2-40B4-BE49-F238E27FC236}">
+                <a16:creationId xmlns:a16="http://schemas.microsoft.com/office/drawing/2014/main" id="{601F95E6-717C-44E6-A973-E33FD4453955}"/>
+              </a:ext>
+            </a:extLst>
+          </p:cNvPr>
+          <p:cNvCxnSpPr>
+            <a:cxnSpLocks/>
+          </p:cNvCxnSpPr>
+          <p:nvPr/>
+        </p:nvCxnSpPr>
+        <p:spPr>
+          <a:xfrm>
+            <a:off x="1119187" y="11054400"/>
+            <a:ext cx="0" cy="31025610"/>
+          </a:xfrm>
+          <a:prstGeom prst="line">
+            <a:avLst/>
+          </a:prstGeom>
+          <a:ln w="127000"/>
+        </p:spPr>
+        <p:style>
+          <a:lnRef idx="3">
+            <a:schemeClr val="dk1"/>
+          </a:lnRef>
+          <a:fillRef idx="0">
+            <a:schemeClr val="dk1"/>
+          </a:fillRef>
+          <a:effectRef idx="2">
+            <a:schemeClr val="dk1"/>
+          </a:effectRef>
+          <a:fontRef idx="minor">
+            <a:schemeClr val="tx1"/>
+          </a:fontRef>
+        </p:style>
+      </p:cxnSp>
+      <p:cxnSp>
+        <p:nvCxnSpPr>
+          <p:cNvPr id="42" name="Gerader Verbinder 41">
+            <a:extLst>
+              <a:ext uri="{FF2B5EF4-FFF2-40B4-BE49-F238E27FC236}">
+                <a16:creationId xmlns:a16="http://schemas.microsoft.com/office/drawing/2014/main" id="{26016A78-6CDD-413C-8534-86B979838993}"/>
+              </a:ext>
+            </a:extLst>
+          </p:cNvPr>
+          <p:cNvCxnSpPr/>
+          <p:nvPr/>
+        </p:nvCxnSpPr>
+        <p:spPr>
+          <a:xfrm>
+            <a:off x="1119187" y="42080010"/>
+            <a:ext cx="28041600" cy="0"/>
+          </a:xfrm>
+          <a:prstGeom prst="line">
+            <a:avLst/>
+          </a:prstGeom>
+          <a:ln w="127000"/>
+        </p:spPr>
+        <p:style>
+          <a:lnRef idx="3">
+            <a:schemeClr val="dk1"/>
+          </a:lnRef>
+          <a:fillRef idx="0">
+            <a:schemeClr val="dk1"/>
+          </a:fillRef>
+          <a:effectRef idx="2">
+            <a:schemeClr val="dk1"/>
+          </a:effectRef>
+          <a:fontRef idx="minor">
+            <a:schemeClr val="tx1"/>
+          </a:fontRef>
+        </p:style>
+      </p:cxnSp>
+      <p:sp>
+        <p:nvSpPr>
+          <p:cNvPr id="23" name="Rechteck: abgerundete Ecken 22">
+            <a:extLst>
+              <a:ext uri="{FF2B5EF4-FFF2-40B4-BE49-F238E27FC236}">
+                <a16:creationId xmlns:a16="http://schemas.microsoft.com/office/drawing/2014/main" id="{4F80A2AE-01A8-42DD-B009-A545CA3EA395}"/>
+              </a:ext>
+            </a:extLst>
+          </p:cNvPr>
+          <p:cNvSpPr/>
+          <p:nvPr/>
+        </p:nvSpPr>
+        <p:spPr>
+          <a:xfrm>
+            <a:off x="17140416" y="18821237"/>
+            <a:ext cx="11732086" cy="5581649"/>
+          </a:xfrm>
+          <a:prstGeom prst="roundRect">
+            <a:avLst/>
+          </a:prstGeom>
+        </p:spPr>
+        <p:style>
+          <a:lnRef idx="2">
+            <a:schemeClr val="accent1">
+              <a:shade val="50000"/>
+            </a:schemeClr>
+          </a:lnRef>
+          <a:fillRef idx="1">
+            <a:schemeClr val="accent1"/>
           </a:fillRef>
           <a:effectRef idx="0">
-            <a:scrgbClr r="0" g="0" b="0"/>
+            <a:schemeClr val="accent1"/>
           </a:effectRef>
-          <a:fontRef idx="minor"/>
+          <a:fontRef idx="minor">
+            <a:schemeClr val="lt1"/>
+          </a:fontRef>
         </p:style>
         <p:txBody>
-          <a:bodyPr lIns="129240" tIns="64800" rIns="129240" bIns="64800">
-            <a:noAutofit/>
-          </a:bodyPr>
+          <a:bodyPr rtlCol="0" anchor="ctr"/>
+          <a:lstStyle/>
+          <a:p>
+            <a:pPr algn="ctr"/>
+            <a:endParaRPr lang="de-DE"/>
+          </a:p>
+        </p:txBody>
+      </p:sp>
+      <p:sp>
+        <p:nvSpPr>
+          <p:cNvPr id="25" name="Rechteck: abgerundete Ecken 24">
+            <a:extLst>
+              <a:ext uri="{FF2B5EF4-FFF2-40B4-BE49-F238E27FC236}">
+                <a16:creationId xmlns:a16="http://schemas.microsoft.com/office/drawing/2014/main" id="{59B75199-A1E7-4A1A-8BB6-FB4A1F3CC446}"/>
+              </a:ext>
+            </a:extLst>
+          </p:cNvPr>
+          <p:cNvSpPr/>
+          <p:nvPr/>
+        </p:nvSpPr>
+        <p:spPr>
+          <a:xfrm>
+            <a:off x="17296452" y="18992686"/>
+            <a:ext cx="11423804" cy="5275571"/>
+          </a:xfrm>
+          <a:prstGeom prst="roundRect">
+            <a:avLst/>
+          </a:prstGeom>
+          <a:ln/>
+        </p:spPr>
+        <p:style>
+          <a:lnRef idx="2">
+            <a:schemeClr val="dk1"/>
+          </a:lnRef>
+          <a:fillRef idx="1">
+            <a:schemeClr val="lt1"/>
+          </a:fillRef>
+          <a:effectRef idx="0">
+            <a:schemeClr val="dk1"/>
+          </a:effectRef>
+          <a:fontRef idx="minor">
+            <a:schemeClr val="dk1"/>
+          </a:fontRef>
+        </p:style>
+        <p:txBody>
+          <a:bodyPr rtlCol="0" anchor="ctr"/>
           <a:lstStyle/>
           <a:p>
             <a:r>
-              <a:rPr lang="de-DE" sz="1800" b="0" strike="noStrike" spc="-1">
-                <a:latin typeface="Arial"/>
-              </a:rPr>
-              <a:t>Textbox</a:t>
+              <a:rPr lang="de-DE" sz="2800" dirty="0"/>
+              <a:t>Trump-client:</a:t>
             </a:r>
           </a:p>
           <a:p>
-            <a:endParaRPr lang="de-DE" sz="1800" b="0" strike="noStrike" spc="-1">
-              <a:latin typeface="Arial"/>
-            </a:endParaRPr>
+            <a:endParaRPr lang="de-DE" sz="2800" dirty="0"/>
+          </a:p>
+          <a:p>
+            <a:r>
+              <a:rPr lang="de-DE" sz="2800" dirty="0"/>
+              <a:t>Trump-</a:t>
+            </a:r>
+            <a:r>
+              <a:rPr lang="de-DE" sz="2800" dirty="0" err="1"/>
+              <a:t>mapnik</a:t>
+            </a:r>
+            <a:r>
+              <a:rPr lang="de-DE" sz="2800" dirty="0"/>
+              <a:t>:</a:t>
+            </a:r>
+          </a:p>
+          <a:p>
+            <a:endParaRPr lang="de-DE" sz="2800" dirty="0"/>
+          </a:p>
+          <a:p>
+            <a:r>
+              <a:rPr lang="de-DE" sz="2800" dirty="0"/>
+              <a:t>Trump-area:</a:t>
+            </a:r>
+          </a:p>
+          <a:p>
+            <a:endParaRPr lang="de-DE" sz="2800" dirty="0"/>
+          </a:p>
+          <a:p>
+            <a:r>
+              <a:rPr lang="de-DE" sz="2800" dirty="0"/>
+              <a:t>Trump-label:</a:t>
+            </a:r>
+          </a:p>
+          <a:p>
+            <a:endParaRPr lang="de-DE" sz="2800" dirty="0"/>
+          </a:p>
+          <a:p>
+            <a:r>
+              <a:rPr lang="de-DE" sz="2800" dirty="0"/>
+              <a:t>Trump-</a:t>
+            </a:r>
+            <a:r>
+              <a:rPr lang="de-DE" sz="2800" dirty="0" err="1"/>
+              <a:t>preprocessing</a:t>
+            </a:r>
+            <a:r>
+              <a:rPr lang="de-DE" sz="2800" dirty="0"/>
+              <a:t>:</a:t>
+            </a:r>
+          </a:p>
+          <a:p>
+            <a:endParaRPr lang="de-DE" sz="2800" dirty="0"/>
+          </a:p>
+          <a:p>
+            <a:r>
+              <a:rPr lang="de-DE" sz="2800" dirty="0"/>
+              <a:t>Trump-</a:t>
+            </a:r>
+            <a:r>
+              <a:rPr lang="de-DE" sz="2800" dirty="0" err="1"/>
+              <a:t>postgis</a:t>
+            </a:r>
+            <a:r>
+              <a:rPr lang="de-DE" sz="2800" dirty="0"/>
+              <a:t>:</a:t>
+            </a:r>
+          </a:p>
+        </p:txBody>
+      </p:sp>
+      <p:cxnSp>
+        <p:nvCxnSpPr>
+          <p:cNvPr id="27" name="Gerader Verbinder 26">
+            <a:extLst>
+              <a:ext uri="{FF2B5EF4-FFF2-40B4-BE49-F238E27FC236}">
+                <a16:creationId xmlns:a16="http://schemas.microsoft.com/office/drawing/2014/main" id="{BBCE67EC-FBE8-4343-BB17-74076844A49A}"/>
+              </a:ext>
+            </a:extLst>
+          </p:cNvPr>
+          <p:cNvCxnSpPr>
+            <a:cxnSpLocks/>
+          </p:cNvCxnSpPr>
+          <p:nvPr/>
+        </p:nvCxnSpPr>
+        <p:spPr>
+          <a:xfrm>
+            <a:off x="16269600" y="17944355"/>
+            <a:ext cx="0" cy="7657405"/>
+          </a:xfrm>
+          <a:prstGeom prst="line">
+            <a:avLst/>
+          </a:prstGeom>
+          <a:ln w="127000"/>
+        </p:spPr>
+        <p:style>
+          <a:lnRef idx="3">
+            <a:schemeClr val="dk1"/>
+          </a:lnRef>
+          <a:fillRef idx="0">
+            <a:schemeClr val="dk1"/>
+          </a:fillRef>
+          <a:effectRef idx="2">
+            <a:schemeClr val="dk1"/>
+          </a:effectRef>
+          <a:fontRef idx="minor">
+            <a:schemeClr val="tx1"/>
+          </a:fontRef>
+        </p:style>
+      </p:cxnSp>
+      <p:cxnSp>
+        <p:nvCxnSpPr>
+          <p:cNvPr id="28" name="Gerader Verbinder 27">
+            <a:extLst>
+              <a:ext uri="{FF2B5EF4-FFF2-40B4-BE49-F238E27FC236}">
+                <a16:creationId xmlns:a16="http://schemas.microsoft.com/office/drawing/2014/main" id="{19BA42E2-7992-45C1-90C3-14EDE1EA0AFA}"/>
+              </a:ext>
+            </a:extLst>
+          </p:cNvPr>
+          <p:cNvCxnSpPr/>
+          <p:nvPr/>
+        </p:nvCxnSpPr>
+        <p:spPr>
+          <a:xfrm>
+            <a:off x="1119187" y="32612160"/>
+            <a:ext cx="28041600" cy="0"/>
+          </a:xfrm>
+          <a:prstGeom prst="line">
+            <a:avLst/>
+          </a:prstGeom>
+          <a:ln w="127000"/>
+        </p:spPr>
+        <p:style>
+          <a:lnRef idx="3">
+            <a:schemeClr val="dk1"/>
+          </a:lnRef>
+          <a:fillRef idx="0">
+            <a:schemeClr val="dk1"/>
+          </a:fillRef>
+          <a:effectRef idx="2">
+            <a:schemeClr val="dk1"/>
+          </a:effectRef>
+          <a:fontRef idx="minor">
+            <a:schemeClr val="tx1"/>
+          </a:fontRef>
+        </p:style>
+      </p:cxnSp>
+      <p:sp>
+        <p:nvSpPr>
+          <p:cNvPr id="7" name="Textfeld 6">
+            <a:extLst>
+              <a:ext uri="{FF2B5EF4-FFF2-40B4-BE49-F238E27FC236}">
+                <a16:creationId xmlns:a16="http://schemas.microsoft.com/office/drawing/2014/main" id="{975782C5-152F-44BC-B3D2-A49411AA7615}"/>
+              </a:ext>
+            </a:extLst>
+          </p:cNvPr>
+          <p:cNvSpPr txBox="1"/>
+          <p:nvPr/>
+        </p:nvSpPr>
+        <p:spPr>
+          <a:xfrm>
+            <a:off x="11727230" y="28398901"/>
+            <a:ext cx="11093247" cy="1015663"/>
+          </a:xfrm>
+          <a:prstGeom prst="rect">
+            <a:avLst/>
+          </a:prstGeom>
+          <a:noFill/>
+        </p:spPr>
+        <p:txBody>
+          <a:bodyPr wrap="square" rtlCol="0">
+            <a:spAutoFit/>
+          </a:bodyPr>
+          <a:lstStyle/>
+          <a:p>
+            <a:r>
+              <a:rPr lang="de-DE" sz="6000" dirty="0"/>
+              <a:t>PREPROCESSING</a:t>
+            </a:r>
+          </a:p>
+        </p:txBody>
+      </p:sp>
+      <p:pic>
+        <p:nvPicPr>
+          <p:cNvPr id="3" name="Grafik 2" descr="Ein Bild, das Screenshot enthält.&#10;&#10;Automatisch generierte Beschreibung">
+            <a:extLst>
+              <a:ext uri="{FF2B5EF4-FFF2-40B4-BE49-F238E27FC236}">
+                <a16:creationId xmlns:a16="http://schemas.microsoft.com/office/drawing/2014/main" id="{707371DF-CEA1-4285-BFC4-7619208D9551}"/>
+              </a:ext>
+            </a:extLst>
+          </p:cNvPr>
+          <p:cNvPicPr>
+            <a:picLocks noChangeAspect="1"/>
+          </p:cNvPicPr>
+          <p:nvPr/>
+        </p:nvPicPr>
+        <p:blipFill>
+          <a:blip r:embed="rId4">
+            <a:extLst>
+              <a:ext uri="{28A0092B-C50C-407E-A947-70E740481C1C}">
+                <a14:useLocalDpi xmlns:a14="http://schemas.microsoft.com/office/drawing/2010/main" val="0"/>
+              </a:ext>
+            </a:extLst>
+          </a:blip>
+          <a:stretch>
+            <a:fillRect/>
+          </a:stretch>
+        </p:blipFill>
+        <p:spPr>
+          <a:xfrm>
+            <a:off x="3039751" y="18728209"/>
+            <a:ext cx="12192000" cy="6086475"/>
+          </a:xfrm>
+          <a:prstGeom prst="rect">
+            <a:avLst/>
+          </a:prstGeom>
+        </p:spPr>
+      </p:pic>
+      <p:sp>
+        <p:nvSpPr>
+          <p:cNvPr id="12" name="Textfeld 11">
+            <a:extLst>
+              <a:ext uri="{FF2B5EF4-FFF2-40B4-BE49-F238E27FC236}">
+                <a16:creationId xmlns:a16="http://schemas.microsoft.com/office/drawing/2014/main" id="{3B4A12CD-F48C-45AD-BC77-6D2904201BDD}"/>
+              </a:ext>
+            </a:extLst>
+          </p:cNvPr>
+          <p:cNvSpPr txBox="1"/>
+          <p:nvPr/>
+        </p:nvSpPr>
+        <p:spPr>
+          <a:xfrm>
+            <a:off x="11938047" y="34914365"/>
+            <a:ext cx="11093241" cy="1938992"/>
+          </a:xfrm>
+          <a:prstGeom prst="rect">
+            <a:avLst/>
+          </a:prstGeom>
+          <a:noFill/>
+        </p:spPr>
+        <p:txBody>
+          <a:bodyPr wrap="square" rtlCol="0">
+            <a:spAutoFit/>
+          </a:bodyPr>
+          <a:lstStyle/>
+          <a:p>
+            <a:r>
+              <a:rPr lang="de-DE" sz="6000" dirty="0"/>
+              <a:t>BILDER LABEL / VEREINFACHUNG</a:t>
+            </a:r>
           </a:p>
         </p:txBody>
       </p:sp>

--- a/EnPro_ALF_Poster.pptx
+++ b/EnPro_ALF_Poster.pptx
@@ -7234,77 +7234,109 @@
           <a:lstStyle/>
           <a:p>
             <a:r>
-              <a:rPr lang="de-DE" sz="2800" dirty="0"/>
-              <a:t>Trump-client:</a:t>
+              <a:rPr lang="de-DE" sz="2400" b="1" dirty="0"/>
+              <a:t>Trump-client</a:t>
             </a:r>
-          </a:p>
-          <a:p>
-            <a:endParaRPr lang="de-DE" sz="2800" dirty="0"/>
-          </a:p>
-          <a:p>
             <a:r>
-              <a:rPr lang="de-DE" sz="2800" dirty="0"/>
+              <a:rPr lang="de-DE" sz="2400" dirty="0"/>
+              <a:t>: Fordert Daten für einen gegebenen Kartenausschnitt an</a:t>
+            </a:r>
+          </a:p>
+          <a:p>
+            <a:endParaRPr lang="de-DE" sz="2400" dirty="0"/>
+          </a:p>
+          <a:p>
+            <a:r>
+              <a:rPr lang="de-DE" sz="2400" b="1" dirty="0"/>
               <a:t>Trump-</a:t>
             </a:r>
             <a:r>
-              <a:rPr lang="de-DE" sz="2800" dirty="0" err="1"/>
+              <a:rPr lang="de-DE" sz="2400" b="1" dirty="0" err="1"/>
               <a:t>mapnik</a:t>
             </a:r>
             <a:r>
-              <a:rPr lang="de-DE" sz="2800" dirty="0"/>
-              <a:t>:</a:t>
+              <a:rPr lang="de-DE" sz="2400" dirty="0"/>
+              <a:t>: Stellt dem Client vor-gerenderte </a:t>
             </a:r>
-          </a:p>
-          <a:p>
-            <a:endParaRPr lang="de-DE" sz="2800" dirty="0"/>
-          </a:p>
-          <a:p>
             <a:r>
-              <a:rPr lang="de-DE" sz="2800" dirty="0"/>
-              <a:t>Trump-area:</a:t>
+              <a:rPr lang="de-DE" sz="2400" dirty="0" err="1"/>
+              <a:t>Tiles</a:t>
             </a:r>
-          </a:p>
-          <a:p>
-            <a:endParaRPr lang="de-DE" sz="2800" dirty="0"/>
-          </a:p>
-          <a:p>
             <a:r>
-              <a:rPr lang="de-DE" sz="2800" dirty="0"/>
-              <a:t>Trump-label:</a:t>
+              <a:rPr lang="de-DE" sz="2400" dirty="0"/>
+              <a:t> bereit, sofern dies </a:t>
             </a:r>
-          </a:p>
-          <a:p>
-            <a:endParaRPr lang="de-DE" sz="2800" dirty="0"/>
-          </a:p>
-          <a:p>
             <a:r>
-              <a:rPr lang="de-DE" sz="2800" dirty="0"/>
+              <a:rPr lang="de-DE" sz="2400" dirty="0" err="1"/>
+              <a:t>gewüscht</a:t>
+            </a:r>
+            <a:r>
+              <a:rPr lang="de-DE" sz="2400" dirty="0"/>
+              <a:t> ist</a:t>
+            </a:r>
+          </a:p>
+          <a:p>
+            <a:endParaRPr lang="de-DE" sz="2400" dirty="0"/>
+          </a:p>
+          <a:p>
+            <a:r>
+              <a:rPr lang="de-DE" sz="2400" b="1" dirty="0"/>
+              <a:t>Trump-area</a:t>
+            </a:r>
+            <a:r>
+              <a:rPr lang="de-DE" sz="2400" dirty="0"/>
+              <a:t>: Stellt dem Client Grenzen und gebogene Label bereit, liest diese aus der Datenbank</a:t>
+            </a:r>
+          </a:p>
+          <a:p>
+            <a:endParaRPr lang="de-DE" sz="2400" dirty="0"/>
+          </a:p>
+          <a:p>
+            <a:r>
+              <a:rPr lang="de-DE" sz="2400" b="1" dirty="0"/>
+              <a:t>Trump-label</a:t>
+            </a:r>
+            <a:r>
+              <a:rPr lang="de-DE" sz="2400" dirty="0"/>
+              <a:t>: Stellt überschneidungsfreie Punktlabel bereit</a:t>
+            </a:r>
+          </a:p>
+          <a:p>
+            <a:endParaRPr lang="de-DE" sz="2400" dirty="0"/>
+          </a:p>
+          <a:p>
+            <a:r>
+              <a:rPr lang="de-DE" sz="2400" b="1" dirty="0"/>
               <a:t>Trump-</a:t>
             </a:r>
             <a:r>
-              <a:rPr lang="de-DE" sz="2800" dirty="0" err="1"/>
+              <a:rPr lang="de-DE" sz="2400" b="1" dirty="0" err="1"/>
               <a:t>preprocessing</a:t>
             </a:r>
             <a:r>
-              <a:rPr lang="de-DE" sz="2800" dirty="0"/>
-              <a:t>:</a:t>
+              <a:rPr lang="de-DE" sz="2400" dirty="0"/>
+              <a:t>: Grenzen werden für verschiedene Zoomstufen vereinfacht und Position der gebogenen Label wird je Grenze</a:t>
             </a:r>
           </a:p>
           <a:p>
-            <a:endParaRPr lang="de-DE" sz="2800" dirty="0"/>
+            <a:endParaRPr lang="de-DE" sz="2400" dirty="0"/>
           </a:p>
           <a:p>
             <a:r>
-              <a:rPr lang="de-DE" sz="2800" dirty="0"/>
+              <a:rPr lang="de-DE" sz="2400" b="1" dirty="0"/>
               <a:t>Trump-</a:t>
             </a:r>
             <a:r>
-              <a:rPr lang="de-DE" sz="2800" dirty="0" err="1"/>
+              <a:rPr lang="de-DE" sz="2400" b="1" dirty="0" err="1"/>
               <a:t>postgis</a:t>
             </a:r>
             <a:r>
-              <a:rPr lang="de-DE" sz="2800" dirty="0"/>
-              <a:t>:</a:t>
+              <a:rPr lang="de-DE" sz="2400" b="1" dirty="0"/>
+              <a:t>: </a:t>
+            </a:r>
+            <a:r>
+              <a:rPr lang="de-DE" sz="2400" dirty="0"/>
+              <a:t>Datenbank enthält die vorverarbeiteten Daten</a:t>
             </a:r>
           </a:p>
         </p:txBody>

--- a/EnPro_ALF_Poster.pptx
+++ b/EnPro_ALF_Poster.pptx
@@ -75,10 +75,8 @@
             <a:spAutoFit/>
           </a:bodyPr>
           <a:p>
-            <a:endParaRPr b="0" lang="de-DE" sz="1800" spc="-1" strike="noStrike">
-              <a:solidFill>
-                <a:srgbClr val="000000"/>
-              </a:solidFill>
+            <a:pPr algn="ctr"/>
+            <a:endParaRPr b="0" lang="de-DE" sz="4400" spc="-1" strike="noStrike">
               <a:latin typeface="Arial"/>
             </a:endParaRPr>
           </a:p>
@@ -108,10 +106,7 @@
             <a:normAutofit/>
           </a:bodyPr>
           <a:p>
-            <a:endParaRPr b="0" lang="de-DE" sz="2800" spc="-1" strike="noStrike">
-              <a:solidFill>
-                <a:srgbClr val="000000"/>
-              </a:solidFill>
+            <a:endParaRPr b="0" lang="de-DE" sz="3200" spc="-1" strike="noStrike">
               <a:latin typeface="Arial"/>
             </a:endParaRPr>
           </a:p>
@@ -141,10 +136,7 @@
             <a:normAutofit/>
           </a:bodyPr>
           <a:p>
-            <a:endParaRPr b="0" lang="de-DE" sz="2800" spc="-1" strike="noStrike">
-              <a:solidFill>
-                <a:srgbClr val="000000"/>
-              </a:solidFill>
+            <a:endParaRPr b="0" lang="de-DE" sz="3200" spc="-1" strike="noStrike">
               <a:latin typeface="Arial"/>
             </a:endParaRPr>
           </a:p>
@@ -196,10 +188,8 @@
             <a:spAutoFit/>
           </a:bodyPr>
           <a:p>
-            <a:endParaRPr b="0" lang="de-DE" sz="1800" spc="-1" strike="noStrike">
-              <a:solidFill>
-                <a:srgbClr val="000000"/>
-              </a:solidFill>
+            <a:pPr algn="ctr"/>
+            <a:endParaRPr b="0" lang="de-DE" sz="4400" spc="-1" strike="noStrike">
               <a:latin typeface="Arial"/>
             </a:endParaRPr>
           </a:p>
@@ -229,10 +219,7 @@
             <a:normAutofit/>
           </a:bodyPr>
           <a:p>
-            <a:endParaRPr b="0" lang="de-DE" sz="2800" spc="-1" strike="noStrike">
-              <a:solidFill>
-                <a:srgbClr val="000000"/>
-              </a:solidFill>
+            <a:endParaRPr b="0" lang="de-DE" sz="3200" spc="-1" strike="noStrike">
               <a:latin typeface="Arial"/>
             </a:endParaRPr>
           </a:p>
@@ -262,10 +249,7 @@
             <a:normAutofit/>
           </a:bodyPr>
           <a:p>
-            <a:endParaRPr b="0" lang="de-DE" sz="2800" spc="-1" strike="noStrike">
-              <a:solidFill>
-                <a:srgbClr val="000000"/>
-              </a:solidFill>
+            <a:endParaRPr b="0" lang="de-DE" sz="3200" spc="-1" strike="noStrike">
               <a:latin typeface="Arial"/>
             </a:endParaRPr>
           </a:p>
@@ -295,10 +279,7 @@
             <a:normAutofit/>
           </a:bodyPr>
           <a:p>
-            <a:endParaRPr b="0" lang="de-DE" sz="2800" spc="-1" strike="noStrike">
-              <a:solidFill>
-                <a:srgbClr val="000000"/>
-              </a:solidFill>
+            <a:endParaRPr b="0" lang="de-DE" sz="3200" spc="-1" strike="noStrike">
               <a:latin typeface="Arial"/>
             </a:endParaRPr>
           </a:p>
@@ -328,10 +309,7 @@
             <a:normAutofit/>
           </a:bodyPr>
           <a:p>
-            <a:endParaRPr b="0" lang="de-DE" sz="2800" spc="-1" strike="noStrike">
-              <a:solidFill>
-                <a:srgbClr val="000000"/>
-              </a:solidFill>
+            <a:endParaRPr b="0" lang="de-DE" sz="3200" spc="-1" strike="noStrike">
               <a:latin typeface="Arial"/>
             </a:endParaRPr>
           </a:p>
@@ -383,10 +361,8 @@
             <a:spAutoFit/>
           </a:bodyPr>
           <a:p>
-            <a:endParaRPr b="0" lang="de-DE" sz="1800" spc="-1" strike="noStrike">
-              <a:solidFill>
-                <a:srgbClr val="000000"/>
-              </a:solidFill>
+            <a:pPr algn="ctr"/>
+            <a:endParaRPr b="0" lang="de-DE" sz="4400" spc="-1" strike="noStrike">
               <a:latin typeface="Arial"/>
             </a:endParaRPr>
           </a:p>
@@ -416,10 +392,7 @@
             <a:normAutofit/>
           </a:bodyPr>
           <a:p>
-            <a:endParaRPr b="0" lang="de-DE" sz="2800" spc="-1" strike="noStrike">
-              <a:solidFill>
-                <a:srgbClr val="000000"/>
-              </a:solidFill>
+            <a:endParaRPr b="0" lang="de-DE" sz="3200" spc="-1" strike="noStrike">
               <a:latin typeface="Arial"/>
             </a:endParaRPr>
           </a:p>
@@ -449,10 +422,7 @@
             <a:normAutofit/>
           </a:bodyPr>
           <a:p>
-            <a:endParaRPr b="0" lang="de-DE" sz="2800" spc="-1" strike="noStrike">
-              <a:solidFill>
-                <a:srgbClr val="000000"/>
-              </a:solidFill>
+            <a:endParaRPr b="0" lang="de-DE" sz="3200" spc="-1" strike="noStrike">
               <a:latin typeface="Arial"/>
             </a:endParaRPr>
           </a:p>
@@ -482,10 +452,7 @@
             <a:normAutofit/>
           </a:bodyPr>
           <a:p>
-            <a:endParaRPr b="0" lang="de-DE" sz="2800" spc="-1" strike="noStrike">
-              <a:solidFill>
-                <a:srgbClr val="000000"/>
-              </a:solidFill>
+            <a:endParaRPr b="0" lang="de-DE" sz="3200" spc="-1" strike="noStrike">
               <a:latin typeface="Arial"/>
             </a:endParaRPr>
           </a:p>
@@ -515,10 +482,7 @@
             <a:normAutofit/>
           </a:bodyPr>
           <a:p>
-            <a:endParaRPr b="0" lang="de-DE" sz="2800" spc="-1" strike="noStrike">
-              <a:solidFill>
-                <a:srgbClr val="000000"/>
-              </a:solidFill>
+            <a:endParaRPr b="0" lang="de-DE" sz="3200" spc="-1" strike="noStrike">
               <a:latin typeface="Arial"/>
             </a:endParaRPr>
           </a:p>
@@ -548,10 +512,7 @@
             <a:normAutofit/>
           </a:bodyPr>
           <a:p>
-            <a:endParaRPr b="0" lang="de-DE" sz="2800" spc="-1" strike="noStrike">
-              <a:solidFill>
-                <a:srgbClr val="000000"/>
-              </a:solidFill>
+            <a:endParaRPr b="0" lang="de-DE" sz="3200" spc="-1" strike="noStrike">
               <a:latin typeface="Arial"/>
             </a:endParaRPr>
           </a:p>
@@ -581,10 +542,7 @@
             <a:normAutofit/>
           </a:bodyPr>
           <a:p>
-            <a:endParaRPr b="0" lang="de-DE" sz="2800" spc="-1" strike="noStrike">
-              <a:solidFill>
-                <a:srgbClr val="000000"/>
-              </a:solidFill>
+            <a:endParaRPr b="0" lang="de-DE" sz="3200" spc="-1" strike="noStrike">
               <a:latin typeface="Arial"/>
             </a:endParaRPr>
           </a:p>
@@ -636,10 +594,8 @@
             <a:spAutoFit/>
           </a:bodyPr>
           <a:p>
-            <a:endParaRPr b="0" lang="de-DE" sz="1800" spc="-1" strike="noStrike">
-              <a:solidFill>
-                <a:srgbClr val="000000"/>
-              </a:solidFill>
+            <a:pPr algn="ctr"/>
+            <a:endParaRPr b="0" lang="de-DE" sz="4400" spc="-1" strike="noStrike">
               <a:latin typeface="Arial"/>
             </a:endParaRPr>
           </a:p>
@@ -722,10 +678,8 @@
             <a:spAutoFit/>
           </a:bodyPr>
           <a:p>
-            <a:endParaRPr b="0" lang="de-DE" sz="1800" spc="-1" strike="noStrike">
-              <a:solidFill>
-                <a:srgbClr val="000000"/>
-              </a:solidFill>
+            <a:pPr algn="ctr"/>
+            <a:endParaRPr b="0" lang="de-DE" sz="4400" spc="-1" strike="noStrike">
               <a:latin typeface="Arial"/>
             </a:endParaRPr>
           </a:p>
@@ -755,10 +709,7 @@
             <a:normAutofit/>
           </a:bodyPr>
           <a:p>
-            <a:endParaRPr b="0" lang="de-DE" sz="2800" spc="-1" strike="noStrike">
-              <a:solidFill>
-                <a:srgbClr val="000000"/>
-              </a:solidFill>
+            <a:endParaRPr b="0" lang="de-DE" sz="3200" spc="-1" strike="noStrike">
               <a:latin typeface="Arial"/>
             </a:endParaRPr>
           </a:p>
@@ -810,10 +761,8 @@
             <a:spAutoFit/>
           </a:bodyPr>
           <a:p>
-            <a:endParaRPr b="0" lang="de-DE" sz="1800" spc="-1" strike="noStrike">
-              <a:solidFill>
-                <a:srgbClr val="000000"/>
-              </a:solidFill>
+            <a:pPr algn="ctr"/>
+            <a:endParaRPr b="0" lang="de-DE" sz="4400" spc="-1" strike="noStrike">
               <a:latin typeface="Arial"/>
             </a:endParaRPr>
           </a:p>
@@ -843,10 +792,7 @@
             <a:normAutofit/>
           </a:bodyPr>
           <a:p>
-            <a:endParaRPr b="0" lang="de-DE" sz="2800" spc="-1" strike="noStrike">
-              <a:solidFill>
-                <a:srgbClr val="000000"/>
-              </a:solidFill>
+            <a:endParaRPr b="0" lang="de-DE" sz="3200" spc="-1" strike="noStrike">
               <a:latin typeface="Arial"/>
             </a:endParaRPr>
           </a:p>
@@ -876,10 +822,7 @@
             <a:normAutofit/>
           </a:bodyPr>
           <a:p>
-            <a:endParaRPr b="0" lang="de-DE" sz="2800" spc="-1" strike="noStrike">
-              <a:solidFill>
-                <a:srgbClr val="000000"/>
-              </a:solidFill>
+            <a:endParaRPr b="0" lang="de-DE" sz="3200" spc="-1" strike="noStrike">
               <a:latin typeface="Arial"/>
             </a:endParaRPr>
           </a:p>
@@ -931,10 +874,8 @@
             <a:spAutoFit/>
           </a:bodyPr>
           <a:p>
-            <a:endParaRPr b="0" lang="de-DE" sz="1800" spc="-1" strike="noStrike">
-              <a:solidFill>
-                <a:srgbClr val="000000"/>
-              </a:solidFill>
+            <a:pPr algn="ctr"/>
+            <a:endParaRPr b="0" lang="de-DE" sz="4400" spc="-1" strike="noStrike">
               <a:latin typeface="Arial"/>
             </a:endParaRPr>
           </a:p>
@@ -1039,10 +980,8 @@
             <a:spAutoFit/>
           </a:bodyPr>
           <a:p>
-            <a:endParaRPr b="0" lang="de-DE" sz="1800" spc="-1" strike="noStrike">
-              <a:solidFill>
-                <a:srgbClr val="000000"/>
-              </a:solidFill>
+            <a:pPr algn="ctr"/>
+            <a:endParaRPr b="0" lang="de-DE" sz="4400" spc="-1" strike="noStrike">
               <a:latin typeface="Arial"/>
             </a:endParaRPr>
           </a:p>
@@ -1072,10 +1011,7 @@
             <a:normAutofit/>
           </a:bodyPr>
           <a:p>
-            <a:endParaRPr b="0" lang="de-DE" sz="2800" spc="-1" strike="noStrike">
-              <a:solidFill>
-                <a:srgbClr val="000000"/>
-              </a:solidFill>
+            <a:endParaRPr b="0" lang="de-DE" sz="3200" spc="-1" strike="noStrike">
               <a:latin typeface="Arial"/>
             </a:endParaRPr>
           </a:p>
@@ -1105,10 +1041,7 @@
             <a:normAutofit/>
           </a:bodyPr>
           <a:p>
-            <a:endParaRPr b="0" lang="de-DE" sz="2800" spc="-1" strike="noStrike">
-              <a:solidFill>
-                <a:srgbClr val="000000"/>
-              </a:solidFill>
+            <a:endParaRPr b="0" lang="de-DE" sz="3200" spc="-1" strike="noStrike">
               <a:latin typeface="Arial"/>
             </a:endParaRPr>
           </a:p>
@@ -1138,10 +1071,7 @@
             <a:normAutofit/>
           </a:bodyPr>
           <a:p>
-            <a:endParaRPr b="0" lang="de-DE" sz="2800" spc="-1" strike="noStrike">
-              <a:solidFill>
-                <a:srgbClr val="000000"/>
-              </a:solidFill>
+            <a:endParaRPr b="0" lang="de-DE" sz="3200" spc="-1" strike="noStrike">
               <a:latin typeface="Arial"/>
             </a:endParaRPr>
           </a:p>
@@ -1193,10 +1123,8 @@
             <a:spAutoFit/>
           </a:bodyPr>
           <a:p>
-            <a:endParaRPr b="0" lang="de-DE" sz="1800" spc="-1" strike="noStrike">
-              <a:solidFill>
-                <a:srgbClr val="000000"/>
-              </a:solidFill>
+            <a:pPr algn="ctr"/>
+            <a:endParaRPr b="0" lang="de-DE" sz="4400" spc="-1" strike="noStrike">
               <a:latin typeface="Arial"/>
             </a:endParaRPr>
           </a:p>
@@ -1226,10 +1154,7 @@
             <a:normAutofit/>
           </a:bodyPr>
           <a:p>
-            <a:endParaRPr b="0" lang="de-DE" sz="2800" spc="-1" strike="noStrike">
-              <a:solidFill>
-                <a:srgbClr val="000000"/>
-              </a:solidFill>
+            <a:endParaRPr b="0" lang="de-DE" sz="3200" spc="-1" strike="noStrike">
               <a:latin typeface="Arial"/>
             </a:endParaRPr>
           </a:p>
@@ -1259,10 +1184,7 @@
             <a:normAutofit/>
           </a:bodyPr>
           <a:p>
-            <a:endParaRPr b="0" lang="de-DE" sz="2800" spc="-1" strike="noStrike">
-              <a:solidFill>
-                <a:srgbClr val="000000"/>
-              </a:solidFill>
+            <a:endParaRPr b="0" lang="de-DE" sz="3200" spc="-1" strike="noStrike">
               <a:latin typeface="Arial"/>
             </a:endParaRPr>
           </a:p>
@@ -1292,10 +1214,7 @@
             <a:normAutofit/>
           </a:bodyPr>
           <a:p>
-            <a:endParaRPr b="0" lang="de-DE" sz="2800" spc="-1" strike="noStrike">
-              <a:solidFill>
-                <a:srgbClr val="000000"/>
-              </a:solidFill>
+            <a:endParaRPr b="0" lang="de-DE" sz="3200" spc="-1" strike="noStrike">
               <a:latin typeface="Arial"/>
             </a:endParaRPr>
           </a:p>
@@ -1347,10 +1266,8 @@
             <a:spAutoFit/>
           </a:bodyPr>
           <a:p>
-            <a:endParaRPr b="0" lang="de-DE" sz="1800" spc="-1" strike="noStrike">
-              <a:solidFill>
-                <a:srgbClr val="000000"/>
-              </a:solidFill>
+            <a:pPr algn="ctr"/>
+            <a:endParaRPr b="0" lang="de-DE" sz="4400" spc="-1" strike="noStrike">
               <a:latin typeface="Arial"/>
             </a:endParaRPr>
           </a:p>
@@ -1380,10 +1297,7 @@
             <a:normAutofit/>
           </a:bodyPr>
           <a:p>
-            <a:endParaRPr b="0" lang="de-DE" sz="2800" spc="-1" strike="noStrike">
-              <a:solidFill>
-                <a:srgbClr val="000000"/>
-              </a:solidFill>
+            <a:endParaRPr b="0" lang="de-DE" sz="3200" spc="-1" strike="noStrike">
               <a:latin typeface="Arial"/>
             </a:endParaRPr>
           </a:p>
@@ -1413,10 +1327,7 @@
             <a:normAutofit/>
           </a:bodyPr>
           <a:p>
-            <a:endParaRPr b="0" lang="de-DE" sz="2800" spc="-1" strike="noStrike">
-              <a:solidFill>
-                <a:srgbClr val="000000"/>
-              </a:solidFill>
+            <a:endParaRPr b="0" lang="de-DE" sz="3200" spc="-1" strike="noStrike">
               <a:latin typeface="Arial"/>
             </a:endParaRPr>
           </a:p>
@@ -1446,10 +1357,7 @@
             <a:normAutofit/>
           </a:bodyPr>
           <a:p>
-            <a:endParaRPr b="0" lang="de-DE" sz="2800" spc="-1" strike="noStrike">
-              <a:solidFill>
-                <a:srgbClr val="000000"/>
-              </a:solidFill>
+            <a:endParaRPr b="0" lang="de-DE" sz="3200" spc="-1" strike="noStrike">
               <a:latin typeface="Arial"/>
             </a:endParaRPr>
           </a:p>
@@ -1497,7 +1405,7 @@
         <p:spPr>
           <a:xfrm>
             <a:off x="2071800" y="2037600"/>
-            <a:ext cx="9637920" cy="2034720"/>
+            <a:ext cx="9637560" cy="2034360"/>
           </a:xfrm>
           <a:prstGeom prst="rect">
             <a:avLst/>
@@ -1516,7 +1424,7 @@
         <p:spPr>
           <a:xfrm>
             <a:off x="22860000" y="2016000"/>
-            <a:ext cx="7918920" cy="7918920"/>
+            <a:ext cx="7918560" cy="7918560"/>
           </a:xfrm>
           <a:prstGeom prst="ellipse">
             <a:avLst/>
@@ -1552,7 +1460,7 @@
         <p:spPr>
           <a:xfrm>
             <a:off x="19260000" y="2016000"/>
-            <a:ext cx="4858920" cy="4858920"/>
+            <a:ext cx="4858560" cy="4858560"/>
           </a:xfrm>
           <a:prstGeom prst="ellipse">
             <a:avLst/>
@@ -1625,7 +1533,7 @@
         <p:spPr>
           <a:xfrm>
             <a:off x="2864160" y="18527400"/>
-            <a:ext cx="12534480" cy="6461280"/>
+            <a:ext cx="12534120" cy="6460920"/>
           </a:xfrm>
           <a:prstGeom prst="rect">
             <a:avLst/>
@@ -1658,7 +1566,7 @@
         <p:spPr>
           <a:xfrm>
             <a:off x="20722680" y="11547720"/>
-            <a:ext cx="6461280" cy="5712840"/>
+            <a:ext cx="6460920" cy="5712480"/>
           </a:xfrm>
           <a:prstGeom prst="rect">
             <a:avLst/>
@@ -1691,7 +1599,7 @@
         <p:spPr>
           <a:xfrm>
             <a:off x="4057200" y="7132320"/>
-            <a:ext cx="16246080" cy="2543760"/>
+            <a:ext cx="16245720" cy="2543400"/>
           </a:xfrm>
           <a:prstGeom prst="rect">
             <a:avLst/>
@@ -1756,7 +1664,7 @@
         <p:spPr>
           <a:xfrm>
             <a:off x="24768000" y="3960000"/>
-            <a:ext cx="5219280" cy="4247280"/>
+            <a:ext cx="5218920" cy="4246920"/>
           </a:xfrm>
           <a:prstGeom prst="rect">
             <a:avLst/>
@@ -1833,7 +1741,7 @@
         <p:spPr>
           <a:xfrm>
             <a:off x="15660000" y="15003360"/>
-            <a:ext cx="12706920" cy="23515560"/>
+            <a:ext cx="12706560" cy="23515200"/>
           </a:xfrm>
           <a:prstGeom prst="rect">
             <a:avLst/>
@@ -1884,7 +1792,7 @@
         <p:spPr>
           <a:xfrm>
             <a:off x="4057200" y="4021920"/>
-            <a:ext cx="15598080" cy="2543760"/>
+            <a:ext cx="15597720" cy="2543400"/>
           </a:xfrm>
           <a:prstGeom prst="rect">
             <a:avLst/>
@@ -1949,7 +1857,7 @@
         <p:spPr>
           <a:xfrm>
             <a:off x="2037600" y="38700000"/>
-            <a:ext cx="12706920" cy="2217240"/>
+            <a:ext cx="12706560" cy="2216880"/>
           </a:xfrm>
           <a:prstGeom prst="rect">
             <a:avLst/>
@@ -2009,8 +1917,8 @@
         </p:nvSpPr>
         <p:spPr>
           <a:xfrm>
-            <a:off x="19867680" y="3389400"/>
-            <a:ext cx="4688280" cy="3311280"/>
+            <a:off x="19507680" y="3389400"/>
+            <a:ext cx="4687920" cy="3310920"/>
           </a:xfrm>
           <a:prstGeom prst="rect">
             <a:avLst/>
@@ -2101,7 +2009,7 @@
         <p:spPr>
           <a:xfrm>
             <a:off x="24264000" y="39096000"/>
-            <a:ext cx="4060800" cy="2375280"/>
+            <a:ext cx="4060440" cy="2374920"/>
           </a:xfrm>
           <a:prstGeom prst="rect">
             <a:avLst/>
@@ -2120,7 +2028,7 @@
         <p:spPr>
           <a:xfrm>
             <a:off x="2473200" y="11547720"/>
-            <a:ext cx="15107760" cy="5712840"/>
+            <a:ext cx="15107400" cy="5712480"/>
           </a:xfrm>
           <a:prstGeom prst="roundRect">
             <a:avLst>
@@ -2155,7 +2063,7 @@
         <p:spPr>
           <a:xfrm>
             <a:off x="2621880" y="11706120"/>
-            <a:ext cx="14804640" cy="5388120"/>
+            <a:ext cx="14804280" cy="5387760"/>
           </a:xfrm>
           <a:prstGeom prst="roundRect">
             <a:avLst>
@@ -2335,7 +2243,7 @@
         <p:spPr>
           <a:xfrm>
             <a:off x="20891160" y="11731680"/>
-            <a:ext cx="6124320" cy="5362560"/>
+            <a:ext cx="6123960" cy="5362200"/>
           </a:xfrm>
           <a:prstGeom prst="rect">
             <a:avLst/>
@@ -2571,7 +2479,7 @@
         <p:spPr>
           <a:xfrm>
             <a:off x="17140320" y="18821160"/>
-            <a:ext cx="11731680" cy="5581440"/>
+            <a:ext cx="11731320" cy="5581080"/>
           </a:xfrm>
           <a:prstGeom prst="roundRect">
             <a:avLst>
@@ -2606,7 +2514,7 @@
         <p:spPr>
           <a:xfrm>
             <a:off x="17296560" y="18992520"/>
-            <a:ext cx="11423520" cy="5275080"/>
+            <a:ext cx="11423160" cy="5274720"/>
           </a:xfrm>
           <a:prstGeom prst="roundRect">
             <a:avLst>
@@ -2940,7 +2848,7 @@
         <p:spPr>
           <a:xfrm>
             <a:off x="3039840" y="18728280"/>
-            <a:ext cx="12191760" cy="6086160"/>
+            <a:ext cx="12191400" cy="6085800"/>
           </a:xfrm>
           <a:prstGeom prst="rect">
             <a:avLst/>
@@ -2959,7 +2867,7 @@
         <p:spPr>
           <a:xfrm>
             <a:off x="11937960" y="34914240"/>
-            <a:ext cx="11093040" cy="1919160"/>
+            <a:ext cx="11092680" cy="1918800"/>
           </a:xfrm>
           <a:prstGeom prst="rect">
             <a:avLst/>
@@ -3014,7 +2922,7 @@
         <p:spPr>
           <a:xfrm>
             <a:off x="2304000" y="25772400"/>
-            <a:ext cx="11734560" cy="3171600"/>
+            <a:ext cx="11734200" cy="3171240"/>
           </a:xfrm>
           <a:prstGeom prst="rect">
             <a:avLst/>
@@ -3037,7 +2945,7 @@
         <p:spPr>
           <a:xfrm>
             <a:off x="2448000" y="25700400"/>
-            <a:ext cx="25305840" cy="6839640"/>
+            <a:ext cx="25305480" cy="6839280"/>
           </a:xfrm>
           <a:prstGeom prst="rect">
             <a:avLst/>
